--- a/MotionWriter.pptx
+++ b/MotionWriter.pptx
@@ -6,10 +6,19 @@
   </p:sldMasterIdLst>
   <p:sldIdLst>
     <p:sldId id="256" r:id="rId2"/>
-    <p:sldId id="257" r:id="rId3"/>
-    <p:sldId id="258" r:id="rId4"/>
-    <p:sldId id="259" r:id="rId5"/>
-    <p:sldId id="260" r:id="rId6"/>
+    <p:sldId id="270" r:id="rId3"/>
+    <p:sldId id="261" r:id="rId4"/>
+    <p:sldId id="271" r:id="rId5"/>
+    <p:sldId id="272" r:id="rId6"/>
+    <p:sldId id="273" r:id="rId7"/>
+    <p:sldId id="274" r:id="rId8"/>
+    <p:sldId id="262" r:id="rId9"/>
+    <p:sldId id="263" r:id="rId10"/>
+    <p:sldId id="264" r:id="rId11"/>
+    <p:sldId id="265" r:id="rId12"/>
+    <p:sldId id="266" r:id="rId13"/>
+    <p:sldId id="267" r:id="rId14"/>
+    <p:sldId id="275" r:id="rId15"/>
   </p:sldIdLst>
   <p:sldSz cx="12192000" cy="6858000"/>
   <p:notesSz cx="6858000" cy="9144000"/>
@@ -108,6 +117,11 @@
       </a:defRPr>
     </a:lvl9pPr>
   </p:defaultTextStyle>
+  <p:extLst>
+    <p:ext uri="{EFAFB233-063F-42B5-8137-9DF3F51BA10A}">
+      <p15:sldGuideLst xmlns:p15="http://schemas.microsoft.com/office/powerpoint/2012/main"/>
+    </p:ext>
+  </p:extLst>
 </p:presentation>
 </file>
 
@@ -2883,7 +2897,7 @@
         <p:spPr>
           <a:xfrm>
             <a:off x="677334" y="609600"/>
-            <a:ext cx="8596668" cy="782595"/>
+            <a:ext cx="8982055" cy="782595"/>
           </a:xfrm>
         </p:spPr>
         <p:txBody>
@@ -2916,8 +2930,8 @@
         </p:nvSpPr>
         <p:spPr>
           <a:xfrm>
-            <a:off x="677334" y="1894703"/>
-            <a:ext cx="8596668" cy="4146659"/>
+            <a:off x="677334" y="1722121"/>
+            <a:ext cx="8982055" cy="4319242"/>
           </a:xfrm>
         </p:spPr>
         <p:txBody>
@@ -2926,35 +2940,35 @@
           <a:p>
             <a:pPr lvl="0"/>
             <a:r>
-              <a:rPr lang="ko-KR" altLang="en-US" smtClean="0"/>
+              <a:rPr lang="ko-KR" altLang="en-US" dirty="0" smtClean="0"/>
               <a:t>마스터 텍스트 스타일 편집</a:t>
             </a:r>
           </a:p>
           <a:p>
             <a:pPr lvl="1"/>
             <a:r>
-              <a:rPr lang="ko-KR" altLang="en-US" smtClean="0"/>
+              <a:rPr lang="ko-KR" altLang="en-US" dirty="0" smtClean="0"/>
               <a:t>둘째 수준</a:t>
             </a:r>
           </a:p>
           <a:p>
             <a:pPr lvl="2"/>
             <a:r>
-              <a:rPr lang="ko-KR" altLang="en-US" smtClean="0"/>
+              <a:rPr lang="ko-KR" altLang="en-US" dirty="0" smtClean="0"/>
               <a:t>셋째 수준</a:t>
             </a:r>
           </a:p>
           <a:p>
             <a:pPr lvl="3"/>
             <a:r>
-              <a:rPr lang="ko-KR" altLang="en-US" smtClean="0"/>
+              <a:rPr lang="ko-KR" altLang="en-US" dirty="0" smtClean="0"/>
               <a:t>넷째 수준</a:t>
             </a:r>
           </a:p>
           <a:p>
             <a:pPr lvl="4"/>
             <a:r>
-              <a:rPr lang="ko-KR" altLang="en-US" smtClean="0"/>
+              <a:rPr lang="ko-KR" altLang="en-US" dirty="0" smtClean="0"/>
               <a:t>다섯째 수준</a:t>
             </a:r>
             <a:endParaRPr lang="en-US" dirty="0"/>
@@ -5375,7 +5389,7 @@
         <p:spPr>
           <a:xfrm>
             <a:off x="677334" y="609600"/>
-            <a:ext cx="8596668" cy="1320800"/>
+            <a:ext cx="8774237" cy="670560"/>
           </a:xfrm>
           <a:prstGeom prst="rect">
             <a:avLst/>
@@ -5383,12 +5397,12 @@
         </p:spPr>
         <p:txBody>
           <a:bodyPr vert="horz" lIns="91440" tIns="45720" rIns="91440" bIns="45720" rtlCol="0" anchor="t">
-            <a:normAutofit/>
+            <a:noAutofit/>
           </a:bodyPr>
           <a:lstStyle/>
           <a:p>
             <a:r>
-              <a:rPr lang="ko-KR" altLang="en-US" smtClean="0"/>
+              <a:rPr lang="ko-KR" altLang="en-US" dirty="0" smtClean="0"/>
               <a:t>마스터 제목 스타일 편집</a:t>
             </a:r>
             <a:endParaRPr lang="en-US" dirty="0"/>
@@ -5407,8 +5421,8 @@
         </p:nvSpPr>
         <p:spPr>
           <a:xfrm>
-            <a:off x="677334" y="2160589"/>
-            <a:ext cx="8596668" cy="3880773"/>
+            <a:off x="677334" y="1638301"/>
+            <a:ext cx="8774237" cy="4403062"/>
           </a:xfrm>
           <a:prstGeom prst="rect">
             <a:avLst/>
@@ -5422,35 +5436,35 @@
           <a:p>
             <a:pPr lvl="0"/>
             <a:r>
-              <a:rPr lang="ko-KR" altLang="en-US" smtClean="0"/>
+              <a:rPr lang="ko-KR" altLang="en-US" dirty="0" smtClean="0"/>
               <a:t>마스터 텍스트 스타일 편집</a:t>
             </a:r>
           </a:p>
           <a:p>
             <a:pPr lvl="1"/>
             <a:r>
-              <a:rPr lang="ko-KR" altLang="en-US" smtClean="0"/>
+              <a:rPr lang="ko-KR" altLang="en-US" dirty="0" smtClean="0"/>
               <a:t>둘째 수준</a:t>
             </a:r>
           </a:p>
           <a:p>
             <a:pPr lvl="2"/>
             <a:r>
-              <a:rPr lang="ko-KR" altLang="en-US" smtClean="0"/>
+              <a:rPr lang="ko-KR" altLang="en-US" dirty="0" smtClean="0"/>
               <a:t>셋째 수준</a:t>
             </a:r>
           </a:p>
           <a:p>
             <a:pPr lvl="3"/>
             <a:r>
-              <a:rPr lang="ko-KR" altLang="en-US" smtClean="0"/>
+              <a:rPr lang="ko-KR" altLang="en-US" dirty="0" smtClean="0"/>
               <a:t>넷째 수준</a:t>
             </a:r>
           </a:p>
           <a:p>
             <a:pPr lvl="4"/>
             <a:r>
-              <a:rPr lang="ko-KR" altLang="en-US" smtClean="0"/>
+              <a:rPr lang="ko-KR" altLang="en-US" dirty="0" smtClean="0"/>
               <a:t>다섯째 수준</a:t>
             </a:r>
             <a:endParaRPr lang="en-US" dirty="0"/>
@@ -5611,7 +5625,7 @@
           <a:spcPct val="0"/>
         </a:spcBef>
         <a:buNone/>
-        <a:defRPr sz="3600" kern="1200">
+        <a:defRPr sz="4200" b="1" kern="1200">
           <a:solidFill>
             <a:schemeClr val="accent1"/>
           </a:solidFill>
@@ -6032,7 +6046,7 @@
         </p:nvSpPr>
         <p:spPr>
           <a:xfrm>
-            <a:off x="1507067" y="1914084"/>
+            <a:off x="1713255" y="1914084"/>
             <a:ext cx="7766936" cy="1646302"/>
           </a:xfrm>
         </p:spPr>
@@ -6041,10 +6055,10 @@
           <a:lstStyle/>
           <a:p>
             <a:r>
-              <a:rPr lang="en-US" altLang="ko-KR" b="1" dirty="0" err="1" smtClean="0"/>
+              <a:rPr lang="en-US" altLang="ko-KR" sz="6400" b="1" dirty="0" err="1" smtClean="0"/>
               <a:t>MotionWriter</a:t>
             </a:r>
-            <a:endParaRPr lang="ko-KR" altLang="en-US" b="1" dirty="0"/>
+            <a:endParaRPr lang="ko-KR" altLang="en-US" sz="6400" b="1" dirty="0"/>
           </a:p>
         </p:txBody>
       </p:sp>
@@ -6060,19 +6074,75 @@
         </p:nvSpPr>
         <p:spPr>
           <a:xfrm>
-            <a:off x="1507067" y="3560383"/>
+            <a:off x="1713255" y="3593939"/>
             <a:ext cx="7766936" cy="1096899"/>
           </a:xfrm>
         </p:spPr>
         <p:txBody>
-          <a:bodyPr/>
+          <a:bodyPr>
+            <a:normAutofit/>
+          </a:bodyPr>
           <a:lstStyle/>
           <a:p>
             <a:r>
-              <a:rPr lang="en-US" altLang="ko-KR" dirty="0" smtClean="0"/>
+              <a:rPr lang="en-US" altLang="ko-KR" sz="2400" dirty="0" smtClean="0"/>
               <a:t>The last gif editor, ever.</a:t>
             </a:r>
-            <a:endParaRPr lang="ko-KR" altLang="en-US" dirty="0"/>
+            <a:endParaRPr lang="ko-KR" altLang="en-US" sz="2400" dirty="0"/>
+          </a:p>
+        </p:txBody>
+      </p:sp>
+      <p:sp>
+        <p:nvSpPr>
+          <p:cNvPr id="5" name="모서리가 둥근 직사각형 4"/>
+          <p:cNvSpPr/>
+          <p:nvPr/>
+        </p:nvSpPr>
+        <p:spPr>
+          <a:xfrm>
+            <a:off x="3031561" y="3486884"/>
+            <a:ext cx="6341291" cy="59655"/>
+          </a:xfrm>
+          <a:prstGeom prst="roundRect">
+            <a:avLst>
+              <a:gd name="adj" fmla="val 40495"/>
+            </a:avLst>
+          </a:prstGeom>
+          <a:solidFill>
+            <a:schemeClr val="accent2">
+              <a:lumMod val="75000"/>
+            </a:schemeClr>
+          </a:solidFill>
+          <a:ln>
+            <a:noFill/>
+          </a:ln>
+        </p:spPr>
+        <p:style>
+          <a:lnRef idx="2">
+            <a:schemeClr val="accent1">
+              <a:shade val="50000"/>
+            </a:schemeClr>
+          </a:lnRef>
+          <a:fillRef idx="1">
+            <a:schemeClr val="accent1"/>
+          </a:fillRef>
+          <a:effectRef idx="0">
+            <a:schemeClr val="accent1"/>
+          </a:effectRef>
+          <a:fontRef idx="minor">
+            <a:schemeClr val="lt1"/>
+          </a:fontRef>
+        </p:style>
+        <p:txBody>
+          <a:bodyPr rtlCol="0" anchor="ctr"/>
+          <a:lstStyle/>
+          <a:p>
+            <a:pPr algn="ctr"/>
+            <a:endParaRPr lang="ko-KR" altLang="en-US">
+              <a:solidFill>
+                <a:schemeClr val="accent1"/>
+              </a:solidFill>
+            </a:endParaRPr>
           </a:p>
         </p:txBody>
       </p:sp>
@@ -6086,6 +6156,1654 @@
   <p:clrMapOvr>
     <a:masterClrMapping/>
   </p:clrMapOvr>
+  <p:timing>
+    <p:tnLst>
+      <p:par>
+        <p:cTn id="1" dur="indefinite" restart="never" nodeType="tmRoot"/>
+      </p:par>
+    </p:tnLst>
+  </p:timing>
+</p:sld>
+</file>
+
+<file path=ppt/slides/slide10.xml><?xml version="1.0" encoding="utf-8"?>
+<p:sld xmlns:a="http://schemas.openxmlformats.org/drawingml/2006/main" xmlns:r="http://schemas.openxmlformats.org/officeDocument/2006/relationships" xmlns:p="http://schemas.openxmlformats.org/presentationml/2006/main">
+  <p:cSld>
+    <p:spTree>
+      <p:nvGrpSpPr>
+        <p:cNvPr id="1" name=""/>
+        <p:cNvGrpSpPr/>
+        <p:nvPr/>
+      </p:nvGrpSpPr>
+      <p:grpSpPr>
+        <a:xfrm>
+          <a:off x="0" y="0"/>
+          <a:ext cx="0" cy="0"/>
+          <a:chOff x="0" y="0"/>
+          <a:chExt cx="0" cy="0"/>
+        </a:xfrm>
+      </p:grpSpPr>
+      <p:sp>
+        <p:nvSpPr>
+          <p:cNvPr id="2" name="제목 1"/>
+          <p:cNvSpPr>
+            <a:spLocks noGrp="1"/>
+          </p:cNvSpPr>
+          <p:nvPr>
+            <p:ph type="title"/>
+          </p:nvPr>
+        </p:nvSpPr>
+        <p:spPr/>
+        <p:txBody>
+          <a:bodyPr/>
+          <a:lstStyle/>
+          <a:p>
+            <a:r>
+              <a:rPr lang="en-US" altLang="ko-KR" dirty="0"/>
+              <a:t>B. rotated</a:t>
+            </a:r>
+            <a:endParaRPr lang="ko-KR" altLang="en-US" dirty="0"/>
+          </a:p>
+        </p:txBody>
+      </p:sp>
+      <mc:AlternateContent xmlns:mc="http://schemas.openxmlformats.org/markup-compatibility/2006">
+        <mc:Choice xmlns:a14="http://schemas.microsoft.com/office/drawing/2010/main" Requires="a14">
+          <p:sp>
+            <p:nvSpPr>
+              <p:cNvPr id="3" name="내용 개체 틀 2"/>
+              <p:cNvSpPr>
+                <a:spLocks noGrp="1"/>
+              </p:cNvSpPr>
+              <p:nvPr>
+                <p:ph idx="1"/>
+              </p:nvPr>
+            </p:nvSpPr>
+            <p:spPr/>
+            <p:txBody>
+              <a:bodyPr/>
+              <a:lstStyle/>
+              <a:p>
+                <a:r>
+                  <a:rPr lang="ko-KR" altLang="en-US" dirty="0"/>
+                  <a:t>점 </a:t>
+                </a:r>
+                <a:r>
+                  <a:rPr lang="en-US" altLang="ko-KR" dirty="0"/>
+                  <a:t>(x, y)</a:t>
+                </a:r>
+                <a:r>
+                  <a:rPr lang="ko-KR" altLang="en-US" dirty="0"/>
+                  <a:t>를 </a:t>
+                </a:r>
+                <a:r>
+                  <a:rPr lang="en-US" altLang="ko-KR" dirty="0"/>
+                  <a:t>(a, b)</a:t>
+                </a:r>
+                <a:r>
+                  <a:rPr lang="ko-KR" altLang="en-US" dirty="0"/>
+                  <a:t>를 중심으로 각 </a:t>
+                </a:r>
+                <a14:m>
+                  <m:oMath xmlns:m="http://schemas.openxmlformats.org/officeDocument/2006/math">
+                    <m:r>
+                      <a:rPr lang="ko-KR" altLang="en-US" i="1">
+                        <a:latin typeface="Cambria Math" panose="02040503050406030204" pitchFamily="18" charset="0"/>
+                      </a:rPr>
+                      <m:t>𝜃</m:t>
+                    </m:r>
+                  </m:oMath>
+                </a14:m>
+                <a:r>
+                  <a:rPr lang="ko-KR" altLang="en-US" dirty="0"/>
+                  <a:t>만큼 회전시킨 점 </a:t>
+                </a:r>
+                <a:r>
+                  <a:rPr lang="en-US" altLang="ko-KR" dirty="0"/>
+                  <a:t>(x’, y’)</a:t>
+                </a:r>
+                <a:r>
+                  <a:rPr lang="ko-KR" altLang="en-US" dirty="0"/>
+                  <a:t>을 반환합니다</a:t>
+                </a:r>
+                <a:r>
+                  <a:rPr lang="en-US" altLang="ko-KR" dirty="0"/>
+                  <a:t>.</a:t>
+                </a:r>
+                <a:endParaRPr lang="en-US" altLang="ko-KR" dirty="0"/>
+              </a:p>
+              <a:p>
+                <a:r>
+                  <a:rPr lang="ko-KR" altLang="en-US" dirty="0"/>
+                  <a:t>작동 방식 </a:t>
+                </a:r>
+                <a:r>
+                  <a:rPr lang="en-US" altLang="ko-KR" dirty="0"/>
+                  <a:t>(</a:t>
+                </a:r>
+                <a:r>
+                  <a:rPr lang="ko-KR" altLang="en-US" dirty="0"/>
+                  <a:t>다음 수식의 </a:t>
+                </a:r>
+                <a:r>
+                  <a:rPr lang="ko-KR" altLang="en-US" dirty="0" smtClean="0"/>
+                  <a:t>계산 값을 </a:t>
+                </a:r>
+                <a:r>
+                  <a:rPr lang="ko-KR" altLang="en-US" dirty="0"/>
+                  <a:t>반환합니다</a:t>
+                </a:r>
+                <a:r>
+                  <a:rPr lang="en-US" altLang="ko-KR" dirty="0"/>
+                  <a:t>)</a:t>
+                </a:r>
+              </a:p>
+              <a:p>
+                <a:pPr lvl="1"/>
+                <a:r>
+                  <a:rPr lang="en-US" altLang="ko-KR" dirty="0"/>
+                  <a:t> </a:t>
+                </a:r>
+                <a:endParaRPr lang="en-US" altLang="ko-KR" dirty="0"/>
+              </a:p>
+              <a:p>
+                <a:pPr lvl="1"/>
+                <a:endParaRPr lang="en-US" altLang="ko-KR" dirty="0"/>
+              </a:p>
+              <a:p>
+                <a:r>
+                  <a:rPr lang="ko-KR" altLang="en-US" dirty="0"/>
+                  <a:t>원리</a:t>
+                </a:r>
+                <a:r>
+                  <a:rPr lang="en-US" altLang="ko-KR" dirty="0"/>
+                  <a:t>)</a:t>
+                </a:r>
+              </a:p>
+              <a:p>
+                <a:pPr lvl="1"/>
+                <a:r>
+                  <a:rPr lang="en-US" altLang="ko-KR" dirty="0"/>
+                  <a:t>1. (x, y)</a:t>
+                </a:r>
+                <a:r>
+                  <a:rPr lang="ko-KR" altLang="en-US" dirty="0"/>
+                  <a:t>와 </a:t>
+                </a:r>
+                <a:r>
+                  <a:rPr lang="en-US" altLang="ko-KR" dirty="0"/>
+                  <a:t>(a, b)</a:t>
+                </a:r>
+                <a:r>
+                  <a:rPr lang="ko-KR" altLang="en-US" dirty="0"/>
+                  <a:t>를 각각 </a:t>
+                </a:r>
+                <a:r>
+                  <a:rPr lang="en-US" altLang="ko-KR" dirty="0"/>
+                  <a:t>x, y</a:t>
+                </a:r>
+                <a:r>
+                  <a:rPr lang="ko-KR" altLang="en-US" dirty="0"/>
+                  <a:t>축으로 </a:t>
+                </a:r>
+                <a:r>
+                  <a:rPr lang="en-US" altLang="ko-KR" dirty="0"/>
+                  <a:t>-a, -b</a:t>
+                </a:r>
+                <a:r>
+                  <a:rPr lang="ko-KR" altLang="en-US" dirty="0"/>
+                  <a:t>만큼 평행이동하여 </a:t>
+                </a:r>
+                <a:endParaRPr lang="en-US" altLang="ko-KR" dirty="0"/>
+              </a:p>
+              <a:p>
+                <a:pPr marL="457200" lvl="1" indent="0">
+                  <a:buNone/>
+                </a:pPr>
+                <a:r>
+                  <a:rPr lang="en-US" altLang="ko-KR" dirty="0"/>
+                  <a:t>	 </a:t>
+                </a:r>
+                <a:r>
+                  <a:rPr lang="ko-KR" altLang="en-US" dirty="0"/>
+                  <a:t>기준점을 </a:t>
+                </a:r>
+                <a:r>
+                  <a:rPr lang="en-US" altLang="ko-KR" dirty="0"/>
+                  <a:t>(0, 0)</a:t>
+                </a:r>
+                <a:r>
+                  <a:rPr lang="ko-KR" altLang="en-US" dirty="0"/>
+                  <a:t>으로 둔다</a:t>
+                </a:r>
+                <a:r>
+                  <a:rPr lang="en-US" altLang="ko-KR" dirty="0"/>
+                  <a:t>.</a:t>
+                </a:r>
+              </a:p>
+              <a:p>
+                <a:pPr lvl="1"/>
+                <a:r>
+                  <a:rPr lang="en-US" altLang="ko-KR" dirty="0"/>
+                  <a:t>2. </a:t>
+                </a:r>
+                <a:r>
+                  <a:rPr lang="ko-KR" altLang="en-US" dirty="0" smtClean="0"/>
+                  <a:t>평행 이동한 </a:t>
+                </a:r>
+                <a:r>
+                  <a:rPr lang="ko-KR" altLang="en-US" dirty="0"/>
+                  <a:t>점을 각 </a:t>
+                </a:r>
+                <a14:m>
+                  <m:oMath xmlns:m="http://schemas.openxmlformats.org/officeDocument/2006/math">
+                    <m:r>
+                      <a:rPr lang="ko-KR" altLang="en-US" i="1">
+                        <a:latin typeface="Cambria Math" panose="02040503050406030204" pitchFamily="18" charset="0"/>
+                      </a:rPr>
+                      <m:t>𝜃</m:t>
+                    </m:r>
+                  </m:oMath>
+                </a14:m>
+                <a:r>
+                  <a:rPr lang="ko-KR" altLang="en-US" dirty="0"/>
+                  <a:t>만큼 </a:t>
+                </a:r>
+                <a:r>
+                  <a:rPr lang="ko-KR" altLang="en-US" dirty="0"/>
+                  <a:t>회전시킨다</a:t>
+                </a:r>
+                <a:r>
+                  <a:rPr lang="en-US" altLang="ko-KR" dirty="0"/>
+                  <a:t>.</a:t>
+                </a:r>
+              </a:p>
+              <a:p>
+                <a:pPr marL="457200" lvl="1" indent="0">
+                  <a:buNone/>
+                </a:pPr>
+                <a:r>
+                  <a:rPr lang="en-US" altLang="ko-KR" dirty="0"/>
+                  <a:t>	  </a:t>
+                </a:r>
+                <a14:m>
+                  <m:oMath xmlns:m="http://schemas.openxmlformats.org/officeDocument/2006/math">
+                    <m:d>
+                      <m:dPr>
+                        <m:ctrlPr>
+                          <a:rPr lang="en-US" altLang="ko-KR" sz="2000" i="1">
+                            <a:latin typeface="Cambria Math" panose="02040503050406030204" pitchFamily="18" charset="0"/>
+                          </a:rPr>
+                        </m:ctrlPr>
+                      </m:dPr>
+                      <m:e>
+                        <m:f>
+                          <m:fPr>
+                            <m:type m:val="noBar"/>
+                            <m:ctrlPr>
+                              <a:rPr lang="en-US" altLang="ko-KR" sz="2000" i="1">
+                                <a:latin typeface="Cambria Math" panose="02040503050406030204" pitchFamily="18" charset="0"/>
+                              </a:rPr>
+                            </m:ctrlPr>
+                          </m:fPr>
+                          <m:num>
+                            <m:r>
+                              <a:rPr lang="en-US" altLang="ko-KR" sz="2000" i="1">
+                                <a:latin typeface="Cambria Math" panose="02040503050406030204" pitchFamily="18" charset="0"/>
+                              </a:rPr>
+                              <m:t>𝑥</m:t>
+                            </m:r>
+                            <m:r>
+                              <a:rPr lang="en-US" altLang="ko-KR" sz="2000" i="1">
+                                <a:latin typeface="Cambria Math" panose="02040503050406030204" pitchFamily="18" charset="0"/>
+                              </a:rPr>
+                              <m:t>′</m:t>
+                            </m:r>
+                          </m:num>
+                          <m:den>
+                            <m:r>
+                              <a:rPr lang="en-US" altLang="ko-KR" sz="2000" i="1">
+                                <a:latin typeface="Cambria Math" panose="02040503050406030204" pitchFamily="18" charset="0"/>
+                              </a:rPr>
+                              <m:t>𝑦</m:t>
+                            </m:r>
+                            <m:r>
+                              <a:rPr lang="en-US" altLang="ko-KR" sz="2000" i="1">
+                                <a:latin typeface="Cambria Math" panose="02040503050406030204" pitchFamily="18" charset="0"/>
+                              </a:rPr>
+                              <m:t>′</m:t>
+                            </m:r>
+                          </m:den>
+                        </m:f>
+                      </m:e>
+                    </m:d>
+                    <m:r>
+                      <a:rPr lang="en-US" altLang="ko-KR" sz="2000" i="1">
+                        <a:latin typeface="Cambria Math" panose="02040503050406030204" pitchFamily="18" charset="0"/>
+                      </a:rPr>
+                      <m:t>=</m:t>
+                    </m:r>
+                    <m:d>
+                      <m:dPr>
+                        <m:ctrlPr>
+                          <a:rPr lang="en-US" altLang="ko-KR" sz="2000" i="1">
+                            <a:latin typeface="Cambria Math" panose="02040503050406030204" pitchFamily="18" charset="0"/>
+                          </a:rPr>
+                        </m:ctrlPr>
+                      </m:dPr>
+                      <m:e>
+                        <m:f>
+                          <m:fPr>
+                            <m:type m:val="noBar"/>
+                            <m:ctrlPr>
+                              <a:rPr lang="en-US" altLang="ko-KR" sz="2000" i="1">
+                                <a:latin typeface="Cambria Math" panose="02040503050406030204" pitchFamily="18" charset="0"/>
+                              </a:rPr>
+                            </m:ctrlPr>
+                          </m:fPr>
+                          <m:num>
+                            <m:r>
+                              <a:rPr lang="en-US" altLang="ko-KR" sz="2000" i="1">
+                                <a:latin typeface="Cambria Math" panose="02040503050406030204" pitchFamily="18" charset="0"/>
+                              </a:rPr>
+                              <m:t>𝑐𝑜𝑠</m:t>
+                            </m:r>
+                            <m:r>
+                              <a:rPr lang="ko-KR" altLang="en-US" sz="2000" i="1">
+                                <a:latin typeface="Cambria Math" panose="02040503050406030204" pitchFamily="18" charset="0"/>
+                              </a:rPr>
+                              <m:t>𝜃</m:t>
+                            </m:r>
+                            <m:r>
+                              <a:rPr lang="en-US" altLang="ko-KR" sz="2000" i="1">
+                                <a:latin typeface="Cambria Math" panose="02040503050406030204" pitchFamily="18" charset="0"/>
+                              </a:rPr>
+                              <m:t>  −</m:t>
+                            </m:r>
+                            <m:r>
+                              <a:rPr lang="en-US" altLang="ko-KR" sz="2000" i="1">
+                                <a:latin typeface="Cambria Math" panose="02040503050406030204" pitchFamily="18" charset="0"/>
+                              </a:rPr>
+                              <m:t>𝑠𝑖𝑛</m:t>
+                            </m:r>
+                            <m:r>
+                              <a:rPr lang="ko-KR" altLang="en-US" sz="2000" i="1">
+                                <a:latin typeface="Cambria Math" panose="02040503050406030204" pitchFamily="18" charset="0"/>
+                              </a:rPr>
+                              <m:t>𝜃</m:t>
+                            </m:r>
+                          </m:num>
+                          <m:den>
+                            <m:r>
+                              <a:rPr lang="en-US" altLang="ko-KR" sz="2000" i="1">
+                                <a:latin typeface="Cambria Math" panose="02040503050406030204" pitchFamily="18" charset="0"/>
+                              </a:rPr>
+                              <m:t>𝑠𝑖𝑛</m:t>
+                            </m:r>
+                            <m:r>
+                              <a:rPr lang="ko-KR" altLang="en-US" sz="2000" i="1">
+                                <a:latin typeface="Cambria Math" panose="02040503050406030204" pitchFamily="18" charset="0"/>
+                              </a:rPr>
+                              <m:t>𝜃</m:t>
+                            </m:r>
+                            <m:r>
+                              <a:rPr lang="en-US" altLang="ko-KR" sz="2000" i="1">
+                                <a:latin typeface="Cambria Math" panose="02040503050406030204" pitchFamily="18" charset="0"/>
+                              </a:rPr>
+                              <m:t>    </m:t>
+                            </m:r>
+                            <m:r>
+                              <a:rPr lang="en-US" altLang="ko-KR" sz="2000" i="1">
+                                <a:latin typeface="Cambria Math" panose="02040503050406030204" pitchFamily="18" charset="0"/>
+                              </a:rPr>
+                              <m:t>𝑐𝑜𝑠</m:t>
+                            </m:r>
+                            <m:r>
+                              <a:rPr lang="ko-KR" altLang="en-US" sz="2000" i="1">
+                                <a:latin typeface="Cambria Math" panose="02040503050406030204" pitchFamily="18" charset="0"/>
+                              </a:rPr>
+                              <m:t>𝜃</m:t>
+                            </m:r>
+                          </m:den>
+                        </m:f>
+                      </m:e>
+                    </m:d>
+                    <m:d>
+                      <m:dPr>
+                        <m:ctrlPr>
+                          <a:rPr lang="en-US" altLang="ko-KR" sz="2000" i="1">
+                            <a:latin typeface="Cambria Math" panose="02040503050406030204" pitchFamily="18" charset="0"/>
+                          </a:rPr>
+                        </m:ctrlPr>
+                      </m:dPr>
+                      <m:e>
+                        <m:f>
+                          <m:fPr>
+                            <m:type m:val="noBar"/>
+                            <m:ctrlPr>
+                              <a:rPr lang="en-US" altLang="ko-KR" sz="2000" i="1">
+                                <a:latin typeface="Cambria Math" panose="02040503050406030204" pitchFamily="18" charset="0"/>
+                              </a:rPr>
+                            </m:ctrlPr>
+                          </m:fPr>
+                          <m:num>
+                            <m:r>
+                              <a:rPr lang="en-US" altLang="ko-KR" sz="2000" i="1">
+                                <a:latin typeface="Cambria Math" panose="02040503050406030204" pitchFamily="18" charset="0"/>
+                              </a:rPr>
+                              <m:t>𝑥</m:t>
+                            </m:r>
+                          </m:num>
+                          <m:den>
+                            <m:r>
+                              <a:rPr lang="en-US" altLang="ko-KR" sz="2000" i="1">
+                                <a:latin typeface="Cambria Math" panose="02040503050406030204" pitchFamily="18" charset="0"/>
+                              </a:rPr>
+                              <m:t>𝑦</m:t>
+                            </m:r>
+                          </m:den>
+                        </m:f>
+                      </m:e>
+                    </m:d>
+                  </m:oMath>
+                </a14:m>
+                <a:endParaRPr lang="en-US" altLang="ko-KR" dirty="0"/>
+              </a:p>
+              <a:p>
+                <a:pPr lvl="1"/>
+                <a:r>
+                  <a:rPr lang="en-US" altLang="ko-KR" dirty="0"/>
+                  <a:t>3. </a:t>
+                </a:r>
+                <a:r>
+                  <a:rPr lang="ko-KR" altLang="en-US" dirty="0"/>
+                  <a:t>회전한 점을 다시 </a:t>
+                </a:r>
+                <a:r>
+                  <a:rPr lang="en-US" altLang="ko-KR" dirty="0"/>
+                  <a:t>x, y</a:t>
+                </a:r>
+                <a:r>
+                  <a:rPr lang="ko-KR" altLang="en-US" dirty="0"/>
+                  <a:t>축으로 </a:t>
+                </a:r>
+                <a:r>
+                  <a:rPr lang="en-US" altLang="ko-KR" dirty="0"/>
+                  <a:t>a, b</a:t>
+                </a:r>
+                <a:r>
+                  <a:rPr lang="ko-KR" altLang="en-US" dirty="0"/>
+                  <a:t>만큼 </a:t>
+                </a:r>
+                <a:r>
+                  <a:rPr lang="ko-KR" altLang="en-US" dirty="0" smtClean="0"/>
+                  <a:t>평행 이동시킨다</a:t>
+                </a:r>
+                <a:r>
+                  <a:rPr lang="en-US" altLang="ko-KR" dirty="0"/>
+                  <a:t>.</a:t>
+                </a:r>
+              </a:p>
+              <a:p>
+                <a:endParaRPr lang="ko-KR" altLang="en-US" dirty="0"/>
+              </a:p>
+            </p:txBody>
+          </p:sp>
+        </mc:Choice>
+        <mc:Fallback>
+          <p:sp>
+            <p:nvSpPr>
+              <p:cNvPr id="3" name="내용 개체 틀 2"/>
+              <p:cNvSpPr>
+                <a:spLocks noGrp="1" noRot="1" noChangeAspect="1" noMove="1" noResize="1" noEditPoints="1" noAdjustHandles="1" noChangeArrowheads="1" noChangeShapeType="1" noTextEdit="1"/>
+              </p:cNvSpPr>
+              <p:nvPr>
+                <p:ph idx="1"/>
+              </p:nvPr>
+            </p:nvSpPr>
+            <p:spPr>
+              <a:blipFill>
+                <a:blip r:embed="rId2"/>
+                <a:stretch>
+                  <a:fillRect l="-136" t="-1130"/>
+                </a:stretch>
+              </a:blipFill>
+            </p:spPr>
+            <p:txBody>
+              <a:bodyPr/>
+              <a:lstStyle/>
+              <a:p>
+                <a:r>
+                  <a:rPr lang="ko-KR" altLang="en-US">
+                    <a:noFill/>
+                  </a:rPr>
+                  <a:t> </a:t>
+                </a:r>
+              </a:p>
+            </p:txBody>
+          </p:sp>
+        </mc:Fallback>
+      </mc:AlternateContent>
+      <p:pic>
+        <p:nvPicPr>
+          <p:cNvPr id="4" name="그림 3"/>
+          <p:cNvPicPr>
+            <a:picLocks noChangeAspect="1"/>
+          </p:cNvPicPr>
+          <p:nvPr/>
+        </p:nvPicPr>
+        <p:blipFill>
+          <a:blip r:embed="rId3"/>
+          <a:stretch>
+            <a:fillRect/>
+          </a:stretch>
+        </p:blipFill>
+        <p:spPr>
+          <a:xfrm>
+            <a:off x="1469522" y="2514678"/>
+            <a:ext cx="3955011" cy="773806"/>
+          </a:xfrm>
+          <a:prstGeom prst="rect">
+            <a:avLst/>
+          </a:prstGeom>
+        </p:spPr>
+      </p:pic>
+    </p:spTree>
+    <p:extLst>
+      <p:ext uri="{BB962C8B-B14F-4D97-AF65-F5344CB8AC3E}">
+        <p14:creationId xmlns:p14="http://schemas.microsoft.com/office/powerpoint/2010/main" val="4009907306"/>
+      </p:ext>
+    </p:extLst>
+  </p:cSld>
+  <p:clrMapOvr>
+    <a:masterClrMapping/>
+  </p:clrMapOvr>
+  <mc:AlternateContent xmlns:mc="http://schemas.openxmlformats.org/markup-compatibility/2006">
+    <mc:Choice xmlns:p14="http://schemas.microsoft.com/office/powerpoint/2010/main" Requires="p14">
+      <p:transition spd="slow" p14:dur="1600">
+        <p14:gallery dir="l"/>
+      </p:transition>
+    </mc:Choice>
+    <mc:Fallback>
+      <p:transition spd="slow">
+        <p:fade/>
+      </p:transition>
+    </mc:Fallback>
+  </mc:AlternateContent>
+  <p:timing>
+    <p:tnLst>
+      <p:par>
+        <p:cTn id="1" dur="indefinite" restart="never" nodeType="tmRoot"/>
+      </p:par>
+    </p:tnLst>
+  </p:timing>
+</p:sld>
+</file>
+
+<file path=ppt/slides/slide11.xml><?xml version="1.0" encoding="utf-8"?>
+<p:sld xmlns:a="http://schemas.openxmlformats.org/drawingml/2006/main" xmlns:r="http://schemas.openxmlformats.org/officeDocument/2006/relationships" xmlns:p="http://schemas.openxmlformats.org/presentationml/2006/main">
+  <p:cSld>
+    <p:spTree>
+      <p:nvGrpSpPr>
+        <p:cNvPr id="1" name=""/>
+        <p:cNvGrpSpPr/>
+        <p:nvPr/>
+      </p:nvGrpSpPr>
+      <p:grpSpPr>
+        <a:xfrm>
+          <a:off x="0" y="0"/>
+          <a:ext cx="0" cy="0"/>
+          <a:chOff x="0" y="0"/>
+          <a:chExt cx="0" cy="0"/>
+        </a:xfrm>
+      </p:grpSpPr>
+      <p:sp>
+        <p:nvSpPr>
+          <p:cNvPr id="2" name="제목 1"/>
+          <p:cNvSpPr>
+            <a:spLocks noGrp="1"/>
+          </p:cNvSpPr>
+          <p:nvPr>
+            <p:ph type="title"/>
+          </p:nvPr>
+        </p:nvSpPr>
+        <p:spPr/>
+        <p:txBody>
+          <a:bodyPr/>
+          <a:lstStyle/>
+          <a:p>
+            <a:r>
+              <a:rPr lang="en-US" altLang="ko-KR" dirty="0" smtClean="0"/>
+              <a:t>C. </a:t>
+            </a:r>
+            <a:r>
+              <a:rPr lang="en-US" altLang="ko-KR" dirty="0" err="1" smtClean="0"/>
+              <a:t>fit_image</a:t>
+            </a:r>
+            <a:endParaRPr lang="ko-KR" altLang="en-US" dirty="0"/>
+          </a:p>
+        </p:txBody>
+      </p:sp>
+      <p:sp>
+        <p:nvSpPr>
+          <p:cNvPr id="3" name="내용 개체 틀 2"/>
+          <p:cNvSpPr>
+            <a:spLocks noGrp="1"/>
+          </p:cNvSpPr>
+          <p:nvPr>
+            <p:ph idx="1"/>
+          </p:nvPr>
+        </p:nvSpPr>
+        <p:spPr>
+          <a:xfrm>
+            <a:off x="677334" y="1722121"/>
+            <a:ext cx="8982055" cy="979134"/>
+          </a:xfrm>
+        </p:spPr>
+        <p:txBody>
+          <a:bodyPr>
+            <a:normAutofit/>
+          </a:bodyPr>
+          <a:lstStyle/>
+          <a:p>
+            <a:r>
+              <a:rPr lang="ko-KR" altLang="en-US" sz="2000" dirty="0" smtClean="0"/>
+              <a:t>이미지 연산을 최적화하기 위해서 이미지의 여백을 줄입니다</a:t>
+            </a:r>
+            <a:r>
+              <a:rPr lang="en-US" altLang="ko-KR" sz="2000" dirty="0" smtClean="0"/>
+              <a:t>.</a:t>
+            </a:r>
+          </a:p>
+          <a:p>
+            <a:r>
+              <a:rPr lang="ko-KR" altLang="en-US" sz="2000" dirty="0" smtClean="0"/>
+              <a:t>이미지에서 </a:t>
+            </a:r>
+            <a:r>
+              <a:rPr lang="en-US" altLang="ko-KR" sz="2000" dirty="0" smtClean="0"/>
+              <a:t>r, g, b, a</a:t>
+            </a:r>
+            <a:r>
+              <a:rPr lang="ko-KR" altLang="en-US" sz="2000" dirty="0" smtClean="0"/>
+              <a:t>값이 모두 </a:t>
+            </a:r>
+            <a:r>
+              <a:rPr lang="en-US" altLang="ko-KR" sz="2000" dirty="0" smtClean="0"/>
+              <a:t>0</a:t>
+            </a:r>
+            <a:r>
+              <a:rPr lang="ko-KR" altLang="en-US" sz="2000" dirty="0" smtClean="0"/>
+              <a:t>인 이미지의 테두리를 최대한 지웁니다</a:t>
+            </a:r>
+            <a:r>
+              <a:rPr lang="en-US" altLang="ko-KR" sz="2000" dirty="0" smtClean="0"/>
+              <a:t>.</a:t>
+            </a:r>
+            <a:endParaRPr lang="ko-KR" altLang="en-US" sz="2000" dirty="0"/>
+          </a:p>
+        </p:txBody>
+      </p:sp>
+      <p:sp>
+        <p:nvSpPr>
+          <p:cNvPr id="4" name="제목 1"/>
+          <p:cNvSpPr txBox="1">
+            <a:spLocks/>
+          </p:cNvSpPr>
+          <p:nvPr/>
+        </p:nvSpPr>
+        <p:spPr>
+          <a:xfrm>
+            <a:off x="677334" y="3031181"/>
+            <a:ext cx="8982055" cy="782595"/>
+          </a:xfrm>
+          <a:prstGeom prst="rect">
+            <a:avLst/>
+          </a:prstGeom>
+        </p:spPr>
+        <p:txBody>
+          <a:bodyPr vert="horz" lIns="91440" tIns="45720" rIns="91440" bIns="45720" rtlCol="0" anchor="t">
+            <a:normAutofit/>
+          </a:bodyPr>
+          <a:lstStyle>
+            <a:lvl1pPr algn="l" defTabSz="457200" rtl="0" eaLnBrk="1" latinLnBrk="1" hangingPunct="1">
+              <a:spcBef>
+                <a:spcPct val="0"/>
+              </a:spcBef>
+              <a:buNone/>
+              <a:defRPr sz="4200" b="1" kern="1200">
+                <a:solidFill>
+                  <a:schemeClr val="accent1"/>
+                </a:solidFill>
+                <a:latin typeface="+mj-lt"/>
+                <a:ea typeface="+mj-ea"/>
+                <a:cs typeface="+mj-cs"/>
+              </a:defRPr>
+            </a:lvl1pPr>
+            <a:lvl2pPr eaLnBrk="1" latinLnBrk="1" hangingPunct="1">
+              <a:defRPr>
+                <a:solidFill>
+                  <a:schemeClr val="tx2"/>
+                </a:solidFill>
+              </a:defRPr>
+            </a:lvl2pPr>
+            <a:lvl3pPr eaLnBrk="1" latinLnBrk="1" hangingPunct="1">
+              <a:defRPr>
+                <a:solidFill>
+                  <a:schemeClr val="tx2"/>
+                </a:solidFill>
+              </a:defRPr>
+            </a:lvl3pPr>
+            <a:lvl4pPr eaLnBrk="1" latinLnBrk="1" hangingPunct="1">
+              <a:defRPr>
+                <a:solidFill>
+                  <a:schemeClr val="tx2"/>
+                </a:solidFill>
+              </a:defRPr>
+            </a:lvl4pPr>
+            <a:lvl5pPr eaLnBrk="1" latinLnBrk="1" hangingPunct="1">
+              <a:defRPr>
+                <a:solidFill>
+                  <a:schemeClr val="tx2"/>
+                </a:solidFill>
+              </a:defRPr>
+            </a:lvl5pPr>
+            <a:lvl6pPr eaLnBrk="1" latinLnBrk="1" hangingPunct="1">
+              <a:defRPr>
+                <a:solidFill>
+                  <a:schemeClr val="tx2"/>
+                </a:solidFill>
+              </a:defRPr>
+            </a:lvl6pPr>
+            <a:lvl7pPr eaLnBrk="1" latinLnBrk="1" hangingPunct="1">
+              <a:defRPr>
+                <a:solidFill>
+                  <a:schemeClr val="tx2"/>
+                </a:solidFill>
+              </a:defRPr>
+            </a:lvl7pPr>
+            <a:lvl8pPr eaLnBrk="1" latinLnBrk="1" hangingPunct="1">
+              <a:defRPr>
+                <a:solidFill>
+                  <a:schemeClr val="tx2"/>
+                </a:solidFill>
+              </a:defRPr>
+            </a:lvl8pPr>
+            <a:lvl9pPr eaLnBrk="1" latinLnBrk="1" hangingPunct="1">
+              <a:defRPr>
+                <a:solidFill>
+                  <a:schemeClr val="tx2"/>
+                </a:solidFill>
+              </a:defRPr>
+            </a:lvl9pPr>
+          </a:lstStyle>
+          <a:p>
+            <a:r>
+              <a:rPr lang="en-US" altLang="ko-KR" smtClean="0"/>
+              <a:t>D. auto_smooth_fill</a:t>
+            </a:r>
+            <a:endParaRPr lang="ko-KR" altLang="en-US" dirty="0"/>
+          </a:p>
+        </p:txBody>
+      </p:sp>
+      <p:sp>
+        <p:nvSpPr>
+          <p:cNvPr id="5" name="내용 개체 틀 2"/>
+          <p:cNvSpPr txBox="1">
+            <a:spLocks/>
+          </p:cNvSpPr>
+          <p:nvPr/>
+        </p:nvSpPr>
+        <p:spPr>
+          <a:xfrm>
+            <a:off x="677334" y="4143702"/>
+            <a:ext cx="8982055" cy="1527256"/>
+          </a:xfrm>
+          <a:prstGeom prst="rect">
+            <a:avLst/>
+          </a:prstGeom>
+        </p:spPr>
+        <p:txBody>
+          <a:bodyPr vert="horz" lIns="91440" tIns="45720" rIns="91440" bIns="45720" rtlCol="0">
+            <a:normAutofit/>
+          </a:bodyPr>
+          <a:lstStyle>
+            <a:lvl1pPr marL="342900" indent="-342900" algn="l" defTabSz="457200" rtl="0" eaLnBrk="1" latinLnBrk="1" hangingPunct="1">
+              <a:spcBef>
+                <a:spcPts val="1000"/>
+              </a:spcBef>
+              <a:spcAft>
+                <a:spcPts val="0"/>
+              </a:spcAft>
+              <a:buClr>
+                <a:schemeClr val="accent1"/>
+              </a:buClr>
+              <a:buSzPct val="80000"/>
+              <a:buFont typeface="Wingdings 3" charset="2"/>
+              <a:buChar char=""/>
+              <a:defRPr sz="1800" kern="1200">
+                <a:solidFill>
+                  <a:schemeClr val="tx1">
+                    <a:lumMod val="75000"/>
+                    <a:lumOff val="25000"/>
+                  </a:schemeClr>
+                </a:solidFill>
+                <a:latin typeface="+mn-lt"/>
+                <a:ea typeface="+mn-ea"/>
+                <a:cs typeface="+mn-cs"/>
+              </a:defRPr>
+            </a:lvl1pPr>
+            <a:lvl2pPr marL="742950" indent="-285750" algn="l" defTabSz="457200" rtl="0" eaLnBrk="1" latinLnBrk="1" hangingPunct="1">
+              <a:spcBef>
+                <a:spcPts val="1000"/>
+              </a:spcBef>
+              <a:spcAft>
+                <a:spcPts val="0"/>
+              </a:spcAft>
+              <a:buClr>
+                <a:schemeClr val="accent1"/>
+              </a:buClr>
+              <a:buSzPct val="80000"/>
+              <a:buFont typeface="Wingdings 3" charset="2"/>
+              <a:buChar char=""/>
+              <a:defRPr sz="1600" kern="1200">
+                <a:solidFill>
+                  <a:schemeClr val="tx1">
+                    <a:lumMod val="75000"/>
+                    <a:lumOff val="25000"/>
+                  </a:schemeClr>
+                </a:solidFill>
+                <a:latin typeface="+mn-lt"/>
+                <a:ea typeface="+mn-ea"/>
+                <a:cs typeface="+mn-cs"/>
+              </a:defRPr>
+            </a:lvl2pPr>
+            <a:lvl3pPr marL="1143000" indent="-228600" algn="l" defTabSz="457200" rtl="0" eaLnBrk="1" latinLnBrk="1" hangingPunct="1">
+              <a:spcBef>
+                <a:spcPts val="1000"/>
+              </a:spcBef>
+              <a:spcAft>
+                <a:spcPts val="0"/>
+              </a:spcAft>
+              <a:buClr>
+                <a:schemeClr val="accent1"/>
+              </a:buClr>
+              <a:buSzPct val="80000"/>
+              <a:buFont typeface="Wingdings 3" charset="2"/>
+              <a:buChar char=""/>
+              <a:defRPr sz="1400" kern="1200">
+                <a:solidFill>
+                  <a:schemeClr val="tx1">
+                    <a:lumMod val="75000"/>
+                    <a:lumOff val="25000"/>
+                  </a:schemeClr>
+                </a:solidFill>
+                <a:latin typeface="+mn-lt"/>
+                <a:ea typeface="+mn-ea"/>
+                <a:cs typeface="+mn-cs"/>
+              </a:defRPr>
+            </a:lvl3pPr>
+            <a:lvl4pPr marL="1600200" indent="-228600" algn="l" defTabSz="457200" rtl="0" eaLnBrk="1" latinLnBrk="1" hangingPunct="1">
+              <a:spcBef>
+                <a:spcPts val="1000"/>
+              </a:spcBef>
+              <a:spcAft>
+                <a:spcPts val="0"/>
+              </a:spcAft>
+              <a:buClr>
+                <a:schemeClr val="accent1"/>
+              </a:buClr>
+              <a:buSzPct val="80000"/>
+              <a:buFont typeface="Wingdings 3" charset="2"/>
+              <a:buChar char=""/>
+              <a:defRPr sz="1200" kern="1200">
+                <a:solidFill>
+                  <a:schemeClr val="tx1">
+                    <a:lumMod val="75000"/>
+                    <a:lumOff val="25000"/>
+                  </a:schemeClr>
+                </a:solidFill>
+                <a:latin typeface="+mn-lt"/>
+                <a:ea typeface="+mn-ea"/>
+                <a:cs typeface="+mn-cs"/>
+              </a:defRPr>
+            </a:lvl4pPr>
+            <a:lvl5pPr marL="2057400" indent="-228600" algn="l" defTabSz="457200" rtl="0" eaLnBrk="1" latinLnBrk="1" hangingPunct="1">
+              <a:spcBef>
+                <a:spcPts val="1000"/>
+              </a:spcBef>
+              <a:spcAft>
+                <a:spcPts val="0"/>
+              </a:spcAft>
+              <a:buClr>
+                <a:schemeClr val="accent1"/>
+              </a:buClr>
+              <a:buSzPct val="80000"/>
+              <a:buFont typeface="Wingdings 3" charset="2"/>
+              <a:buChar char=""/>
+              <a:defRPr sz="1200" kern="1200">
+                <a:solidFill>
+                  <a:schemeClr val="tx1">
+                    <a:lumMod val="75000"/>
+                    <a:lumOff val="25000"/>
+                  </a:schemeClr>
+                </a:solidFill>
+                <a:latin typeface="+mn-lt"/>
+                <a:ea typeface="+mn-ea"/>
+                <a:cs typeface="+mn-cs"/>
+              </a:defRPr>
+            </a:lvl5pPr>
+            <a:lvl6pPr marL="2514600" indent="-228600" algn="l" defTabSz="457200" rtl="0" eaLnBrk="1" latinLnBrk="1" hangingPunct="1">
+              <a:spcBef>
+                <a:spcPts val="1000"/>
+              </a:spcBef>
+              <a:spcAft>
+                <a:spcPts val="0"/>
+              </a:spcAft>
+              <a:buClr>
+                <a:schemeClr val="accent1"/>
+              </a:buClr>
+              <a:buSzPct val="80000"/>
+              <a:buFont typeface="Wingdings 3" charset="2"/>
+              <a:buChar char=""/>
+              <a:defRPr sz="1200" kern="1200">
+                <a:solidFill>
+                  <a:schemeClr val="tx1">
+                    <a:lumMod val="75000"/>
+                    <a:lumOff val="25000"/>
+                  </a:schemeClr>
+                </a:solidFill>
+                <a:latin typeface="+mn-lt"/>
+                <a:ea typeface="+mn-ea"/>
+                <a:cs typeface="+mn-cs"/>
+              </a:defRPr>
+            </a:lvl6pPr>
+            <a:lvl7pPr marL="2971800" indent="-228600" algn="l" defTabSz="457200" rtl="0" eaLnBrk="1" latinLnBrk="1" hangingPunct="1">
+              <a:spcBef>
+                <a:spcPts val="1000"/>
+              </a:spcBef>
+              <a:spcAft>
+                <a:spcPts val="0"/>
+              </a:spcAft>
+              <a:buClr>
+                <a:schemeClr val="accent1"/>
+              </a:buClr>
+              <a:buSzPct val="80000"/>
+              <a:buFont typeface="Wingdings 3" charset="2"/>
+              <a:buChar char=""/>
+              <a:defRPr sz="1200" kern="1200">
+                <a:solidFill>
+                  <a:schemeClr val="tx1">
+                    <a:lumMod val="75000"/>
+                    <a:lumOff val="25000"/>
+                  </a:schemeClr>
+                </a:solidFill>
+                <a:latin typeface="+mn-lt"/>
+                <a:ea typeface="+mn-ea"/>
+                <a:cs typeface="+mn-cs"/>
+              </a:defRPr>
+            </a:lvl7pPr>
+            <a:lvl8pPr marL="3429000" indent="-228600" algn="l" defTabSz="457200" rtl="0" eaLnBrk="1" latinLnBrk="1" hangingPunct="1">
+              <a:spcBef>
+                <a:spcPts val="1000"/>
+              </a:spcBef>
+              <a:spcAft>
+                <a:spcPts val="0"/>
+              </a:spcAft>
+              <a:buClr>
+                <a:schemeClr val="accent1"/>
+              </a:buClr>
+              <a:buSzPct val="80000"/>
+              <a:buFont typeface="Wingdings 3" charset="2"/>
+              <a:buChar char=""/>
+              <a:defRPr sz="1200" kern="1200">
+                <a:solidFill>
+                  <a:schemeClr val="tx1">
+                    <a:lumMod val="75000"/>
+                    <a:lumOff val="25000"/>
+                  </a:schemeClr>
+                </a:solidFill>
+                <a:latin typeface="+mn-lt"/>
+                <a:ea typeface="+mn-ea"/>
+                <a:cs typeface="+mn-cs"/>
+              </a:defRPr>
+            </a:lvl8pPr>
+            <a:lvl9pPr marL="3886200" indent="-228600" algn="l" defTabSz="457200" rtl="0" eaLnBrk="1" latinLnBrk="1" hangingPunct="1">
+              <a:spcBef>
+                <a:spcPts val="1000"/>
+              </a:spcBef>
+              <a:spcAft>
+                <a:spcPts val="0"/>
+              </a:spcAft>
+              <a:buClr>
+                <a:schemeClr val="accent1"/>
+              </a:buClr>
+              <a:buSzPct val="80000"/>
+              <a:buFont typeface="Wingdings 3" charset="2"/>
+              <a:buChar char=""/>
+              <a:defRPr sz="1200" kern="1200">
+                <a:solidFill>
+                  <a:schemeClr val="tx1">
+                    <a:lumMod val="75000"/>
+                    <a:lumOff val="25000"/>
+                  </a:schemeClr>
+                </a:solidFill>
+                <a:latin typeface="+mn-lt"/>
+                <a:ea typeface="+mn-ea"/>
+                <a:cs typeface="+mn-cs"/>
+              </a:defRPr>
+            </a:lvl9pPr>
+          </a:lstStyle>
+          <a:p>
+            <a:r>
+              <a:rPr lang="en-US" altLang="ko-KR" dirty="0" smtClean="0"/>
+              <a:t>rotate</a:t>
+            </a:r>
+            <a:r>
+              <a:rPr lang="ko-KR" altLang="en-US" dirty="0" smtClean="0"/>
+              <a:t>등의 함수에서 </a:t>
+            </a:r>
+            <a:r>
+              <a:rPr lang="en-US" altLang="ko-KR" dirty="0" smtClean="0"/>
+              <a:t>sin, cos</a:t>
+            </a:r>
+            <a:r>
+              <a:rPr lang="ko-KR" altLang="en-US" dirty="0" smtClean="0"/>
+              <a:t>을 이용할 때 나오는 소수를 내림 합니다</a:t>
+            </a:r>
+            <a:r>
+              <a:rPr lang="en-US" altLang="ko-KR" dirty="0" smtClean="0"/>
+              <a:t>.</a:t>
+            </a:r>
+          </a:p>
+          <a:p>
+            <a:r>
+              <a:rPr lang="ko-KR" altLang="en-US" dirty="0" smtClean="0"/>
+              <a:t>이때 중간중간에 빈 칸이 생기게 됩니다</a:t>
+            </a:r>
+            <a:r>
+              <a:rPr lang="en-US" altLang="ko-KR" dirty="0" smtClean="0"/>
+              <a:t>.</a:t>
+            </a:r>
+          </a:p>
+          <a:p>
+            <a:r>
+              <a:rPr lang="ko-KR" altLang="en-US" dirty="0" smtClean="0"/>
+              <a:t>이때 이 문제를 해결하기 위해서 이 함수는 빈칸을 강제적으로 주변 칸의 평균 색으로 채웁니다</a:t>
+            </a:r>
+            <a:r>
+              <a:rPr lang="en-US" altLang="ko-KR" dirty="0" smtClean="0"/>
+              <a:t>.</a:t>
+            </a:r>
+          </a:p>
+          <a:p>
+            <a:endParaRPr lang="ko-KR" altLang="en-US" dirty="0"/>
+          </a:p>
+        </p:txBody>
+      </p:sp>
+    </p:spTree>
+    <p:extLst>
+      <p:ext uri="{BB962C8B-B14F-4D97-AF65-F5344CB8AC3E}">
+        <p14:creationId xmlns:p14="http://schemas.microsoft.com/office/powerpoint/2010/main" val="2111694091"/>
+      </p:ext>
+    </p:extLst>
+  </p:cSld>
+  <p:clrMapOvr>
+    <a:masterClrMapping/>
+  </p:clrMapOvr>
+  <mc:AlternateContent xmlns:mc="http://schemas.openxmlformats.org/markup-compatibility/2006">
+    <mc:Choice xmlns:p14="http://schemas.microsoft.com/office/powerpoint/2010/main" Requires="p14">
+      <p:transition spd="slow" p14:dur="1600">
+        <p14:gallery dir="l"/>
+      </p:transition>
+    </mc:Choice>
+    <mc:Fallback>
+      <p:transition spd="slow">
+        <p:fade/>
+      </p:transition>
+    </mc:Fallback>
+  </mc:AlternateContent>
+  <p:timing>
+    <p:tnLst>
+      <p:par>
+        <p:cTn id="1" dur="indefinite" restart="never" nodeType="tmRoot"/>
+      </p:par>
+    </p:tnLst>
+  </p:timing>
+</p:sld>
+</file>
+
+<file path=ppt/slides/slide12.xml><?xml version="1.0" encoding="utf-8"?>
+<p:sld xmlns:a="http://schemas.openxmlformats.org/drawingml/2006/main" xmlns:r="http://schemas.openxmlformats.org/officeDocument/2006/relationships" xmlns:p="http://schemas.openxmlformats.org/presentationml/2006/main">
+  <p:cSld>
+    <p:spTree>
+      <p:nvGrpSpPr>
+        <p:cNvPr id="1" name=""/>
+        <p:cNvGrpSpPr/>
+        <p:nvPr/>
+      </p:nvGrpSpPr>
+      <p:grpSpPr>
+        <a:xfrm>
+          <a:off x="0" y="0"/>
+          <a:ext cx="0" cy="0"/>
+          <a:chOff x="0" y="0"/>
+          <a:chExt cx="0" cy="0"/>
+        </a:xfrm>
+      </p:grpSpPr>
+      <p:sp>
+        <p:nvSpPr>
+          <p:cNvPr id="2" name="제목 1"/>
+          <p:cNvSpPr>
+            <a:spLocks noGrp="1"/>
+          </p:cNvSpPr>
+          <p:nvPr>
+            <p:ph type="title"/>
+          </p:nvPr>
+        </p:nvSpPr>
+        <p:spPr/>
+        <p:txBody>
+          <a:bodyPr/>
+          <a:lstStyle/>
+          <a:p>
+            <a:r>
+              <a:rPr lang="en-US" altLang="ko-KR" dirty="0" smtClean="0"/>
+              <a:t>E. </a:t>
+            </a:r>
+            <a:r>
+              <a:rPr lang="en-US" altLang="ko-KR" dirty="0" err="1" smtClean="0"/>
+              <a:t>stack_img</a:t>
+            </a:r>
+            <a:endParaRPr lang="ko-KR" altLang="en-US" dirty="0"/>
+          </a:p>
+        </p:txBody>
+      </p:sp>
+      <p:sp>
+        <p:nvSpPr>
+          <p:cNvPr id="3" name="내용 개체 틀 2"/>
+          <p:cNvSpPr>
+            <a:spLocks noGrp="1"/>
+          </p:cNvSpPr>
+          <p:nvPr>
+            <p:ph idx="1"/>
+          </p:nvPr>
+        </p:nvSpPr>
+        <p:spPr/>
+        <p:txBody>
+          <a:bodyPr/>
+          <a:lstStyle/>
+          <a:p>
+            <a:r>
+              <a:rPr lang="ko-KR" altLang="en-US" dirty="0" smtClean="0"/>
+              <a:t>각 프레임에서 생성된 하얀 배경 위에 각 스프라이트의 이미지를 그려 넣을 때 사용됩니다</a:t>
+            </a:r>
+            <a:r>
+              <a:rPr lang="en-US" altLang="ko-KR" dirty="0" smtClean="0"/>
+              <a:t>.</a:t>
+            </a:r>
+          </a:p>
+          <a:p>
+            <a:r>
+              <a:rPr lang="ko-KR" altLang="en-US" dirty="0" smtClean="0"/>
+              <a:t>이때</a:t>
+            </a:r>
+            <a:r>
+              <a:rPr lang="en-US" altLang="ko-KR" dirty="0" smtClean="0"/>
+              <a:t>, </a:t>
+            </a:r>
+            <a:r>
+              <a:rPr lang="ko-KR" altLang="en-US" dirty="0" smtClean="0"/>
+              <a:t>배경이미지의 채널 </a:t>
+            </a:r>
+            <a:r>
+              <a:rPr lang="en-US" altLang="ko-KR" dirty="0" smtClean="0"/>
+              <a:t>b1, g1, r1, a1(=255)</a:t>
+            </a:r>
+            <a:r>
+              <a:rPr lang="ko-KR" altLang="en-US" dirty="0" smtClean="0"/>
+              <a:t>와 스프라이트의 채널 </a:t>
+            </a:r>
+            <a:r>
+              <a:rPr lang="en-US" altLang="ko-KR" dirty="0" smtClean="0"/>
+              <a:t>b2, g2, r2, a2</a:t>
+            </a:r>
+            <a:r>
+              <a:rPr lang="ko-KR" altLang="en-US" dirty="0" smtClean="0"/>
+              <a:t>에 대하여 새 이미지의 채널 </a:t>
+            </a:r>
+            <a:r>
+              <a:rPr lang="en-US" altLang="ko-KR" dirty="0" smtClean="0"/>
+              <a:t>b, g, r, a</a:t>
+            </a:r>
+            <a:r>
+              <a:rPr lang="ko-KR" altLang="en-US" dirty="0" smtClean="0"/>
+              <a:t>는 다음과</a:t>
+            </a:r>
+            <a:r>
+              <a:rPr lang="en-US" altLang="ko-KR" dirty="0" smtClean="0"/>
+              <a:t> </a:t>
+            </a:r>
+            <a:r>
+              <a:rPr lang="ko-KR" altLang="en-US" dirty="0" smtClean="0"/>
+              <a:t>같이 표현된다</a:t>
+            </a:r>
+            <a:r>
+              <a:rPr lang="en-US" altLang="ko-KR" dirty="0" smtClean="0"/>
+              <a:t>.</a:t>
+            </a:r>
+          </a:p>
+          <a:p>
+            <a:r>
+              <a:rPr lang="en-US" altLang="ko-KR" dirty="0"/>
+              <a:t>a</a:t>
+            </a:r>
+            <a:r>
+              <a:rPr lang="en-US" altLang="ko-KR" dirty="0" smtClean="0"/>
+              <a:t>lpha = a2 / 255</a:t>
+            </a:r>
+          </a:p>
+          <a:p>
+            <a:r>
+              <a:rPr lang="en-US" altLang="ko-KR" dirty="0" smtClean="0"/>
+              <a:t>b = b2*a2+b1*(1-a2),				    g = g2*a2+g1*(1-a2)</a:t>
+            </a:r>
+            <a:endParaRPr lang="en-US" altLang="ko-KR" dirty="0"/>
+          </a:p>
+          <a:p>
+            <a:r>
+              <a:rPr lang="en-US" altLang="ko-KR" dirty="0"/>
+              <a:t>r</a:t>
+            </a:r>
+            <a:r>
+              <a:rPr lang="en-US" altLang="ko-KR" dirty="0" smtClean="0"/>
+              <a:t> = r2*a2 +r1*(1-a2),				    a = 255</a:t>
+            </a:r>
+          </a:p>
+          <a:p>
+            <a:endParaRPr lang="en-US" altLang="ko-KR" dirty="0"/>
+          </a:p>
+          <a:p>
+            <a:r>
+              <a:rPr lang="ko-KR" altLang="en-US" dirty="0" smtClean="0"/>
+              <a:t>증명</a:t>
+            </a:r>
+            <a:r>
+              <a:rPr lang="en-US" altLang="ko-KR" dirty="0" smtClean="0"/>
+              <a:t>)    </a:t>
+            </a:r>
+            <a:r>
+              <a:rPr lang="ko-KR" altLang="en-US" dirty="0" smtClean="0"/>
+              <a:t>배경이미지의 </a:t>
+            </a:r>
+            <a:r>
+              <a:rPr lang="en-US" altLang="ko-KR" dirty="0" smtClean="0"/>
+              <a:t>b, g, r</a:t>
+            </a:r>
+            <a:r>
+              <a:rPr lang="ko-KR" altLang="en-US" dirty="0" smtClean="0"/>
+              <a:t> 채널과 스프라이트의 </a:t>
+            </a:r>
+            <a:r>
+              <a:rPr lang="en-US" altLang="ko-KR" dirty="0" smtClean="0"/>
+              <a:t>b, g, r </a:t>
+            </a:r>
+            <a:r>
+              <a:rPr lang="ko-KR" altLang="en-US" dirty="0" smtClean="0"/>
+              <a:t>채널을 </a:t>
+            </a:r>
+            <a:r>
+              <a:rPr lang="en-US" altLang="ko-KR" dirty="0" smtClean="0"/>
+              <a:t>1-alpha : alpha</a:t>
+            </a:r>
+            <a:r>
+              <a:rPr lang="ko-KR" altLang="en-US" dirty="0" smtClean="0"/>
+              <a:t>의 비율로 합성한 것이다</a:t>
+            </a:r>
+            <a:r>
+              <a:rPr lang="en-US" altLang="ko-KR" dirty="0" smtClean="0"/>
+              <a:t>. </a:t>
+            </a:r>
+            <a:r>
+              <a:rPr lang="ko-KR" altLang="en-US" dirty="0" smtClean="0"/>
+              <a:t>그 이유는 스프라이트는 </a:t>
+            </a:r>
+            <a:r>
+              <a:rPr lang="en-US" altLang="ko-KR" dirty="0" smtClean="0"/>
+              <a:t>alpha</a:t>
+            </a:r>
+            <a:r>
+              <a:rPr lang="ko-KR" altLang="en-US" dirty="0" smtClean="0"/>
+              <a:t>만큼의 백분율 투명도를</a:t>
+            </a:r>
+            <a:r>
+              <a:rPr lang="en-US" altLang="ko-KR" dirty="0" smtClean="0"/>
+              <a:t>, </a:t>
+            </a:r>
+            <a:r>
+              <a:rPr lang="ko-KR" altLang="en-US" dirty="0" smtClean="0"/>
+              <a:t>배경이미지는 나머지 </a:t>
+            </a:r>
+            <a:r>
+              <a:rPr lang="en-US" altLang="ko-KR" dirty="0" smtClean="0"/>
+              <a:t>1-alpha</a:t>
+            </a:r>
+            <a:r>
+              <a:rPr lang="ko-KR" altLang="en-US" dirty="0" smtClean="0"/>
+              <a:t>만큼이 비치는 것이다</a:t>
+            </a:r>
+            <a:r>
+              <a:rPr lang="en-US" altLang="ko-KR" dirty="0" smtClean="0"/>
+              <a:t>.</a:t>
+            </a:r>
+            <a:endParaRPr lang="en-US" altLang="ko-KR" dirty="0"/>
+          </a:p>
+          <a:p>
+            <a:endParaRPr lang="en-US" altLang="ko-KR" dirty="0" smtClean="0"/>
+          </a:p>
+        </p:txBody>
+      </p:sp>
+    </p:spTree>
+    <p:extLst>
+      <p:ext uri="{BB962C8B-B14F-4D97-AF65-F5344CB8AC3E}">
+        <p14:creationId xmlns:p14="http://schemas.microsoft.com/office/powerpoint/2010/main" val="1351186433"/>
+      </p:ext>
+    </p:extLst>
+  </p:cSld>
+  <p:clrMapOvr>
+    <a:masterClrMapping/>
+  </p:clrMapOvr>
+  <mc:AlternateContent xmlns:mc="http://schemas.openxmlformats.org/markup-compatibility/2006">
+    <mc:Choice xmlns:p14="http://schemas.microsoft.com/office/powerpoint/2010/main" Requires="p14">
+      <p:transition p14:dur="100">
+        <p:cut/>
+      </p:transition>
+    </mc:Choice>
+    <mc:Fallback>
+      <p:transition>
+        <p:cut/>
+      </p:transition>
+    </mc:Fallback>
+  </mc:AlternateContent>
+  <p:timing>
+    <p:tnLst>
+      <p:par>
+        <p:cTn id="1" dur="indefinite" restart="never" nodeType="tmRoot"/>
+      </p:par>
+    </p:tnLst>
+  </p:timing>
+</p:sld>
+</file>
+
+<file path=ppt/slides/slide13.xml><?xml version="1.0" encoding="utf-8"?>
+<p:sld xmlns:a="http://schemas.openxmlformats.org/drawingml/2006/main" xmlns:r="http://schemas.openxmlformats.org/officeDocument/2006/relationships" xmlns:p="http://schemas.openxmlformats.org/presentationml/2006/main">
+  <p:cSld>
+    <p:spTree>
+      <p:nvGrpSpPr>
+        <p:cNvPr id="1" name=""/>
+        <p:cNvGrpSpPr/>
+        <p:nvPr/>
+      </p:nvGrpSpPr>
+      <p:grpSpPr>
+        <a:xfrm>
+          <a:off x="0" y="0"/>
+          <a:ext cx="0" cy="0"/>
+          <a:chOff x="0" y="0"/>
+          <a:chExt cx="0" cy="0"/>
+        </a:xfrm>
+      </p:grpSpPr>
+      <p:sp>
+        <p:nvSpPr>
+          <p:cNvPr id="2" name="제목 1"/>
+          <p:cNvSpPr>
+            <a:spLocks noGrp="1"/>
+          </p:cNvSpPr>
+          <p:nvPr>
+            <p:ph type="title"/>
+          </p:nvPr>
+        </p:nvSpPr>
+        <p:spPr/>
+        <p:txBody>
+          <a:bodyPr/>
+          <a:lstStyle/>
+          <a:p>
+            <a:r>
+              <a:rPr lang="ko-KR" altLang="en-US" dirty="0" smtClean="0"/>
+              <a:t>결론</a:t>
+            </a:r>
+            <a:endParaRPr lang="ko-KR" altLang="en-US" dirty="0"/>
+          </a:p>
+        </p:txBody>
+      </p:sp>
+      <p:sp>
+        <p:nvSpPr>
+          <p:cNvPr id="3" name="내용 개체 틀 2"/>
+          <p:cNvSpPr>
+            <a:spLocks noGrp="1"/>
+          </p:cNvSpPr>
+          <p:nvPr>
+            <p:ph idx="1"/>
+          </p:nvPr>
+        </p:nvSpPr>
+        <p:spPr/>
+        <p:txBody>
+          <a:bodyPr/>
+          <a:lstStyle/>
+          <a:p>
+            <a:r>
+              <a:rPr lang="en-US" altLang="ko-KR" dirty="0" err="1" smtClean="0"/>
+              <a:t>MotionWriter</a:t>
+            </a:r>
+            <a:r>
+              <a:rPr lang="ko-KR" altLang="en-US" dirty="0" smtClean="0"/>
+              <a:t>은 간단한 동영상 제작 프로그램입니다</a:t>
+            </a:r>
+            <a:r>
+              <a:rPr lang="en-US" altLang="ko-KR" dirty="0" smtClean="0"/>
+              <a:t>.</a:t>
+            </a:r>
+          </a:p>
+          <a:p>
+            <a:r>
+              <a:rPr lang="ko-KR" altLang="en-US" dirty="0" smtClean="0"/>
+              <a:t>물론 컴퓨터 그래픽을 만드는 프로그램은 많지만</a:t>
+            </a:r>
+            <a:r>
+              <a:rPr lang="en-US" altLang="ko-KR" dirty="0" smtClean="0"/>
+              <a:t>, </a:t>
+            </a:r>
+            <a:r>
+              <a:rPr lang="ko-KR" altLang="en-US" dirty="0" smtClean="0"/>
+              <a:t>대부분 전문적인 능력을 요구합니다</a:t>
+            </a:r>
+            <a:r>
+              <a:rPr lang="en-US" altLang="ko-KR" dirty="0" smtClean="0"/>
+              <a:t>.</a:t>
+            </a:r>
+          </a:p>
+          <a:p>
+            <a:r>
+              <a:rPr lang="en-US" altLang="ko-KR" dirty="0" err="1" smtClean="0"/>
+              <a:t>MotionWriter</a:t>
+            </a:r>
+            <a:r>
+              <a:rPr lang="ko-KR" altLang="en-US" dirty="0" smtClean="0"/>
+              <a:t>은 세분화된 구조와 검색</a:t>
+            </a:r>
+            <a:r>
+              <a:rPr lang="en-US" altLang="ko-KR" dirty="0" smtClean="0"/>
+              <a:t>, </a:t>
+            </a:r>
+            <a:r>
+              <a:rPr lang="ko-KR" altLang="en-US" dirty="0" err="1" smtClean="0"/>
+              <a:t>저장등의</a:t>
+            </a:r>
+            <a:r>
+              <a:rPr lang="ko-KR" altLang="en-US" dirty="0" smtClean="0"/>
+              <a:t> 기능을 통해 다양한 쉬운 기능을 제공합니다</a:t>
+            </a:r>
+            <a:r>
+              <a:rPr lang="en-US" altLang="ko-KR" dirty="0" smtClean="0"/>
+              <a:t>.</a:t>
+            </a:r>
+          </a:p>
+          <a:p>
+            <a:endParaRPr lang="en-US" altLang="ko-KR" dirty="0"/>
+          </a:p>
+          <a:p>
+            <a:r>
+              <a:rPr lang="ko-KR" altLang="en-US" dirty="0" smtClean="0"/>
+              <a:t>저희는 이번 프로젝트를 통해서 여러가지를 배웠습니다</a:t>
+            </a:r>
+            <a:r>
+              <a:rPr lang="en-US" altLang="ko-KR" dirty="0" smtClean="0"/>
+              <a:t>. </a:t>
+            </a:r>
+            <a:r>
+              <a:rPr lang="ko-KR" altLang="en-US" dirty="0" smtClean="0"/>
+              <a:t>특히나 </a:t>
+            </a:r>
+            <a:r>
+              <a:rPr lang="en-US" altLang="ko-KR" dirty="0" err="1" smtClean="0"/>
+              <a:t>jit</a:t>
+            </a:r>
+            <a:r>
+              <a:rPr lang="ko-KR" altLang="en-US" dirty="0" smtClean="0"/>
+              <a:t>이 가장 인상에 남았던 것 같습니다</a:t>
+            </a:r>
+            <a:r>
+              <a:rPr lang="en-US" altLang="ko-KR" dirty="0" smtClean="0"/>
+              <a:t>.</a:t>
+            </a:r>
+          </a:p>
+          <a:p>
+            <a:r>
+              <a:rPr lang="ko-KR" altLang="en-US" dirty="0" smtClean="0"/>
+              <a:t>이러한 경험을 바탕으로 앞으로도 관련된 작업을 하는 밑바탕이 되기를 기대합니다</a:t>
+            </a:r>
+            <a:r>
+              <a:rPr lang="en-US" altLang="ko-KR" dirty="0" smtClean="0"/>
+              <a:t>.</a:t>
+            </a:r>
+            <a:endParaRPr lang="ko-KR" altLang="en-US" dirty="0"/>
+          </a:p>
+        </p:txBody>
+      </p:sp>
+    </p:spTree>
+    <p:extLst>
+      <p:ext uri="{BB962C8B-B14F-4D97-AF65-F5344CB8AC3E}">
+        <p14:creationId xmlns:p14="http://schemas.microsoft.com/office/powerpoint/2010/main" val="3909296247"/>
+      </p:ext>
+    </p:extLst>
+  </p:cSld>
+  <p:clrMapOvr>
+    <a:masterClrMapping/>
+  </p:clrMapOvr>
+  <mc:AlternateContent xmlns:mc="http://schemas.openxmlformats.org/markup-compatibility/2006">
+    <mc:Choice xmlns:p14="http://schemas.microsoft.com/office/powerpoint/2010/main" Requires="p14">
+      <p:transition spd="slow" p14:dur="1600">
+        <p14:prism isInverted="1"/>
+      </p:transition>
+    </mc:Choice>
+    <mc:Fallback>
+      <p:transition spd="slow">
+        <p:fade/>
+      </p:transition>
+    </mc:Fallback>
+  </mc:AlternateContent>
+  <p:timing>
+    <p:tnLst>
+      <p:par>
+        <p:cTn id="1" dur="indefinite" restart="never" nodeType="tmRoot"/>
+      </p:par>
+    </p:tnLst>
+  </p:timing>
+</p:sld>
+</file>
+
+<file path=ppt/slides/slide14.xml><?xml version="1.0" encoding="utf-8"?>
+<p:sld xmlns:a="http://schemas.openxmlformats.org/drawingml/2006/main" xmlns:r="http://schemas.openxmlformats.org/officeDocument/2006/relationships" xmlns:p="http://schemas.openxmlformats.org/presentationml/2006/main">
+  <p:cSld>
+    <p:spTree>
+      <p:nvGrpSpPr>
+        <p:cNvPr id="1" name=""/>
+        <p:cNvGrpSpPr/>
+        <p:nvPr/>
+      </p:nvGrpSpPr>
+      <p:grpSpPr>
+        <a:xfrm>
+          <a:off x="0" y="0"/>
+          <a:ext cx="0" cy="0"/>
+          <a:chOff x="0" y="0"/>
+          <a:chExt cx="0" cy="0"/>
+        </a:xfrm>
+      </p:grpSpPr>
+      <p:sp>
+        <p:nvSpPr>
+          <p:cNvPr id="2" name="제목 1"/>
+          <p:cNvSpPr>
+            <a:spLocks noGrp="1"/>
+          </p:cNvSpPr>
+          <p:nvPr>
+            <p:ph type="ctrTitle"/>
+          </p:nvPr>
+        </p:nvSpPr>
+        <p:spPr>
+          <a:xfrm>
+            <a:off x="1157444" y="2151530"/>
+            <a:ext cx="7766936" cy="2643377"/>
+          </a:xfrm>
+        </p:spPr>
+        <p:txBody>
+          <a:bodyPr/>
+          <a:lstStyle/>
+          <a:p>
+            <a:pPr algn="ctr"/>
+            <a:r>
+              <a:rPr lang="en-US" altLang="ko-KR" dirty="0" smtClean="0"/>
+              <a:t>“</a:t>
+            </a:r>
+            <a:br>
+              <a:rPr lang="en-US" altLang="ko-KR" dirty="0" smtClean="0"/>
+            </a:br>
+            <a:r>
+              <a:rPr lang="ko-KR" altLang="en-US" dirty="0" smtClean="0"/>
+              <a:t>감사합니다</a:t>
+            </a:r>
+            <a:r>
+              <a:rPr lang="en-US" altLang="ko-KR" dirty="0" smtClean="0"/>
+              <a:t/>
+            </a:r>
+            <a:br>
+              <a:rPr lang="en-US" altLang="ko-KR" dirty="0" smtClean="0"/>
+            </a:br>
+            <a:r>
+              <a:rPr lang="en-US" altLang="ko-KR" dirty="0" smtClean="0"/>
+              <a:t>＂</a:t>
+            </a:r>
+            <a:endParaRPr lang="ko-KR" altLang="en-US" dirty="0"/>
+          </a:p>
+        </p:txBody>
+      </p:sp>
+    </p:spTree>
+    <p:extLst>
+      <p:ext uri="{BB962C8B-B14F-4D97-AF65-F5344CB8AC3E}">
+        <p14:creationId xmlns:p14="http://schemas.microsoft.com/office/powerpoint/2010/main" val="203883221"/>
+      </p:ext>
+    </p:extLst>
+  </p:cSld>
+  <p:clrMapOvr>
+    <a:masterClrMapping/>
+  </p:clrMapOvr>
+  <mc:AlternateContent xmlns:mc="http://schemas.openxmlformats.org/markup-compatibility/2006">
+    <mc:Choice xmlns:p14="http://schemas.microsoft.com/office/powerpoint/2010/main" Requires="p14">
+      <p:transition spd="slow" p14:dur="1600">
+        <p14:prism isInverted="1"/>
+      </p:transition>
+    </mc:Choice>
+    <mc:Fallback>
+      <p:transition spd="slow">
+        <p:fade/>
+      </p:transition>
+    </mc:Fallback>
+  </mc:AlternateContent>
   <p:timing>
     <p:tnLst>
       <p:par>
@@ -6130,7 +7848,11 @@
           <a:p>
             <a:r>
               <a:rPr lang="en-US" altLang="ko-KR" dirty="0" smtClean="0"/>
-              <a:t>What is this?</a:t>
+              <a:t>Index - </a:t>
+            </a:r>
+            <a:r>
+              <a:rPr lang="ko-KR" altLang="en-US" dirty="0" smtClean="0"/>
+              <a:t>목차</a:t>
             </a:r>
             <a:endParaRPr lang="ko-KR" altLang="en-US" dirty="0"/>
           </a:p>
@@ -6138,146 +7860,1727 @@
       </p:sp>
       <p:sp>
         <p:nvSpPr>
-          <p:cNvPr id="3" name="내용 개체 틀 2"/>
-          <p:cNvSpPr>
-            <a:spLocks noGrp="1"/>
-          </p:cNvSpPr>
-          <p:nvPr>
-            <p:ph idx="1"/>
-          </p:nvPr>
+          <p:cNvPr id="4" name="내용 개체 틀 2"/>
+          <p:cNvSpPr txBox="1">
+            <a:spLocks/>
+          </p:cNvSpPr>
+          <p:nvPr/>
         </p:nvSpPr>
         <p:spPr>
           <a:xfrm>
-            <a:off x="677333" y="1894703"/>
-            <a:ext cx="9264689" cy="4146659"/>
+            <a:off x="677333" y="2134580"/>
+            <a:ext cx="8982055" cy="1866969"/>
+          </a:xfrm>
+          <a:prstGeom prst="rect">
+            <a:avLst/>
+          </a:prstGeom>
+        </p:spPr>
+        <p:txBody>
+          <a:bodyPr vert="horz" lIns="91440" tIns="45720" rIns="91440" bIns="45720" rtlCol="0">
+            <a:normAutofit/>
+          </a:bodyPr>
+          <a:lstStyle>
+            <a:lvl1pPr marL="342900" indent="-342900" algn="l" defTabSz="457200" rtl="0" eaLnBrk="1" latinLnBrk="1" hangingPunct="1">
+              <a:spcBef>
+                <a:spcPts val="1000"/>
+              </a:spcBef>
+              <a:spcAft>
+                <a:spcPts val="0"/>
+              </a:spcAft>
+              <a:buClr>
+                <a:schemeClr val="accent1"/>
+              </a:buClr>
+              <a:buSzPct val="80000"/>
+              <a:buFont typeface="Wingdings 3" charset="2"/>
+              <a:buChar char=""/>
+              <a:defRPr sz="1800" kern="1200">
+                <a:solidFill>
+                  <a:schemeClr val="tx1">
+                    <a:lumMod val="75000"/>
+                    <a:lumOff val="25000"/>
+                  </a:schemeClr>
+                </a:solidFill>
+                <a:latin typeface="+mn-lt"/>
+                <a:ea typeface="+mn-ea"/>
+                <a:cs typeface="+mn-cs"/>
+              </a:defRPr>
+            </a:lvl1pPr>
+            <a:lvl2pPr marL="742950" indent="-285750" algn="l" defTabSz="457200" rtl="0" eaLnBrk="1" latinLnBrk="1" hangingPunct="1">
+              <a:spcBef>
+                <a:spcPts val="1000"/>
+              </a:spcBef>
+              <a:spcAft>
+                <a:spcPts val="0"/>
+              </a:spcAft>
+              <a:buClr>
+                <a:schemeClr val="accent1"/>
+              </a:buClr>
+              <a:buSzPct val="80000"/>
+              <a:buFont typeface="Wingdings 3" charset="2"/>
+              <a:buChar char=""/>
+              <a:defRPr sz="1600" kern="1200">
+                <a:solidFill>
+                  <a:schemeClr val="tx1">
+                    <a:lumMod val="75000"/>
+                    <a:lumOff val="25000"/>
+                  </a:schemeClr>
+                </a:solidFill>
+                <a:latin typeface="+mn-lt"/>
+                <a:ea typeface="+mn-ea"/>
+                <a:cs typeface="+mn-cs"/>
+              </a:defRPr>
+            </a:lvl2pPr>
+            <a:lvl3pPr marL="1143000" indent="-228600" algn="l" defTabSz="457200" rtl="0" eaLnBrk="1" latinLnBrk="1" hangingPunct="1">
+              <a:spcBef>
+                <a:spcPts val="1000"/>
+              </a:spcBef>
+              <a:spcAft>
+                <a:spcPts val="0"/>
+              </a:spcAft>
+              <a:buClr>
+                <a:schemeClr val="accent1"/>
+              </a:buClr>
+              <a:buSzPct val="80000"/>
+              <a:buFont typeface="Wingdings 3" charset="2"/>
+              <a:buChar char=""/>
+              <a:defRPr sz="1400" kern="1200">
+                <a:solidFill>
+                  <a:schemeClr val="tx1">
+                    <a:lumMod val="75000"/>
+                    <a:lumOff val="25000"/>
+                  </a:schemeClr>
+                </a:solidFill>
+                <a:latin typeface="+mn-lt"/>
+                <a:ea typeface="+mn-ea"/>
+                <a:cs typeface="+mn-cs"/>
+              </a:defRPr>
+            </a:lvl3pPr>
+            <a:lvl4pPr marL="1600200" indent="-228600" algn="l" defTabSz="457200" rtl="0" eaLnBrk="1" latinLnBrk="1" hangingPunct="1">
+              <a:spcBef>
+                <a:spcPts val="1000"/>
+              </a:spcBef>
+              <a:spcAft>
+                <a:spcPts val="0"/>
+              </a:spcAft>
+              <a:buClr>
+                <a:schemeClr val="accent1"/>
+              </a:buClr>
+              <a:buSzPct val="80000"/>
+              <a:buFont typeface="Wingdings 3" charset="2"/>
+              <a:buChar char=""/>
+              <a:defRPr sz="1200" kern="1200">
+                <a:solidFill>
+                  <a:schemeClr val="tx1">
+                    <a:lumMod val="75000"/>
+                    <a:lumOff val="25000"/>
+                  </a:schemeClr>
+                </a:solidFill>
+                <a:latin typeface="+mn-lt"/>
+                <a:ea typeface="+mn-ea"/>
+                <a:cs typeface="+mn-cs"/>
+              </a:defRPr>
+            </a:lvl4pPr>
+            <a:lvl5pPr marL="2057400" indent="-228600" algn="l" defTabSz="457200" rtl="0" eaLnBrk="1" latinLnBrk="1" hangingPunct="1">
+              <a:spcBef>
+                <a:spcPts val="1000"/>
+              </a:spcBef>
+              <a:spcAft>
+                <a:spcPts val="0"/>
+              </a:spcAft>
+              <a:buClr>
+                <a:schemeClr val="accent1"/>
+              </a:buClr>
+              <a:buSzPct val="80000"/>
+              <a:buFont typeface="Wingdings 3" charset="2"/>
+              <a:buChar char=""/>
+              <a:defRPr sz="1200" kern="1200">
+                <a:solidFill>
+                  <a:schemeClr val="tx1">
+                    <a:lumMod val="75000"/>
+                    <a:lumOff val="25000"/>
+                  </a:schemeClr>
+                </a:solidFill>
+                <a:latin typeface="+mn-lt"/>
+                <a:ea typeface="+mn-ea"/>
+                <a:cs typeface="+mn-cs"/>
+              </a:defRPr>
+            </a:lvl5pPr>
+            <a:lvl6pPr marL="2514600" indent="-228600" algn="l" defTabSz="457200" rtl="0" eaLnBrk="1" latinLnBrk="1" hangingPunct="1">
+              <a:spcBef>
+                <a:spcPts val="1000"/>
+              </a:spcBef>
+              <a:spcAft>
+                <a:spcPts val="0"/>
+              </a:spcAft>
+              <a:buClr>
+                <a:schemeClr val="accent1"/>
+              </a:buClr>
+              <a:buSzPct val="80000"/>
+              <a:buFont typeface="Wingdings 3" charset="2"/>
+              <a:buChar char=""/>
+              <a:defRPr sz="1200" kern="1200">
+                <a:solidFill>
+                  <a:schemeClr val="tx1">
+                    <a:lumMod val="75000"/>
+                    <a:lumOff val="25000"/>
+                  </a:schemeClr>
+                </a:solidFill>
+                <a:latin typeface="+mn-lt"/>
+                <a:ea typeface="+mn-ea"/>
+                <a:cs typeface="+mn-cs"/>
+              </a:defRPr>
+            </a:lvl6pPr>
+            <a:lvl7pPr marL="2971800" indent="-228600" algn="l" defTabSz="457200" rtl="0" eaLnBrk="1" latinLnBrk="1" hangingPunct="1">
+              <a:spcBef>
+                <a:spcPts val="1000"/>
+              </a:spcBef>
+              <a:spcAft>
+                <a:spcPts val="0"/>
+              </a:spcAft>
+              <a:buClr>
+                <a:schemeClr val="accent1"/>
+              </a:buClr>
+              <a:buSzPct val="80000"/>
+              <a:buFont typeface="Wingdings 3" charset="2"/>
+              <a:buChar char=""/>
+              <a:defRPr sz="1200" kern="1200">
+                <a:solidFill>
+                  <a:schemeClr val="tx1">
+                    <a:lumMod val="75000"/>
+                    <a:lumOff val="25000"/>
+                  </a:schemeClr>
+                </a:solidFill>
+                <a:latin typeface="+mn-lt"/>
+                <a:ea typeface="+mn-ea"/>
+                <a:cs typeface="+mn-cs"/>
+              </a:defRPr>
+            </a:lvl7pPr>
+            <a:lvl8pPr marL="3429000" indent="-228600" algn="l" defTabSz="457200" rtl="0" eaLnBrk="1" latinLnBrk="1" hangingPunct="1">
+              <a:spcBef>
+                <a:spcPts val="1000"/>
+              </a:spcBef>
+              <a:spcAft>
+                <a:spcPts val="0"/>
+              </a:spcAft>
+              <a:buClr>
+                <a:schemeClr val="accent1"/>
+              </a:buClr>
+              <a:buSzPct val="80000"/>
+              <a:buFont typeface="Wingdings 3" charset="2"/>
+              <a:buChar char=""/>
+              <a:defRPr sz="1200" kern="1200">
+                <a:solidFill>
+                  <a:schemeClr val="tx1">
+                    <a:lumMod val="75000"/>
+                    <a:lumOff val="25000"/>
+                  </a:schemeClr>
+                </a:solidFill>
+                <a:latin typeface="+mn-lt"/>
+                <a:ea typeface="+mn-ea"/>
+                <a:cs typeface="+mn-cs"/>
+              </a:defRPr>
+            </a:lvl8pPr>
+            <a:lvl9pPr marL="3886200" indent="-228600" algn="l" defTabSz="457200" rtl="0" eaLnBrk="1" latinLnBrk="1" hangingPunct="1">
+              <a:spcBef>
+                <a:spcPts val="1000"/>
+              </a:spcBef>
+              <a:spcAft>
+                <a:spcPts val="0"/>
+              </a:spcAft>
+              <a:buClr>
+                <a:schemeClr val="accent1"/>
+              </a:buClr>
+              <a:buSzPct val="80000"/>
+              <a:buFont typeface="Wingdings 3" charset="2"/>
+              <a:buChar char=""/>
+              <a:defRPr sz="1200" kern="1200">
+                <a:solidFill>
+                  <a:schemeClr val="tx1">
+                    <a:lumMod val="75000"/>
+                    <a:lumOff val="25000"/>
+                  </a:schemeClr>
+                </a:solidFill>
+                <a:latin typeface="+mn-lt"/>
+                <a:ea typeface="+mn-ea"/>
+                <a:cs typeface="+mn-cs"/>
+              </a:defRPr>
+            </a:lvl9pPr>
+          </a:lstStyle>
+          <a:p>
+            <a:endParaRPr lang="en-US" altLang="ko-KR" dirty="0" smtClean="0"/>
+          </a:p>
+        </p:txBody>
+      </p:sp>
+      <p:sp>
+        <p:nvSpPr>
+          <p:cNvPr id="3" name="내용 개체 틀 2"/>
+          <p:cNvSpPr>
+            <a:spLocks noGrp="1"/>
+          </p:cNvSpPr>
+          <p:nvPr>
+            <p:ph idx="1"/>
+          </p:nvPr>
+        </p:nvSpPr>
+        <p:spPr>
+          <a:xfrm>
+            <a:off x="677335" y="1722121"/>
+            <a:ext cx="3159560" cy="783197"/>
           </a:xfrm>
         </p:spPr>
         <p:txBody>
-          <a:bodyPr/>
+          <a:bodyPr>
+            <a:normAutofit/>
+          </a:bodyPr>
           <a:lstStyle/>
           <a:p>
             <a:r>
-              <a:rPr lang="en-US" altLang="ko-KR" dirty="0" err="1" smtClean="0"/>
-              <a:t>MotionWriter</a:t>
+              <a:rPr lang="en-US" altLang="ko-KR" dirty="0" smtClean="0"/>
+              <a:t>Introduce – </a:t>
             </a:r>
             <a:r>
               <a:rPr lang="ko-KR" altLang="en-US" dirty="0" smtClean="0"/>
-              <a:t>은 간단한 비디오를 만드는데 최적화되어 있습니다</a:t>
-            </a:r>
+              <a:t>소개</a:t>
+            </a:r>
+            <a:endParaRPr lang="en-US" altLang="ko-KR" dirty="0" smtClean="0"/>
+          </a:p>
+          <a:p>
+            <a:r>
+              <a:rPr lang="en-US" altLang="ko-KR" dirty="0"/>
+              <a:t>Feature – </a:t>
+            </a:r>
+            <a:r>
+              <a:rPr lang="ko-KR" altLang="en-US" dirty="0" smtClean="0"/>
+              <a:t>기능</a:t>
+            </a:r>
+            <a:endParaRPr lang="ko-KR" altLang="en-US" dirty="0"/>
+          </a:p>
+        </p:txBody>
+      </p:sp>
+      <p:sp>
+        <p:nvSpPr>
+          <p:cNvPr id="7" name="내용 개체 틀 2"/>
+          <p:cNvSpPr txBox="1">
+            <a:spLocks/>
+          </p:cNvSpPr>
+          <p:nvPr/>
+        </p:nvSpPr>
+        <p:spPr>
+          <a:xfrm>
+            <a:off x="775945" y="2507768"/>
+            <a:ext cx="8982055" cy="1120592"/>
+          </a:xfrm>
+          <a:prstGeom prst="rect">
+            <a:avLst/>
+          </a:prstGeom>
+        </p:spPr>
+        <p:txBody>
+          <a:bodyPr vert="horz" lIns="91440" tIns="45720" rIns="91440" bIns="45720" rtlCol="0">
+            <a:normAutofit/>
+          </a:bodyPr>
+          <a:lstStyle>
+            <a:lvl1pPr marL="342900" indent="-342900" algn="l" defTabSz="457200" rtl="0" eaLnBrk="1" latinLnBrk="1" hangingPunct="1">
+              <a:spcBef>
+                <a:spcPts val="1000"/>
+              </a:spcBef>
+              <a:spcAft>
+                <a:spcPts val="0"/>
+              </a:spcAft>
+              <a:buClr>
+                <a:schemeClr val="accent1"/>
+              </a:buClr>
+              <a:buSzPct val="80000"/>
+              <a:buFont typeface="Wingdings 3" charset="2"/>
+              <a:buChar char=""/>
+              <a:defRPr sz="1800" kern="1200">
+                <a:solidFill>
+                  <a:schemeClr val="tx1">
+                    <a:lumMod val="75000"/>
+                    <a:lumOff val="25000"/>
+                  </a:schemeClr>
+                </a:solidFill>
+                <a:latin typeface="+mn-lt"/>
+                <a:ea typeface="+mn-ea"/>
+                <a:cs typeface="+mn-cs"/>
+              </a:defRPr>
+            </a:lvl1pPr>
+            <a:lvl2pPr marL="742950" indent="-285750" algn="l" defTabSz="457200" rtl="0" eaLnBrk="1" latinLnBrk="1" hangingPunct="1">
+              <a:spcBef>
+                <a:spcPts val="1000"/>
+              </a:spcBef>
+              <a:spcAft>
+                <a:spcPts val="0"/>
+              </a:spcAft>
+              <a:buClr>
+                <a:schemeClr val="accent1"/>
+              </a:buClr>
+              <a:buSzPct val="80000"/>
+              <a:buFont typeface="Wingdings 3" charset="2"/>
+              <a:buChar char=""/>
+              <a:defRPr sz="1600" kern="1200">
+                <a:solidFill>
+                  <a:schemeClr val="tx1">
+                    <a:lumMod val="75000"/>
+                    <a:lumOff val="25000"/>
+                  </a:schemeClr>
+                </a:solidFill>
+                <a:latin typeface="+mn-lt"/>
+                <a:ea typeface="+mn-ea"/>
+                <a:cs typeface="+mn-cs"/>
+              </a:defRPr>
+            </a:lvl2pPr>
+            <a:lvl3pPr marL="1143000" indent="-228600" algn="l" defTabSz="457200" rtl="0" eaLnBrk="1" latinLnBrk="1" hangingPunct="1">
+              <a:spcBef>
+                <a:spcPts val="1000"/>
+              </a:spcBef>
+              <a:spcAft>
+                <a:spcPts val="0"/>
+              </a:spcAft>
+              <a:buClr>
+                <a:schemeClr val="accent1"/>
+              </a:buClr>
+              <a:buSzPct val="80000"/>
+              <a:buFont typeface="Wingdings 3" charset="2"/>
+              <a:buChar char=""/>
+              <a:defRPr sz="1400" kern="1200">
+                <a:solidFill>
+                  <a:schemeClr val="tx1">
+                    <a:lumMod val="75000"/>
+                    <a:lumOff val="25000"/>
+                  </a:schemeClr>
+                </a:solidFill>
+                <a:latin typeface="+mn-lt"/>
+                <a:ea typeface="+mn-ea"/>
+                <a:cs typeface="+mn-cs"/>
+              </a:defRPr>
+            </a:lvl3pPr>
+            <a:lvl4pPr marL="1600200" indent="-228600" algn="l" defTabSz="457200" rtl="0" eaLnBrk="1" latinLnBrk="1" hangingPunct="1">
+              <a:spcBef>
+                <a:spcPts val="1000"/>
+              </a:spcBef>
+              <a:spcAft>
+                <a:spcPts val="0"/>
+              </a:spcAft>
+              <a:buClr>
+                <a:schemeClr val="accent1"/>
+              </a:buClr>
+              <a:buSzPct val="80000"/>
+              <a:buFont typeface="Wingdings 3" charset="2"/>
+              <a:buChar char=""/>
+              <a:defRPr sz="1200" kern="1200">
+                <a:solidFill>
+                  <a:schemeClr val="tx1">
+                    <a:lumMod val="75000"/>
+                    <a:lumOff val="25000"/>
+                  </a:schemeClr>
+                </a:solidFill>
+                <a:latin typeface="+mn-lt"/>
+                <a:ea typeface="+mn-ea"/>
+                <a:cs typeface="+mn-cs"/>
+              </a:defRPr>
+            </a:lvl4pPr>
+            <a:lvl5pPr marL="2057400" indent="-228600" algn="l" defTabSz="457200" rtl="0" eaLnBrk="1" latinLnBrk="1" hangingPunct="1">
+              <a:spcBef>
+                <a:spcPts val="1000"/>
+              </a:spcBef>
+              <a:spcAft>
+                <a:spcPts val="0"/>
+              </a:spcAft>
+              <a:buClr>
+                <a:schemeClr val="accent1"/>
+              </a:buClr>
+              <a:buSzPct val="80000"/>
+              <a:buFont typeface="Wingdings 3" charset="2"/>
+              <a:buChar char=""/>
+              <a:defRPr sz="1200" kern="1200">
+                <a:solidFill>
+                  <a:schemeClr val="tx1">
+                    <a:lumMod val="75000"/>
+                    <a:lumOff val="25000"/>
+                  </a:schemeClr>
+                </a:solidFill>
+                <a:latin typeface="+mn-lt"/>
+                <a:ea typeface="+mn-ea"/>
+                <a:cs typeface="+mn-cs"/>
+              </a:defRPr>
+            </a:lvl5pPr>
+            <a:lvl6pPr marL="2514600" indent="-228600" algn="l" defTabSz="457200" rtl="0" eaLnBrk="1" latinLnBrk="1" hangingPunct="1">
+              <a:spcBef>
+                <a:spcPts val="1000"/>
+              </a:spcBef>
+              <a:spcAft>
+                <a:spcPts val="0"/>
+              </a:spcAft>
+              <a:buClr>
+                <a:schemeClr val="accent1"/>
+              </a:buClr>
+              <a:buSzPct val="80000"/>
+              <a:buFont typeface="Wingdings 3" charset="2"/>
+              <a:buChar char=""/>
+              <a:defRPr sz="1200" kern="1200">
+                <a:solidFill>
+                  <a:schemeClr val="tx1">
+                    <a:lumMod val="75000"/>
+                    <a:lumOff val="25000"/>
+                  </a:schemeClr>
+                </a:solidFill>
+                <a:latin typeface="+mn-lt"/>
+                <a:ea typeface="+mn-ea"/>
+                <a:cs typeface="+mn-cs"/>
+              </a:defRPr>
+            </a:lvl6pPr>
+            <a:lvl7pPr marL="2971800" indent="-228600" algn="l" defTabSz="457200" rtl="0" eaLnBrk="1" latinLnBrk="1" hangingPunct="1">
+              <a:spcBef>
+                <a:spcPts val="1000"/>
+              </a:spcBef>
+              <a:spcAft>
+                <a:spcPts val="0"/>
+              </a:spcAft>
+              <a:buClr>
+                <a:schemeClr val="accent1"/>
+              </a:buClr>
+              <a:buSzPct val="80000"/>
+              <a:buFont typeface="Wingdings 3" charset="2"/>
+              <a:buChar char=""/>
+              <a:defRPr sz="1200" kern="1200">
+                <a:solidFill>
+                  <a:schemeClr val="tx1">
+                    <a:lumMod val="75000"/>
+                    <a:lumOff val="25000"/>
+                  </a:schemeClr>
+                </a:solidFill>
+                <a:latin typeface="+mn-lt"/>
+                <a:ea typeface="+mn-ea"/>
+                <a:cs typeface="+mn-cs"/>
+              </a:defRPr>
+            </a:lvl7pPr>
+            <a:lvl8pPr marL="3429000" indent="-228600" algn="l" defTabSz="457200" rtl="0" eaLnBrk="1" latinLnBrk="1" hangingPunct="1">
+              <a:spcBef>
+                <a:spcPts val="1000"/>
+              </a:spcBef>
+              <a:spcAft>
+                <a:spcPts val="0"/>
+              </a:spcAft>
+              <a:buClr>
+                <a:schemeClr val="accent1"/>
+              </a:buClr>
+              <a:buSzPct val="80000"/>
+              <a:buFont typeface="Wingdings 3" charset="2"/>
+              <a:buChar char=""/>
+              <a:defRPr sz="1200" kern="1200">
+                <a:solidFill>
+                  <a:schemeClr val="tx1">
+                    <a:lumMod val="75000"/>
+                    <a:lumOff val="25000"/>
+                  </a:schemeClr>
+                </a:solidFill>
+                <a:latin typeface="+mn-lt"/>
+                <a:ea typeface="+mn-ea"/>
+                <a:cs typeface="+mn-cs"/>
+              </a:defRPr>
+            </a:lvl8pPr>
+            <a:lvl9pPr marL="3886200" indent="-228600" algn="l" defTabSz="457200" rtl="0" eaLnBrk="1" latinLnBrk="1" hangingPunct="1">
+              <a:spcBef>
+                <a:spcPts val="1000"/>
+              </a:spcBef>
+              <a:spcAft>
+                <a:spcPts val="0"/>
+              </a:spcAft>
+              <a:buClr>
+                <a:schemeClr val="accent1"/>
+              </a:buClr>
+              <a:buSzPct val="80000"/>
+              <a:buFont typeface="Wingdings 3" charset="2"/>
+              <a:buChar char=""/>
+              <a:defRPr sz="1200" kern="1200">
+                <a:solidFill>
+                  <a:schemeClr val="tx1">
+                    <a:lumMod val="75000"/>
+                    <a:lumOff val="25000"/>
+                  </a:schemeClr>
+                </a:solidFill>
+                <a:latin typeface="+mn-lt"/>
+                <a:ea typeface="+mn-ea"/>
+                <a:cs typeface="+mn-cs"/>
+              </a:defRPr>
+            </a:lvl9pPr>
+          </a:lstStyle>
+          <a:p>
+            <a:pPr lvl="1"/>
             <a:r>
               <a:rPr lang="en-US" altLang="ko-KR" dirty="0" smtClean="0"/>
-              <a:t>.</a:t>
-            </a:r>
-          </a:p>
-          <a:p>
+              <a:t>A. structure – </a:t>
+            </a:r>
+            <a:r>
+              <a:rPr lang="ko-KR" altLang="en-US" dirty="0" smtClean="0"/>
+              <a:t>구조</a:t>
+            </a:r>
+            <a:endParaRPr lang="en-US" altLang="ko-KR" dirty="0" smtClean="0"/>
+          </a:p>
+          <a:p>
+            <a:pPr lvl="1"/>
             <a:r>
               <a:rPr lang="en-US" altLang="ko-KR" dirty="0" smtClean="0"/>
-              <a:t>Mp4, </a:t>
-            </a:r>
-            <a:r>
-              <a:rPr lang="en-US" altLang="ko-KR" dirty="0" err="1" smtClean="0"/>
-              <a:t>avi</a:t>
+              <a:t>B. save &amp; load – </a:t>
             </a:r>
             <a:r>
               <a:rPr lang="ko-KR" altLang="en-US" dirty="0" smtClean="0"/>
-              <a:t>등도 지원하지만 가장 추천하는 것은 </a:t>
-            </a:r>
+              <a:t>저장 및 불러오기</a:t>
+            </a:r>
+            <a:endParaRPr lang="en-US" altLang="ko-KR" dirty="0" smtClean="0"/>
+          </a:p>
+          <a:p>
+            <a:pPr lvl="1"/>
             <a:r>
               <a:rPr lang="en-US" altLang="ko-KR" dirty="0" smtClean="0"/>
-              <a:t>gif</a:t>
-            </a:r>
-            <a:r>
-              <a:rPr lang="ko-KR" altLang="en-US" dirty="0" smtClean="0"/>
-              <a:t>입니다</a:t>
-            </a:r>
+              <a:t>C. Operating Speed - </a:t>
+            </a:r>
+            <a:r>
+              <a:rPr lang="ko-KR" altLang="en-US" dirty="0" err="1" smtClean="0"/>
+              <a:t>작동속도</a:t>
+            </a:r>
+            <a:endParaRPr lang="en-US" altLang="ko-KR" dirty="0" smtClean="0"/>
+          </a:p>
+        </p:txBody>
+      </p:sp>
+      <p:sp>
+        <p:nvSpPr>
+          <p:cNvPr id="9" name="내용 개체 틀 2"/>
+          <p:cNvSpPr txBox="1">
+            <a:spLocks/>
+          </p:cNvSpPr>
+          <p:nvPr/>
+        </p:nvSpPr>
+        <p:spPr>
+          <a:xfrm>
+            <a:off x="677333" y="2505318"/>
+            <a:ext cx="3383680" cy="412459"/>
+          </a:xfrm>
+          <a:prstGeom prst="rect">
+            <a:avLst/>
+          </a:prstGeom>
+        </p:spPr>
+        <p:txBody>
+          <a:bodyPr vert="horz" lIns="91440" tIns="45720" rIns="91440" bIns="45720" rtlCol="0">
+            <a:normAutofit/>
+          </a:bodyPr>
+          <a:lstStyle>
+            <a:lvl1pPr marL="342900" indent="-342900" algn="l" defTabSz="457200" rtl="0" eaLnBrk="1" latinLnBrk="1" hangingPunct="1">
+              <a:spcBef>
+                <a:spcPts val="1000"/>
+              </a:spcBef>
+              <a:spcAft>
+                <a:spcPts val="0"/>
+              </a:spcAft>
+              <a:buClr>
+                <a:schemeClr val="accent1"/>
+              </a:buClr>
+              <a:buSzPct val="80000"/>
+              <a:buFont typeface="Wingdings 3" charset="2"/>
+              <a:buChar char=""/>
+              <a:defRPr sz="1800" kern="1200">
+                <a:solidFill>
+                  <a:schemeClr val="tx1">
+                    <a:lumMod val="75000"/>
+                    <a:lumOff val="25000"/>
+                  </a:schemeClr>
+                </a:solidFill>
+                <a:latin typeface="+mn-lt"/>
+                <a:ea typeface="+mn-ea"/>
+                <a:cs typeface="+mn-cs"/>
+              </a:defRPr>
+            </a:lvl1pPr>
+            <a:lvl2pPr marL="742950" indent="-285750" algn="l" defTabSz="457200" rtl="0" eaLnBrk="1" latinLnBrk="1" hangingPunct="1">
+              <a:spcBef>
+                <a:spcPts val="1000"/>
+              </a:spcBef>
+              <a:spcAft>
+                <a:spcPts val="0"/>
+              </a:spcAft>
+              <a:buClr>
+                <a:schemeClr val="accent1"/>
+              </a:buClr>
+              <a:buSzPct val="80000"/>
+              <a:buFont typeface="Wingdings 3" charset="2"/>
+              <a:buChar char=""/>
+              <a:defRPr sz="1600" kern="1200">
+                <a:solidFill>
+                  <a:schemeClr val="tx1">
+                    <a:lumMod val="75000"/>
+                    <a:lumOff val="25000"/>
+                  </a:schemeClr>
+                </a:solidFill>
+                <a:latin typeface="+mn-lt"/>
+                <a:ea typeface="+mn-ea"/>
+                <a:cs typeface="+mn-cs"/>
+              </a:defRPr>
+            </a:lvl2pPr>
+            <a:lvl3pPr marL="1143000" indent="-228600" algn="l" defTabSz="457200" rtl="0" eaLnBrk="1" latinLnBrk="1" hangingPunct="1">
+              <a:spcBef>
+                <a:spcPts val="1000"/>
+              </a:spcBef>
+              <a:spcAft>
+                <a:spcPts val="0"/>
+              </a:spcAft>
+              <a:buClr>
+                <a:schemeClr val="accent1"/>
+              </a:buClr>
+              <a:buSzPct val="80000"/>
+              <a:buFont typeface="Wingdings 3" charset="2"/>
+              <a:buChar char=""/>
+              <a:defRPr sz="1400" kern="1200">
+                <a:solidFill>
+                  <a:schemeClr val="tx1">
+                    <a:lumMod val="75000"/>
+                    <a:lumOff val="25000"/>
+                  </a:schemeClr>
+                </a:solidFill>
+                <a:latin typeface="+mn-lt"/>
+                <a:ea typeface="+mn-ea"/>
+                <a:cs typeface="+mn-cs"/>
+              </a:defRPr>
+            </a:lvl3pPr>
+            <a:lvl4pPr marL="1600200" indent="-228600" algn="l" defTabSz="457200" rtl="0" eaLnBrk="1" latinLnBrk="1" hangingPunct="1">
+              <a:spcBef>
+                <a:spcPts val="1000"/>
+              </a:spcBef>
+              <a:spcAft>
+                <a:spcPts val="0"/>
+              </a:spcAft>
+              <a:buClr>
+                <a:schemeClr val="accent1"/>
+              </a:buClr>
+              <a:buSzPct val="80000"/>
+              <a:buFont typeface="Wingdings 3" charset="2"/>
+              <a:buChar char=""/>
+              <a:defRPr sz="1200" kern="1200">
+                <a:solidFill>
+                  <a:schemeClr val="tx1">
+                    <a:lumMod val="75000"/>
+                    <a:lumOff val="25000"/>
+                  </a:schemeClr>
+                </a:solidFill>
+                <a:latin typeface="+mn-lt"/>
+                <a:ea typeface="+mn-ea"/>
+                <a:cs typeface="+mn-cs"/>
+              </a:defRPr>
+            </a:lvl4pPr>
+            <a:lvl5pPr marL="2057400" indent="-228600" algn="l" defTabSz="457200" rtl="0" eaLnBrk="1" latinLnBrk="1" hangingPunct="1">
+              <a:spcBef>
+                <a:spcPts val="1000"/>
+              </a:spcBef>
+              <a:spcAft>
+                <a:spcPts val="0"/>
+              </a:spcAft>
+              <a:buClr>
+                <a:schemeClr val="accent1"/>
+              </a:buClr>
+              <a:buSzPct val="80000"/>
+              <a:buFont typeface="Wingdings 3" charset="2"/>
+              <a:buChar char=""/>
+              <a:defRPr sz="1200" kern="1200">
+                <a:solidFill>
+                  <a:schemeClr val="tx1">
+                    <a:lumMod val="75000"/>
+                    <a:lumOff val="25000"/>
+                  </a:schemeClr>
+                </a:solidFill>
+                <a:latin typeface="+mn-lt"/>
+                <a:ea typeface="+mn-ea"/>
+                <a:cs typeface="+mn-cs"/>
+              </a:defRPr>
+            </a:lvl5pPr>
+            <a:lvl6pPr marL="2514600" indent="-228600" algn="l" defTabSz="457200" rtl="0" eaLnBrk="1" latinLnBrk="1" hangingPunct="1">
+              <a:spcBef>
+                <a:spcPts val="1000"/>
+              </a:spcBef>
+              <a:spcAft>
+                <a:spcPts val="0"/>
+              </a:spcAft>
+              <a:buClr>
+                <a:schemeClr val="accent1"/>
+              </a:buClr>
+              <a:buSzPct val="80000"/>
+              <a:buFont typeface="Wingdings 3" charset="2"/>
+              <a:buChar char=""/>
+              <a:defRPr sz="1200" kern="1200">
+                <a:solidFill>
+                  <a:schemeClr val="tx1">
+                    <a:lumMod val="75000"/>
+                    <a:lumOff val="25000"/>
+                  </a:schemeClr>
+                </a:solidFill>
+                <a:latin typeface="+mn-lt"/>
+                <a:ea typeface="+mn-ea"/>
+                <a:cs typeface="+mn-cs"/>
+              </a:defRPr>
+            </a:lvl6pPr>
+            <a:lvl7pPr marL="2971800" indent="-228600" algn="l" defTabSz="457200" rtl="0" eaLnBrk="1" latinLnBrk="1" hangingPunct="1">
+              <a:spcBef>
+                <a:spcPts val="1000"/>
+              </a:spcBef>
+              <a:spcAft>
+                <a:spcPts val="0"/>
+              </a:spcAft>
+              <a:buClr>
+                <a:schemeClr val="accent1"/>
+              </a:buClr>
+              <a:buSzPct val="80000"/>
+              <a:buFont typeface="Wingdings 3" charset="2"/>
+              <a:buChar char=""/>
+              <a:defRPr sz="1200" kern="1200">
+                <a:solidFill>
+                  <a:schemeClr val="tx1">
+                    <a:lumMod val="75000"/>
+                    <a:lumOff val="25000"/>
+                  </a:schemeClr>
+                </a:solidFill>
+                <a:latin typeface="+mn-lt"/>
+                <a:ea typeface="+mn-ea"/>
+                <a:cs typeface="+mn-cs"/>
+              </a:defRPr>
+            </a:lvl7pPr>
+            <a:lvl8pPr marL="3429000" indent="-228600" algn="l" defTabSz="457200" rtl="0" eaLnBrk="1" latinLnBrk="1" hangingPunct="1">
+              <a:spcBef>
+                <a:spcPts val="1000"/>
+              </a:spcBef>
+              <a:spcAft>
+                <a:spcPts val="0"/>
+              </a:spcAft>
+              <a:buClr>
+                <a:schemeClr val="accent1"/>
+              </a:buClr>
+              <a:buSzPct val="80000"/>
+              <a:buFont typeface="Wingdings 3" charset="2"/>
+              <a:buChar char=""/>
+              <a:defRPr sz="1200" kern="1200">
+                <a:solidFill>
+                  <a:schemeClr val="tx1">
+                    <a:lumMod val="75000"/>
+                    <a:lumOff val="25000"/>
+                  </a:schemeClr>
+                </a:solidFill>
+                <a:latin typeface="+mn-lt"/>
+                <a:ea typeface="+mn-ea"/>
+                <a:cs typeface="+mn-cs"/>
+              </a:defRPr>
+            </a:lvl8pPr>
+            <a:lvl9pPr marL="3886200" indent="-228600" algn="l" defTabSz="457200" rtl="0" eaLnBrk="1" latinLnBrk="1" hangingPunct="1">
+              <a:spcBef>
+                <a:spcPts val="1000"/>
+              </a:spcBef>
+              <a:spcAft>
+                <a:spcPts val="0"/>
+              </a:spcAft>
+              <a:buClr>
+                <a:schemeClr val="accent1"/>
+              </a:buClr>
+              <a:buSzPct val="80000"/>
+              <a:buFont typeface="Wingdings 3" charset="2"/>
+              <a:buChar char=""/>
+              <a:defRPr sz="1200" kern="1200">
+                <a:solidFill>
+                  <a:schemeClr val="tx1">
+                    <a:lumMod val="75000"/>
+                    <a:lumOff val="25000"/>
+                  </a:schemeClr>
+                </a:solidFill>
+                <a:latin typeface="+mn-lt"/>
+                <a:ea typeface="+mn-ea"/>
+                <a:cs typeface="+mn-cs"/>
+              </a:defRPr>
+            </a:lvl9pPr>
+          </a:lstStyle>
+          <a:p>
+            <a:pPr latinLnBrk="0"/>
+            <a:r>
+              <a:rPr lang="en-US" altLang="ko-KR" dirty="0"/>
+              <a:t>How this works – </a:t>
+            </a:r>
+            <a:r>
+              <a:rPr lang="ko-KR" altLang="ko-KR" dirty="0" err="1" smtClean="0"/>
+              <a:t>구현방법</a:t>
+            </a:r>
+            <a:endParaRPr lang="ko-KR" altLang="ko-KR" dirty="0">
+              <a:effectLst/>
+            </a:endParaRPr>
+          </a:p>
+        </p:txBody>
+      </p:sp>
+      <p:sp>
+        <p:nvSpPr>
+          <p:cNvPr id="12" name="내용 개체 틀 2"/>
+          <p:cNvSpPr txBox="1">
+            <a:spLocks/>
+          </p:cNvSpPr>
+          <p:nvPr/>
+        </p:nvSpPr>
+        <p:spPr>
+          <a:xfrm>
+            <a:off x="749053" y="3959907"/>
+            <a:ext cx="8982055" cy="1880408"/>
+          </a:xfrm>
+          <a:prstGeom prst="rect">
+            <a:avLst/>
+          </a:prstGeom>
+        </p:spPr>
+        <p:txBody>
+          <a:bodyPr vert="horz" lIns="91440" tIns="45720" rIns="91440" bIns="45720" rtlCol="0">
+            <a:normAutofit/>
+          </a:bodyPr>
+          <a:lstStyle>
+            <a:lvl1pPr marL="342900" indent="-342900" algn="l" defTabSz="457200" rtl="0" eaLnBrk="1" latinLnBrk="1" hangingPunct="1">
+              <a:spcBef>
+                <a:spcPts val="1000"/>
+              </a:spcBef>
+              <a:spcAft>
+                <a:spcPts val="0"/>
+              </a:spcAft>
+              <a:buClr>
+                <a:schemeClr val="accent1"/>
+              </a:buClr>
+              <a:buSzPct val="80000"/>
+              <a:buFont typeface="Wingdings 3" charset="2"/>
+              <a:buChar char=""/>
+              <a:defRPr sz="1800" kern="1200">
+                <a:solidFill>
+                  <a:schemeClr val="tx1">
+                    <a:lumMod val="75000"/>
+                    <a:lumOff val="25000"/>
+                  </a:schemeClr>
+                </a:solidFill>
+                <a:latin typeface="+mn-lt"/>
+                <a:ea typeface="+mn-ea"/>
+                <a:cs typeface="+mn-cs"/>
+              </a:defRPr>
+            </a:lvl1pPr>
+            <a:lvl2pPr marL="742950" indent="-285750" algn="l" defTabSz="457200" rtl="0" eaLnBrk="1" latinLnBrk="1" hangingPunct="1">
+              <a:spcBef>
+                <a:spcPts val="1000"/>
+              </a:spcBef>
+              <a:spcAft>
+                <a:spcPts val="0"/>
+              </a:spcAft>
+              <a:buClr>
+                <a:schemeClr val="accent1"/>
+              </a:buClr>
+              <a:buSzPct val="80000"/>
+              <a:buFont typeface="Wingdings 3" charset="2"/>
+              <a:buChar char=""/>
+              <a:defRPr sz="1600" kern="1200">
+                <a:solidFill>
+                  <a:schemeClr val="tx1">
+                    <a:lumMod val="75000"/>
+                    <a:lumOff val="25000"/>
+                  </a:schemeClr>
+                </a:solidFill>
+                <a:latin typeface="+mn-lt"/>
+                <a:ea typeface="+mn-ea"/>
+                <a:cs typeface="+mn-cs"/>
+              </a:defRPr>
+            </a:lvl2pPr>
+            <a:lvl3pPr marL="1143000" indent="-228600" algn="l" defTabSz="457200" rtl="0" eaLnBrk="1" latinLnBrk="1" hangingPunct="1">
+              <a:spcBef>
+                <a:spcPts val="1000"/>
+              </a:spcBef>
+              <a:spcAft>
+                <a:spcPts val="0"/>
+              </a:spcAft>
+              <a:buClr>
+                <a:schemeClr val="accent1"/>
+              </a:buClr>
+              <a:buSzPct val="80000"/>
+              <a:buFont typeface="Wingdings 3" charset="2"/>
+              <a:buChar char=""/>
+              <a:defRPr sz="1400" kern="1200">
+                <a:solidFill>
+                  <a:schemeClr val="tx1">
+                    <a:lumMod val="75000"/>
+                    <a:lumOff val="25000"/>
+                  </a:schemeClr>
+                </a:solidFill>
+                <a:latin typeface="+mn-lt"/>
+                <a:ea typeface="+mn-ea"/>
+                <a:cs typeface="+mn-cs"/>
+              </a:defRPr>
+            </a:lvl3pPr>
+            <a:lvl4pPr marL="1600200" indent="-228600" algn="l" defTabSz="457200" rtl="0" eaLnBrk="1" latinLnBrk="1" hangingPunct="1">
+              <a:spcBef>
+                <a:spcPts val="1000"/>
+              </a:spcBef>
+              <a:spcAft>
+                <a:spcPts val="0"/>
+              </a:spcAft>
+              <a:buClr>
+                <a:schemeClr val="accent1"/>
+              </a:buClr>
+              <a:buSzPct val="80000"/>
+              <a:buFont typeface="Wingdings 3" charset="2"/>
+              <a:buChar char=""/>
+              <a:defRPr sz="1200" kern="1200">
+                <a:solidFill>
+                  <a:schemeClr val="tx1">
+                    <a:lumMod val="75000"/>
+                    <a:lumOff val="25000"/>
+                  </a:schemeClr>
+                </a:solidFill>
+                <a:latin typeface="+mn-lt"/>
+                <a:ea typeface="+mn-ea"/>
+                <a:cs typeface="+mn-cs"/>
+              </a:defRPr>
+            </a:lvl4pPr>
+            <a:lvl5pPr marL="2057400" indent="-228600" algn="l" defTabSz="457200" rtl="0" eaLnBrk="1" latinLnBrk="1" hangingPunct="1">
+              <a:spcBef>
+                <a:spcPts val="1000"/>
+              </a:spcBef>
+              <a:spcAft>
+                <a:spcPts val="0"/>
+              </a:spcAft>
+              <a:buClr>
+                <a:schemeClr val="accent1"/>
+              </a:buClr>
+              <a:buSzPct val="80000"/>
+              <a:buFont typeface="Wingdings 3" charset="2"/>
+              <a:buChar char=""/>
+              <a:defRPr sz="1200" kern="1200">
+                <a:solidFill>
+                  <a:schemeClr val="tx1">
+                    <a:lumMod val="75000"/>
+                    <a:lumOff val="25000"/>
+                  </a:schemeClr>
+                </a:solidFill>
+                <a:latin typeface="+mn-lt"/>
+                <a:ea typeface="+mn-ea"/>
+                <a:cs typeface="+mn-cs"/>
+              </a:defRPr>
+            </a:lvl5pPr>
+            <a:lvl6pPr marL="2514600" indent="-228600" algn="l" defTabSz="457200" rtl="0" eaLnBrk="1" latinLnBrk="1" hangingPunct="1">
+              <a:spcBef>
+                <a:spcPts val="1000"/>
+              </a:spcBef>
+              <a:spcAft>
+                <a:spcPts val="0"/>
+              </a:spcAft>
+              <a:buClr>
+                <a:schemeClr val="accent1"/>
+              </a:buClr>
+              <a:buSzPct val="80000"/>
+              <a:buFont typeface="Wingdings 3" charset="2"/>
+              <a:buChar char=""/>
+              <a:defRPr sz="1200" kern="1200">
+                <a:solidFill>
+                  <a:schemeClr val="tx1">
+                    <a:lumMod val="75000"/>
+                    <a:lumOff val="25000"/>
+                  </a:schemeClr>
+                </a:solidFill>
+                <a:latin typeface="+mn-lt"/>
+                <a:ea typeface="+mn-ea"/>
+                <a:cs typeface="+mn-cs"/>
+              </a:defRPr>
+            </a:lvl6pPr>
+            <a:lvl7pPr marL="2971800" indent="-228600" algn="l" defTabSz="457200" rtl="0" eaLnBrk="1" latinLnBrk="1" hangingPunct="1">
+              <a:spcBef>
+                <a:spcPts val="1000"/>
+              </a:spcBef>
+              <a:spcAft>
+                <a:spcPts val="0"/>
+              </a:spcAft>
+              <a:buClr>
+                <a:schemeClr val="accent1"/>
+              </a:buClr>
+              <a:buSzPct val="80000"/>
+              <a:buFont typeface="Wingdings 3" charset="2"/>
+              <a:buChar char=""/>
+              <a:defRPr sz="1200" kern="1200">
+                <a:solidFill>
+                  <a:schemeClr val="tx1">
+                    <a:lumMod val="75000"/>
+                    <a:lumOff val="25000"/>
+                  </a:schemeClr>
+                </a:solidFill>
+                <a:latin typeface="+mn-lt"/>
+                <a:ea typeface="+mn-ea"/>
+                <a:cs typeface="+mn-cs"/>
+              </a:defRPr>
+            </a:lvl7pPr>
+            <a:lvl8pPr marL="3429000" indent="-228600" algn="l" defTabSz="457200" rtl="0" eaLnBrk="1" latinLnBrk="1" hangingPunct="1">
+              <a:spcBef>
+                <a:spcPts val="1000"/>
+              </a:spcBef>
+              <a:spcAft>
+                <a:spcPts val="0"/>
+              </a:spcAft>
+              <a:buClr>
+                <a:schemeClr val="accent1"/>
+              </a:buClr>
+              <a:buSzPct val="80000"/>
+              <a:buFont typeface="Wingdings 3" charset="2"/>
+              <a:buChar char=""/>
+              <a:defRPr sz="1200" kern="1200">
+                <a:solidFill>
+                  <a:schemeClr val="tx1">
+                    <a:lumMod val="75000"/>
+                    <a:lumOff val="25000"/>
+                  </a:schemeClr>
+                </a:solidFill>
+                <a:latin typeface="+mn-lt"/>
+                <a:ea typeface="+mn-ea"/>
+                <a:cs typeface="+mn-cs"/>
+              </a:defRPr>
+            </a:lvl8pPr>
+            <a:lvl9pPr marL="3886200" indent="-228600" algn="l" defTabSz="457200" rtl="0" eaLnBrk="1" latinLnBrk="1" hangingPunct="1">
+              <a:spcBef>
+                <a:spcPts val="1000"/>
+              </a:spcBef>
+              <a:spcAft>
+                <a:spcPts val="0"/>
+              </a:spcAft>
+              <a:buClr>
+                <a:schemeClr val="accent1"/>
+              </a:buClr>
+              <a:buSzPct val="80000"/>
+              <a:buFont typeface="Wingdings 3" charset="2"/>
+              <a:buChar char=""/>
+              <a:defRPr sz="1200" kern="1200">
+                <a:solidFill>
+                  <a:schemeClr val="tx1">
+                    <a:lumMod val="75000"/>
+                    <a:lumOff val="25000"/>
+                  </a:schemeClr>
+                </a:solidFill>
+                <a:latin typeface="+mn-lt"/>
+                <a:ea typeface="+mn-ea"/>
+                <a:cs typeface="+mn-cs"/>
+              </a:defRPr>
+            </a:lvl9pPr>
+          </a:lstStyle>
+          <a:p>
+            <a:pPr lvl="1"/>
             <a:r>
               <a:rPr lang="en-US" altLang="ko-KR" dirty="0" smtClean="0"/>
-              <a:t>.</a:t>
-            </a:r>
-          </a:p>
-          <a:p>
-            <a:r>
-              <a:rPr lang="ko-KR" altLang="en-US" dirty="0" err="1" smtClean="0"/>
-              <a:t>움짤이나</a:t>
-            </a:r>
-            <a:r>
-              <a:rPr lang="ko-KR" altLang="en-US" dirty="0" smtClean="0"/>
-              <a:t> </a:t>
-            </a:r>
-            <a:r>
-              <a:rPr lang="ko-KR" altLang="en-US" dirty="0" err="1" smtClean="0"/>
-              <a:t>이모지</a:t>
-            </a:r>
-            <a:r>
-              <a:rPr lang="ko-KR" altLang="en-US" dirty="0" smtClean="0"/>
-              <a:t> 등등을 만들거나 다른 영상 편집 프로그램에 넣을 자료를 </a:t>
-            </a:r>
-            <a:r>
-              <a:rPr lang="ko-KR" altLang="en-US" dirty="0" err="1" smtClean="0"/>
-              <a:t>만들수</a:t>
-            </a:r>
-            <a:r>
-              <a:rPr lang="ko-KR" altLang="en-US" dirty="0" smtClean="0"/>
-              <a:t> 도 있습니다</a:t>
-            </a:r>
+              <a:t>A</a:t>
+            </a:r>
+            <a:r>
+              <a:rPr lang="en-US" altLang="ko-KR" dirty="0"/>
+              <a:t>. rotate</a:t>
+            </a:r>
+            <a:endParaRPr lang="ko-KR" altLang="ko-KR" dirty="0"/>
+          </a:p>
+          <a:p>
+            <a:pPr lvl="1"/>
+            <a:r>
+              <a:rPr lang="en-US" altLang="ko-KR" dirty="0"/>
+              <a:t>B. rotated</a:t>
+            </a:r>
+            <a:endParaRPr lang="ko-KR" altLang="ko-KR" dirty="0"/>
+          </a:p>
+          <a:p>
+            <a:pPr lvl="1"/>
+            <a:r>
+              <a:rPr lang="en-US" altLang="ko-KR" dirty="0"/>
+              <a:t>C. </a:t>
+            </a:r>
+            <a:r>
+              <a:rPr lang="en-US" altLang="ko-KR" dirty="0" err="1"/>
+              <a:t>fit_image</a:t>
+            </a:r>
+            <a:endParaRPr lang="ko-KR" altLang="ko-KR" dirty="0"/>
+          </a:p>
+          <a:p>
+            <a:pPr lvl="1"/>
+            <a:r>
+              <a:rPr lang="en-US" altLang="ko-KR" dirty="0"/>
+              <a:t>D. </a:t>
+            </a:r>
+            <a:r>
+              <a:rPr lang="en-US" altLang="ko-KR" dirty="0" err="1"/>
+              <a:t>auto_smooth_fill</a:t>
+            </a:r>
+            <a:endParaRPr lang="ko-KR" altLang="ko-KR" dirty="0"/>
+          </a:p>
+          <a:p>
+            <a:pPr lvl="1"/>
+            <a:r>
+              <a:rPr lang="en-US" altLang="ko-KR" dirty="0"/>
+              <a:t>E. stack</a:t>
+            </a:r>
+            <a:endParaRPr lang="ko-KR" altLang="ko-KR" dirty="0">
+              <a:effectLst/>
+            </a:endParaRPr>
+          </a:p>
+        </p:txBody>
+      </p:sp>
+      <p:sp>
+        <p:nvSpPr>
+          <p:cNvPr id="13" name="내용 개체 틀 2"/>
+          <p:cNvSpPr txBox="1">
+            <a:spLocks/>
+          </p:cNvSpPr>
+          <p:nvPr/>
+        </p:nvSpPr>
+        <p:spPr>
+          <a:xfrm>
+            <a:off x="677333" y="2933096"/>
+            <a:ext cx="3383680" cy="374878"/>
+          </a:xfrm>
+          <a:prstGeom prst="rect">
+            <a:avLst/>
+          </a:prstGeom>
+        </p:spPr>
+        <p:txBody>
+          <a:bodyPr vert="horz" lIns="91440" tIns="45720" rIns="91440" bIns="45720" rtlCol="0">
+            <a:normAutofit/>
+          </a:bodyPr>
+          <a:lstStyle>
+            <a:lvl1pPr marL="342900" indent="-342900" algn="l" defTabSz="457200" rtl="0" eaLnBrk="1" latinLnBrk="1" hangingPunct="1">
+              <a:spcBef>
+                <a:spcPts val="1000"/>
+              </a:spcBef>
+              <a:spcAft>
+                <a:spcPts val="0"/>
+              </a:spcAft>
+              <a:buClr>
+                <a:schemeClr val="accent1"/>
+              </a:buClr>
+              <a:buSzPct val="80000"/>
+              <a:buFont typeface="Wingdings 3" charset="2"/>
+              <a:buChar char=""/>
+              <a:defRPr sz="1800" kern="1200">
+                <a:solidFill>
+                  <a:schemeClr val="tx1">
+                    <a:lumMod val="75000"/>
+                    <a:lumOff val="25000"/>
+                  </a:schemeClr>
+                </a:solidFill>
+                <a:latin typeface="+mn-lt"/>
+                <a:ea typeface="+mn-ea"/>
+                <a:cs typeface="+mn-cs"/>
+              </a:defRPr>
+            </a:lvl1pPr>
+            <a:lvl2pPr marL="742950" indent="-285750" algn="l" defTabSz="457200" rtl="0" eaLnBrk="1" latinLnBrk="1" hangingPunct="1">
+              <a:spcBef>
+                <a:spcPts val="1000"/>
+              </a:spcBef>
+              <a:spcAft>
+                <a:spcPts val="0"/>
+              </a:spcAft>
+              <a:buClr>
+                <a:schemeClr val="accent1"/>
+              </a:buClr>
+              <a:buSzPct val="80000"/>
+              <a:buFont typeface="Wingdings 3" charset="2"/>
+              <a:buChar char=""/>
+              <a:defRPr sz="1600" kern="1200">
+                <a:solidFill>
+                  <a:schemeClr val="tx1">
+                    <a:lumMod val="75000"/>
+                    <a:lumOff val="25000"/>
+                  </a:schemeClr>
+                </a:solidFill>
+                <a:latin typeface="+mn-lt"/>
+                <a:ea typeface="+mn-ea"/>
+                <a:cs typeface="+mn-cs"/>
+              </a:defRPr>
+            </a:lvl2pPr>
+            <a:lvl3pPr marL="1143000" indent="-228600" algn="l" defTabSz="457200" rtl="0" eaLnBrk="1" latinLnBrk="1" hangingPunct="1">
+              <a:spcBef>
+                <a:spcPts val="1000"/>
+              </a:spcBef>
+              <a:spcAft>
+                <a:spcPts val="0"/>
+              </a:spcAft>
+              <a:buClr>
+                <a:schemeClr val="accent1"/>
+              </a:buClr>
+              <a:buSzPct val="80000"/>
+              <a:buFont typeface="Wingdings 3" charset="2"/>
+              <a:buChar char=""/>
+              <a:defRPr sz="1400" kern="1200">
+                <a:solidFill>
+                  <a:schemeClr val="tx1">
+                    <a:lumMod val="75000"/>
+                    <a:lumOff val="25000"/>
+                  </a:schemeClr>
+                </a:solidFill>
+                <a:latin typeface="+mn-lt"/>
+                <a:ea typeface="+mn-ea"/>
+                <a:cs typeface="+mn-cs"/>
+              </a:defRPr>
+            </a:lvl3pPr>
+            <a:lvl4pPr marL="1600200" indent="-228600" algn="l" defTabSz="457200" rtl="0" eaLnBrk="1" latinLnBrk="1" hangingPunct="1">
+              <a:spcBef>
+                <a:spcPts val="1000"/>
+              </a:spcBef>
+              <a:spcAft>
+                <a:spcPts val="0"/>
+              </a:spcAft>
+              <a:buClr>
+                <a:schemeClr val="accent1"/>
+              </a:buClr>
+              <a:buSzPct val="80000"/>
+              <a:buFont typeface="Wingdings 3" charset="2"/>
+              <a:buChar char=""/>
+              <a:defRPr sz="1200" kern="1200">
+                <a:solidFill>
+                  <a:schemeClr val="tx1">
+                    <a:lumMod val="75000"/>
+                    <a:lumOff val="25000"/>
+                  </a:schemeClr>
+                </a:solidFill>
+                <a:latin typeface="+mn-lt"/>
+                <a:ea typeface="+mn-ea"/>
+                <a:cs typeface="+mn-cs"/>
+              </a:defRPr>
+            </a:lvl4pPr>
+            <a:lvl5pPr marL="2057400" indent="-228600" algn="l" defTabSz="457200" rtl="0" eaLnBrk="1" latinLnBrk="1" hangingPunct="1">
+              <a:spcBef>
+                <a:spcPts val="1000"/>
+              </a:spcBef>
+              <a:spcAft>
+                <a:spcPts val="0"/>
+              </a:spcAft>
+              <a:buClr>
+                <a:schemeClr val="accent1"/>
+              </a:buClr>
+              <a:buSzPct val="80000"/>
+              <a:buFont typeface="Wingdings 3" charset="2"/>
+              <a:buChar char=""/>
+              <a:defRPr sz="1200" kern="1200">
+                <a:solidFill>
+                  <a:schemeClr val="tx1">
+                    <a:lumMod val="75000"/>
+                    <a:lumOff val="25000"/>
+                  </a:schemeClr>
+                </a:solidFill>
+                <a:latin typeface="+mn-lt"/>
+                <a:ea typeface="+mn-ea"/>
+                <a:cs typeface="+mn-cs"/>
+              </a:defRPr>
+            </a:lvl5pPr>
+            <a:lvl6pPr marL="2514600" indent="-228600" algn="l" defTabSz="457200" rtl="0" eaLnBrk="1" latinLnBrk="1" hangingPunct="1">
+              <a:spcBef>
+                <a:spcPts val="1000"/>
+              </a:spcBef>
+              <a:spcAft>
+                <a:spcPts val="0"/>
+              </a:spcAft>
+              <a:buClr>
+                <a:schemeClr val="accent1"/>
+              </a:buClr>
+              <a:buSzPct val="80000"/>
+              <a:buFont typeface="Wingdings 3" charset="2"/>
+              <a:buChar char=""/>
+              <a:defRPr sz="1200" kern="1200">
+                <a:solidFill>
+                  <a:schemeClr val="tx1">
+                    <a:lumMod val="75000"/>
+                    <a:lumOff val="25000"/>
+                  </a:schemeClr>
+                </a:solidFill>
+                <a:latin typeface="+mn-lt"/>
+                <a:ea typeface="+mn-ea"/>
+                <a:cs typeface="+mn-cs"/>
+              </a:defRPr>
+            </a:lvl6pPr>
+            <a:lvl7pPr marL="2971800" indent="-228600" algn="l" defTabSz="457200" rtl="0" eaLnBrk="1" latinLnBrk="1" hangingPunct="1">
+              <a:spcBef>
+                <a:spcPts val="1000"/>
+              </a:spcBef>
+              <a:spcAft>
+                <a:spcPts val="0"/>
+              </a:spcAft>
+              <a:buClr>
+                <a:schemeClr val="accent1"/>
+              </a:buClr>
+              <a:buSzPct val="80000"/>
+              <a:buFont typeface="Wingdings 3" charset="2"/>
+              <a:buChar char=""/>
+              <a:defRPr sz="1200" kern="1200">
+                <a:solidFill>
+                  <a:schemeClr val="tx1">
+                    <a:lumMod val="75000"/>
+                    <a:lumOff val="25000"/>
+                  </a:schemeClr>
+                </a:solidFill>
+                <a:latin typeface="+mn-lt"/>
+                <a:ea typeface="+mn-ea"/>
+                <a:cs typeface="+mn-cs"/>
+              </a:defRPr>
+            </a:lvl7pPr>
+            <a:lvl8pPr marL="3429000" indent="-228600" algn="l" defTabSz="457200" rtl="0" eaLnBrk="1" latinLnBrk="1" hangingPunct="1">
+              <a:spcBef>
+                <a:spcPts val="1000"/>
+              </a:spcBef>
+              <a:spcAft>
+                <a:spcPts val="0"/>
+              </a:spcAft>
+              <a:buClr>
+                <a:schemeClr val="accent1"/>
+              </a:buClr>
+              <a:buSzPct val="80000"/>
+              <a:buFont typeface="Wingdings 3" charset="2"/>
+              <a:buChar char=""/>
+              <a:defRPr sz="1200" kern="1200">
+                <a:solidFill>
+                  <a:schemeClr val="tx1">
+                    <a:lumMod val="75000"/>
+                    <a:lumOff val="25000"/>
+                  </a:schemeClr>
+                </a:solidFill>
+                <a:latin typeface="+mn-lt"/>
+                <a:ea typeface="+mn-ea"/>
+                <a:cs typeface="+mn-cs"/>
+              </a:defRPr>
+            </a:lvl8pPr>
+            <a:lvl9pPr marL="3886200" indent="-228600" algn="l" defTabSz="457200" rtl="0" eaLnBrk="1" latinLnBrk="1" hangingPunct="1">
+              <a:spcBef>
+                <a:spcPts val="1000"/>
+              </a:spcBef>
+              <a:spcAft>
+                <a:spcPts val="0"/>
+              </a:spcAft>
+              <a:buClr>
+                <a:schemeClr val="accent1"/>
+              </a:buClr>
+              <a:buSzPct val="80000"/>
+              <a:buFont typeface="Wingdings 3" charset="2"/>
+              <a:buChar char=""/>
+              <a:defRPr sz="1200" kern="1200">
+                <a:solidFill>
+                  <a:schemeClr val="tx1">
+                    <a:lumMod val="75000"/>
+                    <a:lumOff val="25000"/>
+                  </a:schemeClr>
+                </a:solidFill>
+                <a:latin typeface="+mn-lt"/>
+                <a:ea typeface="+mn-ea"/>
+                <a:cs typeface="+mn-cs"/>
+              </a:defRPr>
+            </a:lvl9pPr>
+          </a:lstStyle>
+          <a:p>
+            <a:pPr latinLnBrk="0"/>
             <a:r>
               <a:rPr lang="en-US" altLang="ko-KR" dirty="0" smtClean="0"/>
-              <a:t>.</a:t>
-            </a:r>
-          </a:p>
-          <a:p>
-            <a:r>
-              <a:rPr lang="ko-KR" altLang="en-US" dirty="0" smtClean="0"/>
-              <a:t>각 요소를 장면</a:t>
-            </a:r>
-            <a:r>
-              <a:rPr lang="en-US" altLang="ko-KR" dirty="0" smtClean="0"/>
-              <a:t>(Scene), </a:t>
-            </a:r>
-            <a:r>
-              <a:rPr lang="ko-KR" altLang="en-US" dirty="0" err="1" smtClean="0"/>
-              <a:t>스프라이트</a:t>
-            </a:r>
-            <a:r>
-              <a:rPr lang="en-US" altLang="ko-KR" dirty="0" smtClean="0"/>
-              <a:t>(Sprite), </a:t>
-            </a:r>
-            <a:r>
-              <a:rPr lang="ko-KR" altLang="en-US" dirty="0" smtClean="0"/>
-              <a:t>모션</a:t>
-            </a:r>
-            <a:r>
-              <a:rPr lang="en-US" altLang="ko-KR" dirty="0" smtClean="0"/>
-              <a:t>(Motion)</a:t>
-            </a:r>
-            <a:r>
-              <a:rPr lang="ko-KR" altLang="en-US" dirty="0" smtClean="0"/>
-              <a:t>으로 나누어 보다 더 쉽게 사용할 수 있습니다</a:t>
-            </a:r>
-            <a:r>
-              <a:rPr lang="en-US" altLang="ko-KR" dirty="0" smtClean="0"/>
-              <a:t>.</a:t>
-            </a:r>
-            <a:endParaRPr lang="ko-KR" altLang="en-US" dirty="0"/>
+              <a:t>Conclusion - </a:t>
+            </a:r>
+            <a:r>
+              <a:rPr lang="ko-KR" altLang="ko-KR" dirty="0" smtClean="0"/>
+              <a:t>결론</a:t>
+            </a:r>
+            <a:endParaRPr lang="ko-KR" altLang="ko-KR" dirty="0">
+              <a:effectLst/>
+            </a:endParaRPr>
           </a:p>
         </p:txBody>
       </p:sp>
     </p:spTree>
     <p:extLst>
       <p:ext uri="{BB962C8B-B14F-4D97-AF65-F5344CB8AC3E}">
-        <p14:creationId xmlns:p14="http://schemas.microsoft.com/office/powerpoint/2010/main" val="362795579"/>
+        <p14:creationId xmlns:p14="http://schemas.microsoft.com/office/powerpoint/2010/main" val="3400426413"/>
       </p:ext>
     </p:extLst>
   </p:cSld>
   <p:clrMapOvr>
     <a:masterClrMapping/>
   </p:clrMapOvr>
+  <mc:AlternateContent xmlns:mc="http://schemas.openxmlformats.org/markup-compatibility/2006">
+    <mc:Choice xmlns:p14="http://schemas.microsoft.com/office/powerpoint/2010/main" Requires="p14">
+      <p:transition spd="slow" p14:dur="1400">
+        <p14:doors dir="vert"/>
+      </p:transition>
+    </mc:Choice>
+    <mc:Fallback>
+      <p:transition spd="slow">
+        <p:fade/>
+      </p:transition>
+    </mc:Fallback>
+  </mc:AlternateContent>
   <p:timing>
     <p:tnLst>
       <p:par>
-        <p:cTn id="1" dur="indefinite" restart="never" nodeType="tmRoot"/>
+        <p:cTn id="1" dur="indefinite" restart="never" nodeType="tmRoot">
+          <p:childTnLst>
+            <p:seq concurrent="1" nextAc="seek">
+              <p:cTn id="2" dur="indefinite" nodeType="mainSeq">
+                <p:childTnLst>
+                  <p:par>
+                    <p:cTn id="3" fill="hold">
+                      <p:stCondLst>
+                        <p:cond delay="indefinite"/>
+                        <p:cond evt="onBegin" delay="0">
+                          <p:tn val="2"/>
+                        </p:cond>
+                      </p:stCondLst>
+                      <p:childTnLst>
+                        <p:par>
+                          <p:cTn id="4" fill="hold">
+                            <p:stCondLst>
+                              <p:cond delay="0"/>
+                            </p:stCondLst>
+                            <p:childTnLst>
+                              <p:par>
+                                <p:cTn id="5" presetID="1" presetClass="exit" presetSubtype="0" fill="hold" grpId="0" nodeType="withEffect">
+                                  <p:stCondLst>
+                                    <p:cond delay="0"/>
+                                  </p:stCondLst>
+                                  <p:childTnLst>
+                                    <p:set>
+                                      <p:cBhvr>
+                                        <p:cTn id="6" dur="1" fill="hold">
+                                          <p:stCondLst>
+                                            <p:cond delay="9"/>
+                                          </p:stCondLst>
+                                        </p:cTn>
+                                        <p:tgtEl>
+                                          <p:spTgt spid="12"/>
+                                        </p:tgtEl>
+                                        <p:attrNameLst>
+                                          <p:attrName>style.visibility</p:attrName>
+                                        </p:attrNameLst>
+                                      </p:cBhvr>
+                                      <p:to>
+                                        <p:strVal val="hidden"/>
+                                      </p:to>
+                                    </p:set>
+                                  </p:childTnLst>
+                                </p:cTn>
+                              </p:par>
+                              <p:par>
+                                <p:cTn id="7" presetID="1" presetClass="exit" presetSubtype="0" fill="hold" grpId="0" nodeType="withEffect">
+                                  <p:stCondLst>
+                                    <p:cond delay="0"/>
+                                  </p:stCondLst>
+                                  <p:childTnLst>
+                                    <p:set>
+                                      <p:cBhvr>
+                                        <p:cTn id="8" dur="1" fill="hold">
+                                          <p:stCondLst>
+                                            <p:cond delay="9"/>
+                                          </p:stCondLst>
+                                        </p:cTn>
+                                        <p:tgtEl>
+                                          <p:spTgt spid="7"/>
+                                        </p:tgtEl>
+                                        <p:attrNameLst>
+                                          <p:attrName>style.visibility</p:attrName>
+                                        </p:attrNameLst>
+                                      </p:cBhvr>
+                                      <p:to>
+                                        <p:strVal val="hidden"/>
+                                      </p:to>
+                                    </p:set>
+                                  </p:childTnLst>
+                                </p:cTn>
+                              </p:par>
+                            </p:childTnLst>
+                          </p:cTn>
+                        </p:par>
+                      </p:childTnLst>
+                    </p:cTn>
+                  </p:par>
+                  <p:par>
+                    <p:cTn id="9" fill="hold">
+                      <p:stCondLst>
+                        <p:cond delay="indefinite"/>
+                      </p:stCondLst>
+                      <p:childTnLst>
+                        <p:par>
+                          <p:cTn id="10" fill="hold">
+                            <p:stCondLst>
+                              <p:cond delay="0"/>
+                            </p:stCondLst>
+                            <p:childTnLst>
+                              <p:par>
+                                <p:cTn id="11" presetID="42" presetClass="path" presetSubtype="0" accel="50000" decel="50000" fill="hold" grpId="0" nodeType="clickEffect">
+                                  <p:stCondLst>
+                                    <p:cond delay="0"/>
+                                  </p:stCondLst>
+                                  <p:childTnLst>
+                                    <p:animMotion origin="layout" path="M -8.33333E-7 -3.7037E-7 L -0.00013 0.16018 " pathEditMode="relative" rAng="0" ptsTypes="AA">
+                                      <p:cBhvr>
+                                        <p:cTn id="12" dur="2000" fill="hold"/>
+                                        <p:tgtEl>
+                                          <p:spTgt spid="9"/>
+                                        </p:tgtEl>
+                                        <p:attrNameLst>
+                                          <p:attrName>ppt_x</p:attrName>
+                                          <p:attrName>ppt_y</p:attrName>
+                                        </p:attrNameLst>
+                                      </p:cBhvr>
+                                      <p:rCtr x="169" y="7500"/>
+                                    </p:animMotion>
+                                  </p:childTnLst>
+                                </p:cTn>
+                              </p:par>
+                              <p:par>
+                                <p:cTn id="13" presetID="42" presetClass="path" presetSubtype="0" accel="50000" decel="50000" fill="hold" grpId="0" nodeType="withEffect">
+                                  <p:stCondLst>
+                                    <p:cond delay="0"/>
+                                  </p:stCondLst>
+                                  <p:childTnLst>
+                                    <p:animMotion origin="layout" path="M -8.33333E-7 -2.59259E-6 L 0.00052 0.15023 " pathEditMode="relative" rAng="0" ptsTypes="AA">
+                                      <p:cBhvr>
+                                        <p:cTn id="14" dur="2000" fill="hold"/>
+                                        <p:tgtEl>
+                                          <p:spTgt spid="13"/>
+                                        </p:tgtEl>
+                                        <p:attrNameLst>
+                                          <p:attrName>ppt_x</p:attrName>
+                                          <p:attrName>ppt_y</p:attrName>
+                                        </p:attrNameLst>
+                                      </p:cBhvr>
+                                      <p:rCtr x="26" y="7500"/>
+                                    </p:animMotion>
+                                  </p:childTnLst>
+                                </p:cTn>
+                              </p:par>
+                              <p:par>
+                                <p:cTn id="15" presetID="22" presetClass="entr" presetSubtype="1" fill="hold" grpId="1" nodeType="withEffect">
+                                  <p:stCondLst>
+                                    <p:cond delay="750"/>
+                                  </p:stCondLst>
+                                  <p:childTnLst>
+                                    <p:set>
+                                      <p:cBhvr>
+                                        <p:cTn id="16" dur="1" fill="hold">
+                                          <p:stCondLst>
+                                            <p:cond delay="0"/>
+                                          </p:stCondLst>
+                                        </p:cTn>
+                                        <p:tgtEl>
+                                          <p:spTgt spid="7"/>
+                                        </p:tgtEl>
+                                        <p:attrNameLst>
+                                          <p:attrName>style.visibility</p:attrName>
+                                        </p:attrNameLst>
+                                      </p:cBhvr>
+                                      <p:to>
+                                        <p:strVal val="visible"/>
+                                      </p:to>
+                                    </p:set>
+                                    <p:animEffect transition="in" filter="wipe(up)">
+                                      <p:cBhvr>
+                                        <p:cTn id="17" dur="1000"/>
+                                        <p:tgtEl>
+                                          <p:spTgt spid="7"/>
+                                        </p:tgtEl>
+                                      </p:cBhvr>
+                                    </p:animEffect>
+                                  </p:childTnLst>
+                                </p:cTn>
+                              </p:par>
+                            </p:childTnLst>
+                          </p:cTn>
+                        </p:par>
+                      </p:childTnLst>
+                    </p:cTn>
+                  </p:par>
+                  <p:par>
+                    <p:cTn id="18" fill="hold">
+                      <p:stCondLst>
+                        <p:cond delay="indefinite"/>
+                      </p:stCondLst>
+                      <p:childTnLst>
+                        <p:par>
+                          <p:cTn id="19" fill="hold">
+                            <p:stCondLst>
+                              <p:cond delay="0"/>
+                            </p:stCondLst>
+                            <p:childTnLst>
+                              <p:par>
+                                <p:cTn id="20" presetID="42" presetClass="path" presetSubtype="0" accel="50000" decel="50000" fill="hold" grpId="1" nodeType="clickEffect">
+                                  <p:stCondLst>
+                                    <p:cond delay="0"/>
+                                  </p:stCondLst>
+                                  <p:childTnLst>
+                                    <p:animMotion origin="layout" path="M 0.00052 0.15023 L 0.00052 0.41158 " pathEditMode="relative" rAng="0" ptsTypes="AA">
+                                      <p:cBhvr>
+                                        <p:cTn id="21" dur="2000" fill="hold"/>
+                                        <p:tgtEl>
+                                          <p:spTgt spid="13"/>
+                                        </p:tgtEl>
+                                        <p:attrNameLst>
+                                          <p:attrName>ppt_x</p:attrName>
+                                          <p:attrName>ppt_y</p:attrName>
+                                        </p:attrNameLst>
+                                      </p:cBhvr>
+                                      <p:rCtr x="0" y="13056"/>
+                                    </p:animMotion>
+                                  </p:childTnLst>
+                                </p:cTn>
+                              </p:par>
+                              <p:par>
+                                <p:cTn id="22" presetID="22" presetClass="entr" presetSubtype="1" fill="hold" grpId="1" nodeType="withEffect">
+                                  <p:stCondLst>
+                                    <p:cond delay="800"/>
+                                  </p:stCondLst>
+                                  <p:childTnLst>
+                                    <p:set>
+                                      <p:cBhvr>
+                                        <p:cTn id="23" dur="1" fill="hold">
+                                          <p:stCondLst>
+                                            <p:cond delay="0"/>
+                                          </p:stCondLst>
+                                        </p:cTn>
+                                        <p:tgtEl>
+                                          <p:spTgt spid="12"/>
+                                        </p:tgtEl>
+                                        <p:attrNameLst>
+                                          <p:attrName>style.visibility</p:attrName>
+                                        </p:attrNameLst>
+                                      </p:cBhvr>
+                                      <p:to>
+                                        <p:strVal val="visible"/>
+                                      </p:to>
+                                    </p:set>
+                                    <p:animEffect transition="in" filter="wipe(up)">
+                                      <p:cBhvr>
+                                        <p:cTn id="24" dur="1000"/>
+                                        <p:tgtEl>
+                                          <p:spTgt spid="12"/>
+                                        </p:tgtEl>
+                                      </p:cBhvr>
+                                    </p:animEffect>
+                                  </p:childTnLst>
+                                </p:cTn>
+                              </p:par>
+                            </p:childTnLst>
+                          </p:cTn>
+                        </p:par>
+                      </p:childTnLst>
+                    </p:cTn>
+                  </p:par>
+                </p:childTnLst>
+              </p:cTn>
+              <p:prevCondLst>
+                <p:cond evt="onPrev" delay="0">
+                  <p:tgtEl>
+                    <p:sldTgt/>
+                  </p:tgtEl>
+                </p:cond>
+              </p:prevCondLst>
+              <p:nextCondLst>
+                <p:cond evt="onNext" delay="0">
+                  <p:tgtEl>
+                    <p:sldTgt/>
+                  </p:tgtEl>
+                </p:cond>
+              </p:nextCondLst>
+            </p:seq>
+          </p:childTnLst>
+        </p:cTn>
       </p:par>
     </p:tnLst>
+    <p:bldLst>
+      <p:bldP spid="7" grpId="0"/>
+      <p:bldP spid="7" grpId="1"/>
+      <p:bldP spid="9" grpId="0"/>
+      <p:bldP spid="12" grpId="0"/>
+      <p:bldP spid="12" grpId="1"/>
+      <p:bldP spid="13" grpId="0"/>
+      <p:bldP spid="13" grpId="1"/>
+    </p:bldLst>
   </p:timing>
 </p:sld>
 </file>
@@ -6316,7 +9619,11 @@
           <a:p>
             <a:r>
               <a:rPr lang="en-US" altLang="ko-KR" dirty="0" smtClean="0"/>
-              <a:t>How this works?</a:t>
+              <a:t>Introduce - </a:t>
+            </a:r>
+            <a:r>
+              <a:rPr lang="ko-KR" altLang="en-US" dirty="0" smtClean="0"/>
+              <a:t>소개</a:t>
             </a:r>
             <a:endParaRPr lang="ko-KR" altLang="en-US" dirty="0"/>
           </a:p>
@@ -6332,129 +9639,221 @@
             <p:ph idx="1"/>
           </p:nvPr>
         </p:nvSpPr>
-        <p:spPr>
-          <a:xfrm>
-            <a:off x="677333" y="1894703"/>
-            <a:ext cx="9281313" cy="4146659"/>
-          </a:xfrm>
-        </p:spPr>
+        <p:spPr/>
         <p:txBody>
           <a:bodyPr/>
           <a:lstStyle/>
           <a:p>
             <a:r>
               <a:rPr lang="ko-KR" altLang="en-US" dirty="0" smtClean="0"/>
-              <a:t>각 프레임</a:t>
+              <a:t>어떤 것을 소개하기 위한 자료를 만들 때는 시각 자료가 가장 좋다고 생각합니다</a:t>
             </a:r>
             <a:r>
               <a:rPr lang="en-US" altLang="ko-KR" dirty="0" smtClean="0"/>
-              <a:t>( 1</a:t>
+              <a:t>.</a:t>
+            </a:r>
+          </a:p>
+          <a:p>
+            <a:r>
+              <a:rPr lang="ko-KR" altLang="en-US" dirty="0" smtClean="0"/>
+              <a:t>물론 대중적인 동영상 편집 프로그램도 좋지만</a:t>
+            </a:r>
+            <a:r>
+              <a:rPr lang="en-US" altLang="ko-KR" dirty="0" smtClean="0"/>
+              <a:t>, </a:t>
+            </a:r>
+            <a:r>
+              <a:rPr lang="ko-KR" altLang="en-US" dirty="0" smtClean="0"/>
+              <a:t>이들은 동영상을 </a:t>
+            </a:r>
+            <a:r>
+              <a:rPr lang="en-US" altLang="ko-KR" dirty="0" smtClean="0"/>
+              <a:t>“</a:t>
+            </a:r>
+            <a:r>
+              <a:rPr lang="ko-KR" altLang="en-US" dirty="0" smtClean="0"/>
+              <a:t>편집</a:t>
+            </a:r>
+            <a:r>
+              <a:rPr lang="en-US" altLang="ko-KR" dirty="0" smtClean="0"/>
+              <a:t>＂</a:t>
+            </a:r>
+            <a:r>
+              <a:rPr lang="ko-KR" altLang="en-US" dirty="0" smtClean="0"/>
+              <a:t>하는데 초점을 두기 때문에 원하는 비디오를 </a:t>
+            </a:r>
+            <a:r>
+              <a:rPr lang="en-US" altLang="ko-KR" dirty="0" smtClean="0"/>
+              <a:t>“</a:t>
+            </a:r>
+            <a:r>
+              <a:rPr lang="ko-KR" altLang="en-US" dirty="0" smtClean="0"/>
+              <a:t>제작</a:t>
+            </a:r>
+            <a:r>
+              <a:rPr lang="en-US" altLang="ko-KR" dirty="0" smtClean="0"/>
+              <a:t>＂</a:t>
+            </a:r>
+            <a:r>
+              <a:rPr lang="ko-KR" altLang="en-US" dirty="0" smtClean="0"/>
+              <a:t>하기는 어렵습니다</a:t>
+            </a:r>
+            <a:r>
+              <a:rPr lang="en-US" altLang="ko-KR" dirty="0" smtClean="0"/>
+              <a:t>.</a:t>
+            </a:r>
+          </a:p>
+          <a:p>
+            <a:r>
+              <a:rPr lang="ko-KR" altLang="en-US" dirty="0" smtClean="0"/>
+              <a:t>그래서 </a:t>
+            </a:r>
+            <a:r>
+              <a:rPr lang="en-US" altLang="ko-KR" dirty="0" err="1" smtClean="0"/>
+              <a:t>MotionWriter</a:t>
+            </a:r>
+            <a:r>
+              <a:rPr lang="ko-KR" altLang="en-US" dirty="0" smtClean="0"/>
+              <a:t>은 동영상을 </a:t>
+            </a:r>
+            <a:r>
+              <a:rPr lang="en-US" altLang="ko-KR" dirty="0" smtClean="0"/>
+              <a:t>“</a:t>
+            </a:r>
+            <a:r>
+              <a:rPr lang="ko-KR" altLang="en-US" dirty="0" smtClean="0"/>
+              <a:t>제작</a:t>
+            </a:r>
+            <a:r>
+              <a:rPr lang="en-US" altLang="ko-KR" dirty="0" smtClean="0"/>
+              <a:t>” </a:t>
+            </a:r>
+            <a:r>
+              <a:rPr lang="ko-KR" altLang="en-US" dirty="0" smtClean="0"/>
+              <a:t>하는 데에 초점을 둡니다</a:t>
+            </a:r>
+            <a:r>
+              <a:rPr lang="en-US" altLang="ko-KR" dirty="0" smtClean="0"/>
+              <a:t>.</a:t>
+            </a:r>
+          </a:p>
+          <a:p>
+            <a:r>
+              <a:rPr lang="en-US" altLang="ko-KR" dirty="0" err="1" smtClean="0"/>
+              <a:t>MotionWriter</a:t>
+            </a:r>
+            <a:r>
+              <a:rPr lang="ko-KR" altLang="en-US" dirty="0" smtClean="0"/>
+              <a:t>은 쉬운 조작으로 간단한 동영상을 만들어 줍니다</a:t>
+            </a:r>
+            <a:r>
+              <a:rPr lang="en-US" altLang="ko-KR" dirty="0" smtClean="0"/>
+              <a:t>.</a:t>
+            </a:r>
+          </a:p>
+          <a:p>
+            <a:r>
+              <a:rPr lang="ko-KR" altLang="en-US" dirty="0" smtClean="0"/>
+              <a:t>이 프로그램을 통해</a:t>
+            </a:r>
+            <a:r>
+              <a:rPr lang="en-US" altLang="ko-KR" dirty="0" smtClean="0"/>
+              <a:t> </a:t>
             </a:r>
             <a:r>
               <a:rPr lang="ko-KR" altLang="en-US" dirty="0" err="1" smtClean="0"/>
-              <a:t>틱</a:t>
+              <a:t>움짤이나</a:t>
             </a:r>
             <a:r>
               <a:rPr lang="ko-KR" altLang="en-US" dirty="0" smtClean="0"/>
               <a:t> </a:t>
             </a:r>
             <a:r>
-              <a:rPr lang="en-US" altLang="ko-KR" dirty="0" smtClean="0"/>
-              <a:t>)</a:t>
+              <a:rPr lang="ko-KR" altLang="en-US" dirty="0" err="1"/>
+              <a:t>이모지</a:t>
+            </a:r>
+            <a:r>
+              <a:rPr lang="ko-KR" altLang="en-US" dirty="0"/>
+              <a:t> 등등을 만들거나 다른 영상 편집 프로그램에 넣을 자료를 </a:t>
             </a:r>
             <a:r>
               <a:rPr lang="ko-KR" altLang="en-US" dirty="0" smtClean="0"/>
-              <a:t>에 각각의 </a:t>
-            </a:r>
-            <a:r>
-              <a:rPr lang="en-US" altLang="ko-KR" dirty="0" smtClean="0"/>
-              <a:t>sprite</a:t>
+              <a:t>만들 수 </a:t>
             </a:r>
             <a:r>
               <a:rPr lang="ko-KR" altLang="en-US" dirty="0"/>
-              <a:t>의</a:t>
-            </a:r>
-            <a:r>
-              <a:rPr lang="ko-KR" altLang="en-US" dirty="0" smtClean="0"/>
-              <a:t> 그 </a:t>
-            </a:r>
-            <a:r>
-              <a:rPr lang="ko-KR" altLang="en-US" dirty="0" err="1" smtClean="0"/>
-              <a:t>틱에</a:t>
-            </a:r>
-            <a:r>
-              <a:rPr lang="ko-KR" altLang="en-US" dirty="0" smtClean="0"/>
-              <a:t> 맞는 모션들의  연산 결과를 그려 넣습니다</a:t>
-            </a:r>
-            <a:r>
-              <a:rPr lang="en-US" altLang="ko-KR" dirty="0" smtClean="0"/>
+              <a:t>도 있습니다</a:t>
+            </a:r>
+            <a:r>
+              <a:rPr lang="en-US" altLang="ko-KR" dirty="0"/>
               <a:t>.</a:t>
             </a:r>
           </a:p>
           <a:p>
-            <a:pPr lvl="1"/>
-            <a:r>
-              <a:rPr lang="ko-KR" altLang="en-US" dirty="0" smtClean="0"/>
-              <a:t>이때 각 모션을 저장하는 파일들은 사용자가 임의로 만들어 사용할 수도 있습니다</a:t>
-            </a:r>
-            <a:r>
-              <a:rPr lang="en-US" altLang="ko-KR" dirty="0" smtClean="0"/>
+            <a:r>
+              <a:rPr lang="ko-KR" altLang="en-US" dirty="0"/>
+              <a:t>각 요소를 장면</a:t>
+            </a:r>
+            <a:r>
+              <a:rPr lang="en-US" altLang="ko-KR" dirty="0"/>
+              <a:t>(Scene), </a:t>
+            </a:r>
+            <a:r>
+              <a:rPr lang="ko-KR" altLang="en-US" dirty="0" err="1"/>
+              <a:t>스프라이트</a:t>
+            </a:r>
+            <a:r>
+              <a:rPr lang="en-US" altLang="ko-KR" dirty="0"/>
+              <a:t>(Sprite), </a:t>
+            </a:r>
+            <a:r>
+              <a:rPr lang="ko-KR" altLang="en-US" dirty="0"/>
+              <a:t>모션</a:t>
+            </a:r>
+            <a:r>
+              <a:rPr lang="en-US" altLang="ko-KR" dirty="0"/>
+              <a:t>(Motion)</a:t>
+            </a:r>
+            <a:r>
+              <a:rPr lang="ko-KR" altLang="en-US" dirty="0"/>
+              <a:t>으로 나누어 보다 더 쉽게 사용할 수 있습니다</a:t>
+            </a:r>
+            <a:r>
+              <a:rPr lang="en-US" altLang="ko-KR" dirty="0"/>
               <a:t>.</a:t>
             </a:r>
-          </a:p>
-          <a:p>
-            <a:r>
-              <a:rPr lang="ko-KR" altLang="en-US" dirty="0" smtClean="0"/>
-              <a:t>각각의 프레임의 이미지를 묶어 비디오를 생성합니다</a:t>
-            </a:r>
-            <a:r>
-              <a:rPr lang="en-US" altLang="ko-KR" dirty="0" smtClean="0"/>
-              <a:t>.</a:t>
-            </a:r>
-          </a:p>
-          <a:p>
-            <a:r>
-              <a:rPr lang="ko-KR" altLang="en-US" dirty="0" smtClean="0"/>
-              <a:t>사용자가 지정한 형식에 따라서 파일에 저장합니다 </a:t>
-            </a:r>
-            <a:r>
-              <a:rPr lang="en-US" altLang="ko-KR" dirty="0" smtClean="0"/>
-              <a:t>(mp4, </a:t>
-            </a:r>
-            <a:r>
-              <a:rPr lang="en-US" altLang="ko-KR" dirty="0" err="1" smtClean="0"/>
-              <a:t>avi</a:t>
-            </a:r>
-            <a:r>
-              <a:rPr lang="en-US" altLang="ko-KR" dirty="0" smtClean="0"/>
-              <a:t>, gif)</a:t>
-            </a:r>
-          </a:p>
-          <a:p>
-            <a:endParaRPr lang="en-US" altLang="ko-KR" dirty="0"/>
-          </a:p>
-          <a:p>
-            <a:r>
-              <a:rPr lang="ko-KR" altLang="en-US" dirty="0" smtClean="0"/>
-              <a:t>또한 각 모션을 지원하기 위해서 제작한 함수들이 있습니다</a:t>
-            </a:r>
-            <a:r>
-              <a:rPr lang="en-US" altLang="ko-KR" dirty="0" smtClean="0"/>
-              <a:t>.</a:t>
-            </a:r>
+            <a:endParaRPr lang="ko-KR" altLang="en-US" dirty="0"/>
+          </a:p>
+          <a:p>
+            <a:endParaRPr lang="en-US" altLang="ko-KR" dirty="0" smtClean="0"/>
+          </a:p>
+          <a:p>
+            <a:endParaRPr lang="ko-KR" altLang="en-US" dirty="0"/>
           </a:p>
         </p:txBody>
       </p:sp>
     </p:spTree>
     <p:extLst>
       <p:ext uri="{BB962C8B-B14F-4D97-AF65-F5344CB8AC3E}">
-        <p14:creationId xmlns:p14="http://schemas.microsoft.com/office/powerpoint/2010/main" val="1458598654"/>
+        <p14:creationId xmlns:p14="http://schemas.microsoft.com/office/powerpoint/2010/main" val="3118249751"/>
       </p:ext>
     </p:extLst>
   </p:cSld>
   <p:clrMapOvr>
     <a:masterClrMapping/>
   </p:clrMapOvr>
+  <mc:AlternateContent xmlns:mc="http://schemas.openxmlformats.org/markup-compatibility/2006">
+    <mc:Choice xmlns:p15="http://schemas.microsoft.com/office/powerpoint/2012/main" Requires="p15">
+      <p:transition xmlns:p14="http://schemas.microsoft.com/office/powerpoint/2010/main" spd="slow" p14:dur="1250">
+        <p15:prstTrans prst="airplane"/>
+      </p:transition>
+    </mc:Choice>
+    <mc:Fallback>
+      <p:transition spd="slow">
+        <p:fade/>
+      </p:transition>
+    </mc:Fallback>
+  </mc:AlternateContent>
   <p:timing>
     <p:tnLst>
       <p:par>
@@ -6499,7 +9898,11 @@
           <a:p>
             <a:r>
               <a:rPr lang="en-US" altLang="ko-KR" dirty="0" smtClean="0"/>
-              <a:t>A. rotate</a:t>
+              <a:t>Feature - </a:t>
+            </a:r>
+            <a:r>
+              <a:rPr lang="ko-KR" altLang="en-US" dirty="0" smtClean="0"/>
+              <a:t>기능</a:t>
             </a:r>
             <a:endParaRPr lang="ko-KR" altLang="en-US" dirty="0"/>
           </a:p>
@@ -6522,7 +9925,7 @@
           <a:p>
             <a:r>
               <a:rPr lang="ko-KR" altLang="en-US" dirty="0" smtClean="0"/>
-              <a:t>말 그대로 이미지를 회전시킵니다</a:t>
+              <a:t>이 프로그램은 동영상을 만들기 위해 몇몇 기능을 제공합니다</a:t>
             </a:r>
             <a:r>
               <a:rPr lang="en-US" altLang="ko-KR" dirty="0" smtClean="0"/>
@@ -6535,77 +9938,66 @@
           <a:p>
             <a:r>
               <a:rPr lang="ko-KR" altLang="en-US" dirty="0" smtClean="0"/>
-              <a:t>이미지를 특정한 점을 기준으로 회전시켜 반환합니다</a:t>
+              <a:t>대표적으로 구조</a:t>
             </a:r>
             <a:r>
               <a:rPr lang="en-US" altLang="ko-KR" dirty="0" smtClean="0"/>
+              <a:t>(structure), </a:t>
+            </a:r>
+            <a:r>
+              <a:rPr lang="ko-KR" altLang="en-US" dirty="0" smtClean="0"/>
+              <a:t>저장 및 불러오기 </a:t>
+            </a:r>
+            <a:r>
+              <a:rPr lang="en-US" altLang="ko-KR" dirty="0" smtClean="0"/>
+              <a:t>(</a:t>
+            </a:r>
+            <a:r>
+              <a:rPr lang="en-US" altLang="ko-KR" dirty="0" err="1" smtClean="0"/>
+              <a:t>save&amp;load</a:t>
+            </a:r>
+            <a:r>
+              <a:rPr lang="en-US" altLang="ko-KR" dirty="0" smtClean="0"/>
+              <a:t>), </a:t>
+            </a:r>
+          </a:p>
+          <a:p>
+            <a:pPr marL="400050" lvl="1" indent="0">
+              <a:buNone/>
+            </a:pPr>
+            <a:r>
+              <a:rPr lang="ko-KR" altLang="en-US" sz="1800" dirty="0" smtClean="0"/>
+              <a:t>   그리고 실행 속도</a:t>
+            </a:r>
+            <a:r>
+              <a:rPr lang="en-US" altLang="ko-KR" sz="1800" dirty="0" smtClean="0"/>
+              <a:t>(operation speed)</a:t>
+            </a:r>
+            <a:r>
+              <a:rPr lang="ko-KR" altLang="en-US" sz="1800" dirty="0" smtClean="0"/>
+              <a:t>로 나눌 수 있습니다</a:t>
+            </a:r>
+            <a:r>
+              <a:rPr lang="en-US" altLang="ko-KR" sz="1800" dirty="0" smtClean="0"/>
               <a:t>.</a:t>
             </a:r>
-          </a:p>
-          <a:p>
-            <a:r>
-              <a:rPr lang="ko-KR" altLang="en-US" dirty="0" err="1" smtClean="0"/>
-              <a:t>왼쪽위</a:t>
-            </a:r>
-            <a:r>
-              <a:rPr lang="en-US" altLang="ko-KR" dirty="0" smtClean="0"/>
-              <a:t>(cv2</a:t>
-            </a:r>
-            <a:r>
-              <a:rPr lang="ko-KR" altLang="en-US" dirty="0" smtClean="0"/>
-              <a:t>의 특성상</a:t>
-            </a:r>
-            <a:r>
-              <a:rPr lang="en-US" altLang="ko-KR" dirty="0" smtClean="0"/>
-              <a:t>)</a:t>
-            </a:r>
-            <a:r>
-              <a:rPr lang="ko-KR" altLang="en-US" dirty="0" smtClean="0"/>
-              <a:t>를 기준으로 </a:t>
-            </a:r>
-            <a:r>
-              <a:rPr lang="en-US" altLang="ko-KR" dirty="0" smtClean="0"/>
-              <a:t>0, 0</a:t>
-            </a:r>
-            <a:r>
-              <a:rPr lang="ko-KR" altLang="en-US" dirty="0" smtClean="0"/>
-              <a:t>으로 두어 각각의 점들을 회전된 좌표에 다시 삽입합니다</a:t>
-            </a:r>
-            <a:r>
-              <a:rPr lang="en-US" altLang="ko-KR" dirty="0" smtClean="0"/>
-              <a:t>.</a:t>
-            </a:r>
-          </a:p>
-          <a:p>
-            <a:r>
-              <a:rPr lang="ko-KR" altLang="en-US" dirty="0" smtClean="0"/>
-              <a:t>이 코드는 바로 다음의 </a:t>
-            </a:r>
-            <a:r>
-              <a:rPr lang="en-US" altLang="ko-KR" dirty="0" smtClean="0"/>
-              <a:t>rotated</a:t>
-            </a:r>
-            <a:r>
-              <a:rPr lang="ko-KR" altLang="en-US" dirty="0" smtClean="0"/>
-              <a:t>와 같으므로 생략합니다</a:t>
-            </a:r>
-            <a:r>
-              <a:rPr lang="en-US" altLang="ko-KR" dirty="0" smtClean="0"/>
-              <a:t>.</a:t>
-            </a:r>
+            <a:endParaRPr lang="ko-KR" altLang="en-US" sz="1800" dirty="0"/>
           </a:p>
         </p:txBody>
       </p:sp>
     </p:spTree>
     <p:extLst>
       <p:ext uri="{BB962C8B-B14F-4D97-AF65-F5344CB8AC3E}">
-        <p14:creationId xmlns:p14="http://schemas.microsoft.com/office/powerpoint/2010/main" val="1906380571"/>
+        <p14:creationId xmlns:p14="http://schemas.microsoft.com/office/powerpoint/2010/main" val="3612632107"/>
       </p:ext>
     </p:extLst>
   </p:cSld>
   <p:clrMapOvr>
     <a:masterClrMapping/>
   </p:clrMapOvr>
+  <p:transition spd="slow">
+    <p:comb/>
+  </p:transition>
   <p:timing>
     <p:tnLst>
       <p:par>
@@ -6650,7 +10042,11 @@
           <a:p>
             <a:r>
               <a:rPr lang="en-US" altLang="ko-KR" dirty="0" smtClean="0"/>
-              <a:t>B. rotated</a:t>
+              <a:t>Structure - </a:t>
+            </a:r>
+            <a:r>
+              <a:rPr lang="ko-KR" altLang="en-US" dirty="0" smtClean="0"/>
+              <a:t>구조</a:t>
             </a:r>
             <a:endParaRPr lang="ko-KR" altLang="en-US" dirty="0"/>
           </a:p>
@@ -6671,20 +10067,914 @@
           <a:bodyPr/>
           <a:lstStyle/>
           <a:p>
-            <a:endParaRPr lang="ko-KR" altLang="en-US"/>
+            <a:r>
+              <a:rPr lang="ko-KR" altLang="en-US" dirty="0" smtClean="0"/>
+              <a:t>이 프로그램에서는 동영상 구성을 더욱 쉽게 하기 위해서 </a:t>
+            </a:r>
+            <a:r>
+              <a:rPr lang="en-US" altLang="ko-KR" dirty="0" smtClean="0"/>
+              <a:t>Project(</a:t>
+            </a:r>
+            <a:r>
+              <a:rPr lang="ko-KR" altLang="en-US" dirty="0" smtClean="0"/>
+              <a:t>프로젝트</a:t>
+            </a:r>
+            <a:r>
+              <a:rPr lang="en-US" altLang="ko-KR" dirty="0" smtClean="0"/>
+              <a:t>) – Scene(</a:t>
+            </a:r>
+            <a:r>
+              <a:rPr lang="ko-KR" altLang="en-US" dirty="0" smtClean="0"/>
+              <a:t>장면</a:t>
+            </a:r>
+            <a:r>
+              <a:rPr lang="en-US" altLang="ko-KR" dirty="0" smtClean="0"/>
+              <a:t>) – Sprite(</a:t>
+            </a:r>
+            <a:r>
+              <a:rPr lang="ko-KR" altLang="en-US" dirty="0" err="1" smtClean="0"/>
+              <a:t>스프라이트</a:t>
+            </a:r>
+            <a:r>
+              <a:rPr lang="en-US" altLang="ko-KR" dirty="0" smtClean="0"/>
+              <a:t>) – Motion(</a:t>
+            </a:r>
+            <a:r>
+              <a:rPr lang="ko-KR" altLang="en-US" dirty="0" smtClean="0"/>
+              <a:t>모션</a:t>
+            </a:r>
+            <a:r>
+              <a:rPr lang="en-US" altLang="ko-KR" dirty="0" smtClean="0"/>
+              <a:t>)</a:t>
+            </a:r>
+            <a:r>
+              <a:rPr lang="ko-KR" altLang="en-US" dirty="0" smtClean="0"/>
+              <a:t>의 순으로 조직화 되어 있습니다</a:t>
+            </a:r>
+            <a:r>
+              <a:rPr lang="en-US" altLang="ko-KR" dirty="0" smtClean="0"/>
+              <a:t>.</a:t>
+            </a:r>
+          </a:p>
+          <a:p>
+            <a:r>
+              <a:rPr lang="ko-KR" altLang="en-US" dirty="0" smtClean="0"/>
+              <a:t>각 요소의 역할을 다음과 같습니다</a:t>
+            </a:r>
+            <a:r>
+              <a:rPr lang="en-US" altLang="ko-KR" dirty="0" smtClean="0"/>
+              <a:t>.</a:t>
+            </a:r>
+          </a:p>
+          <a:p>
+            <a:endParaRPr lang="en-US" altLang="ko-KR" dirty="0"/>
+          </a:p>
+          <a:p>
+            <a:r>
+              <a:rPr lang="en-US" altLang="ko-KR" dirty="0" smtClean="0"/>
+              <a:t>Project(</a:t>
+            </a:r>
+            <a:r>
+              <a:rPr lang="ko-KR" altLang="en-US" dirty="0" smtClean="0"/>
+              <a:t>프로젝트</a:t>
+            </a:r>
+            <a:r>
+              <a:rPr lang="en-US" altLang="ko-KR" dirty="0" smtClean="0"/>
+              <a:t>): </a:t>
+            </a:r>
+            <a:r>
+              <a:rPr lang="ko-KR" altLang="en-US" dirty="0" smtClean="0"/>
+              <a:t>프로젝트의 이름</a:t>
+            </a:r>
+            <a:r>
+              <a:rPr lang="en-US" altLang="ko-KR" dirty="0" smtClean="0"/>
+              <a:t>, </a:t>
+            </a:r>
+            <a:r>
+              <a:rPr lang="ko-KR" altLang="en-US" dirty="0" err="1" smtClean="0"/>
+              <a:t>속성등을</a:t>
+            </a:r>
+            <a:r>
+              <a:rPr lang="ko-KR" altLang="en-US" dirty="0" smtClean="0"/>
+              <a:t> 저장합니다</a:t>
+            </a:r>
+            <a:r>
+              <a:rPr lang="en-US" altLang="ko-KR" dirty="0" smtClean="0"/>
+              <a:t>.</a:t>
+            </a:r>
+          </a:p>
+          <a:p>
+            <a:r>
+              <a:rPr lang="en-US" altLang="ko-KR" dirty="0" smtClean="0"/>
+              <a:t>Scene(</a:t>
+            </a:r>
+            <a:r>
+              <a:rPr lang="ko-KR" altLang="en-US" dirty="0" smtClean="0"/>
+              <a:t>장면</a:t>
+            </a:r>
+            <a:r>
+              <a:rPr lang="en-US" altLang="ko-KR" dirty="0" smtClean="0"/>
+              <a:t>): </a:t>
+            </a:r>
+            <a:r>
+              <a:rPr lang="ko-KR" altLang="en-US" dirty="0" smtClean="0"/>
+              <a:t>각각의 </a:t>
+            </a:r>
+            <a:r>
+              <a:rPr lang="ko-KR" altLang="en-US" dirty="0" err="1" smtClean="0"/>
+              <a:t>상황등을</a:t>
+            </a:r>
+            <a:r>
+              <a:rPr lang="ko-KR" altLang="en-US" dirty="0" smtClean="0"/>
+              <a:t> 장면으로 나누어 스프라이트의 등장 시간을 나누어 줄 수 있습니다</a:t>
+            </a:r>
+            <a:r>
+              <a:rPr lang="en-US" altLang="ko-KR" dirty="0" smtClean="0"/>
+              <a:t>.</a:t>
+            </a:r>
+          </a:p>
+          <a:p>
+            <a:r>
+              <a:rPr lang="en-US" altLang="ko-KR" dirty="0" smtClean="0"/>
+              <a:t>Sprite(</a:t>
+            </a:r>
+            <a:r>
+              <a:rPr lang="ko-KR" altLang="en-US" dirty="0" err="1" smtClean="0"/>
+              <a:t>스프라이트</a:t>
+            </a:r>
+            <a:r>
+              <a:rPr lang="en-US" altLang="ko-KR" dirty="0" smtClean="0"/>
+              <a:t>): </a:t>
+            </a:r>
+            <a:r>
+              <a:rPr lang="ko-KR" altLang="en-US" dirty="0" smtClean="0"/>
+              <a:t>각각의 이미지들을 표현합니다</a:t>
+            </a:r>
+            <a:r>
+              <a:rPr lang="en-US" altLang="ko-KR" dirty="0" smtClean="0"/>
+              <a:t>.</a:t>
+            </a:r>
+          </a:p>
+          <a:p>
+            <a:r>
+              <a:rPr lang="en-US" altLang="ko-KR" dirty="0" smtClean="0"/>
+              <a:t>Motion(</a:t>
+            </a:r>
+            <a:r>
+              <a:rPr lang="ko-KR" altLang="en-US" dirty="0" smtClean="0"/>
+              <a:t>모션</a:t>
+            </a:r>
+            <a:r>
+              <a:rPr lang="en-US" altLang="ko-KR" dirty="0" smtClean="0"/>
+              <a:t>): </a:t>
+            </a:r>
+            <a:r>
+              <a:rPr lang="ko-KR" altLang="en-US" dirty="0" smtClean="0"/>
+              <a:t>스프라이트의 움직임을 간단한 조작으로 제어합니다</a:t>
+            </a:r>
+            <a:r>
+              <a:rPr lang="en-US" altLang="ko-KR" dirty="0" smtClean="0"/>
+              <a:t>.</a:t>
+            </a:r>
           </a:p>
         </p:txBody>
       </p:sp>
     </p:spTree>
     <p:extLst>
       <p:ext uri="{BB962C8B-B14F-4D97-AF65-F5344CB8AC3E}">
-        <p14:creationId xmlns:p14="http://schemas.microsoft.com/office/powerpoint/2010/main" val="2534987828"/>
+        <p14:creationId xmlns:p14="http://schemas.microsoft.com/office/powerpoint/2010/main" val="1822774396"/>
       </p:ext>
     </p:extLst>
   </p:cSld>
   <p:clrMapOvr>
     <a:masterClrMapping/>
   </p:clrMapOvr>
+  <mc:AlternateContent xmlns:mc="http://schemas.openxmlformats.org/markup-compatibility/2006">
+    <mc:Choice xmlns:p14="http://schemas.microsoft.com/office/powerpoint/2010/main" Requires="p14">
+      <p:transition spd="slow" p14:dur="1250">
+        <p14:flip dir="r"/>
+      </p:transition>
+    </mc:Choice>
+    <mc:Fallback>
+      <p:transition spd="slow">
+        <p:fade/>
+      </p:transition>
+    </mc:Fallback>
+  </mc:AlternateContent>
+  <p:timing>
+    <p:tnLst>
+      <p:par>
+        <p:cTn id="1" dur="indefinite" restart="never" nodeType="tmRoot"/>
+      </p:par>
+    </p:tnLst>
+  </p:timing>
+</p:sld>
+</file>
+
+<file path=ppt/slides/slide6.xml><?xml version="1.0" encoding="utf-8"?>
+<p:sld xmlns:a="http://schemas.openxmlformats.org/drawingml/2006/main" xmlns:r="http://schemas.openxmlformats.org/officeDocument/2006/relationships" xmlns:p="http://schemas.openxmlformats.org/presentationml/2006/main">
+  <p:cSld>
+    <p:spTree>
+      <p:nvGrpSpPr>
+        <p:cNvPr id="1" name=""/>
+        <p:cNvGrpSpPr/>
+        <p:nvPr/>
+      </p:nvGrpSpPr>
+      <p:grpSpPr>
+        <a:xfrm>
+          <a:off x="0" y="0"/>
+          <a:ext cx="0" cy="0"/>
+          <a:chOff x="0" y="0"/>
+          <a:chExt cx="0" cy="0"/>
+        </a:xfrm>
+      </p:grpSpPr>
+      <p:sp>
+        <p:nvSpPr>
+          <p:cNvPr id="2" name="제목 1"/>
+          <p:cNvSpPr>
+            <a:spLocks noGrp="1"/>
+          </p:cNvSpPr>
+          <p:nvPr>
+            <p:ph type="title"/>
+          </p:nvPr>
+        </p:nvSpPr>
+        <p:spPr/>
+        <p:txBody>
+          <a:bodyPr/>
+          <a:lstStyle/>
+          <a:p>
+            <a:r>
+              <a:rPr lang="en-US" altLang="ko-KR" dirty="0" smtClean="0"/>
+              <a:t>Save &amp; Load - </a:t>
+            </a:r>
+            <a:r>
+              <a:rPr lang="ko-KR" altLang="en-US" dirty="0" smtClean="0"/>
+              <a:t>저장 및 불러오기</a:t>
+            </a:r>
+            <a:endParaRPr lang="ko-KR" altLang="en-US" dirty="0"/>
+          </a:p>
+        </p:txBody>
+      </p:sp>
+      <p:sp>
+        <p:nvSpPr>
+          <p:cNvPr id="3" name="내용 개체 틀 2"/>
+          <p:cNvSpPr>
+            <a:spLocks noGrp="1"/>
+          </p:cNvSpPr>
+          <p:nvPr>
+            <p:ph idx="1"/>
+          </p:nvPr>
+        </p:nvSpPr>
+        <p:spPr/>
+        <p:txBody>
+          <a:bodyPr/>
+          <a:lstStyle/>
+          <a:p>
+            <a:r>
+              <a:rPr lang="ko-KR" altLang="en-US" dirty="0" smtClean="0"/>
+              <a:t>저장 및 불러오기 기능입니다</a:t>
+            </a:r>
+            <a:r>
+              <a:rPr lang="en-US" altLang="ko-KR" dirty="0" smtClean="0"/>
+              <a:t>.</a:t>
+            </a:r>
+          </a:p>
+          <a:p>
+            <a:r>
+              <a:rPr lang="en-US" altLang="ko-KR" dirty="0" err="1" smtClean="0"/>
+              <a:t>MotionWriter</a:t>
+            </a:r>
+            <a:r>
+              <a:rPr lang="ko-KR" altLang="en-US" dirty="0" smtClean="0"/>
+              <a:t>의 경우 </a:t>
+            </a:r>
+            <a:r>
+              <a:rPr lang="en-US" altLang="ko-KR" dirty="0" smtClean="0"/>
+              <a:t>.</a:t>
+            </a:r>
+            <a:r>
+              <a:rPr lang="en-US" altLang="ko-KR" dirty="0" err="1" smtClean="0"/>
+              <a:t>mwp</a:t>
+            </a:r>
+            <a:r>
+              <a:rPr lang="en-US" altLang="ko-KR" dirty="0" smtClean="0"/>
+              <a:t>(Motion Writer Project) </a:t>
+            </a:r>
+            <a:r>
+              <a:rPr lang="ko-KR" altLang="en-US" dirty="0" err="1" smtClean="0"/>
+              <a:t>확장자를</a:t>
+            </a:r>
+            <a:r>
+              <a:rPr lang="ko-KR" altLang="en-US" dirty="0" smtClean="0"/>
+              <a:t> 사용하며 데이터는 </a:t>
+            </a:r>
+            <a:r>
+              <a:rPr lang="en-US" altLang="ko-KR" dirty="0" err="1" smtClean="0"/>
+              <a:t>json</a:t>
+            </a:r>
+            <a:r>
+              <a:rPr lang="en-US" altLang="ko-KR" dirty="0" smtClean="0"/>
+              <a:t> </a:t>
+            </a:r>
+            <a:r>
+              <a:rPr lang="ko-KR" altLang="en-US" dirty="0" smtClean="0"/>
+              <a:t>형식을 상용하여 저장합니다</a:t>
+            </a:r>
+            <a:r>
+              <a:rPr lang="en-US" altLang="ko-KR" dirty="0" smtClean="0"/>
+              <a:t>.</a:t>
+            </a:r>
+            <a:endParaRPr lang="ko-KR" altLang="en-US" dirty="0"/>
+          </a:p>
+        </p:txBody>
+      </p:sp>
+    </p:spTree>
+    <p:extLst>
+      <p:ext uri="{BB962C8B-B14F-4D97-AF65-F5344CB8AC3E}">
+        <p14:creationId xmlns:p14="http://schemas.microsoft.com/office/powerpoint/2010/main" val="2466488195"/>
+      </p:ext>
+    </p:extLst>
+  </p:cSld>
+  <p:clrMapOvr>
+    <a:masterClrMapping/>
+  </p:clrMapOvr>
+  <mc:AlternateContent xmlns:mc="http://schemas.openxmlformats.org/markup-compatibility/2006">
+    <mc:Choice xmlns:p14="http://schemas.microsoft.com/office/powerpoint/2010/main" Requires="p14">
+      <p:transition spd="slow" p14:dur="1250">
+        <p14:flip dir="r"/>
+      </p:transition>
+    </mc:Choice>
+    <mc:Fallback>
+      <p:transition spd="slow">
+        <p:fade/>
+      </p:transition>
+    </mc:Fallback>
+  </mc:AlternateContent>
+  <p:timing>
+    <p:tnLst>
+      <p:par>
+        <p:cTn id="1" dur="indefinite" restart="never" nodeType="tmRoot"/>
+      </p:par>
+    </p:tnLst>
+  </p:timing>
+</p:sld>
+</file>
+
+<file path=ppt/slides/slide7.xml><?xml version="1.0" encoding="utf-8"?>
+<p:sld xmlns:a="http://schemas.openxmlformats.org/drawingml/2006/main" xmlns:r="http://schemas.openxmlformats.org/officeDocument/2006/relationships" xmlns:p="http://schemas.openxmlformats.org/presentationml/2006/main">
+  <p:cSld>
+    <p:spTree>
+      <p:nvGrpSpPr>
+        <p:cNvPr id="1" name=""/>
+        <p:cNvGrpSpPr/>
+        <p:nvPr/>
+      </p:nvGrpSpPr>
+      <p:grpSpPr>
+        <a:xfrm>
+          <a:off x="0" y="0"/>
+          <a:ext cx="0" cy="0"/>
+          <a:chOff x="0" y="0"/>
+          <a:chExt cx="0" cy="0"/>
+        </a:xfrm>
+      </p:grpSpPr>
+      <p:sp>
+        <p:nvSpPr>
+          <p:cNvPr id="2" name="제목 1"/>
+          <p:cNvSpPr>
+            <a:spLocks noGrp="1"/>
+          </p:cNvSpPr>
+          <p:nvPr>
+            <p:ph type="title"/>
+          </p:nvPr>
+        </p:nvSpPr>
+        <p:spPr/>
+        <p:txBody>
+          <a:bodyPr/>
+          <a:lstStyle/>
+          <a:p>
+            <a:r>
+              <a:rPr lang="en-US" altLang="ko-KR" dirty="0" smtClean="0"/>
+              <a:t>Operation Speed - </a:t>
+            </a:r>
+            <a:r>
+              <a:rPr lang="ko-KR" altLang="en-US" dirty="0" err="1" smtClean="0"/>
+              <a:t>실행속도</a:t>
+            </a:r>
+            <a:endParaRPr lang="ko-KR" altLang="en-US" dirty="0"/>
+          </a:p>
+        </p:txBody>
+      </p:sp>
+      <p:sp>
+        <p:nvSpPr>
+          <p:cNvPr id="3" name="내용 개체 틀 2"/>
+          <p:cNvSpPr>
+            <a:spLocks noGrp="1"/>
+          </p:cNvSpPr>
+          <p:nvPr>
+            <p:ph idx="1"/>
+          </p:nvPr>
+        </p:nvSpPr>
+        <p:spPr/>
+        <p:txBody>
+          <a:bodyPr/>
+          <a:lstStyle/>
+          <a:p>
+            <a:r>
+              <a:rPr lang="en-US" altLang="ko-KR" dirty="0" err="1" smtClean="0"/>
+              <a:t>MotionWriter</a:t>
+            </a:r>
+            <a:r>
+              <a:rPr lang="ko-KR" altLang="en-US" dirty="0" smtClean="0"/>
+              <a:t>의 경우 각각의 점들에 대하여 </a:t>
+            </a:r>
+            <a:r>
+              <a:rPr lang="ko-KR" altLang="en-US" dirty="0" err="1" smtClean="0"/>
+              <a:t>위치이동을</a:t>
+            </a:r>
+            <a:r>
+              <a:rPr lang="ko-KR" altLang="en-US" dirty="0" smtClean="0"/>
+              <a:t> 계산해야 하므로 굉장히 많은 연산이 필요합니다</a:t>
+            </a:r>
+            <a:r>
+              <a:rPr lang="en-US" altLang="ko-KR" dirty="0" smtClean="0"/>
+              <a:t>.</a:t>
+            </a:r>
+          </a:p>
+          <a:p>
+            <a:r>
+              <a:rPr lang="ko-KR" altLang="en-US" dirty="0" smtClean="0"/>
+              <a:t>하지만 </a:t>
+            </a:r>
+            <a:r>
+              <a:rPr lang="en-US" altLang="ko-KR" dirty="0" smtClean="0"/>
+              <a:t>python</a:t>
+            </a:r>
+            <a:r>
+              <a:rPr lang="ko-KR" altLang="en-US" dirty="0" smtClean="0"/>
+              <a:t>의 경우에는 실행속도가 느린 관계로 </a:t>
+            </a:r>
+            <a:r>
+              <a:rPr lang="en-US" altLang="ko-KR" dirty="0" smtClean="0"/>
+              <a:t>@</a:t>
+            </a:r>
+            <a:r>
+              <a:rPr lang="en-US" altLang="ko-KR" dirty="0" err="1" smtClean="0"/>
+              <a:t>numba.jit</a:t>
+            </a:r>
+            <a:r>
+              <a:rPr lang="en-US" altLang="ko-KR" dirty="0" smtClean="0"/>
+              <a:t> </a:t>
+            </a:r>
+            <a:r>
+              <a:rPr lang="ko-KR" altLang="en-US" dirty="0" smtClean="0"/>
+              <a:t>데코레이터를 활용했습니다</a:t>
+            </a:r>
+            <a:r>
+              <a:rPr lang="en-US" altLang="ko-KR" dirty="0" smtClean="0"/>
+              <a:t>.</a:t>
+            </a:r>
+          </a:p>
+          <a:p>
+            <a:r>
+              <a:rPr lang="en-US" altLang="ko-KR" dirty="0"/>
+              <a:t>JIT </a:t>
+            </a:r>
+            <a:r>
+              <a:rPr lang="ko-KR" altLang="en-US" dirty="0"/>
+              <a:t>컴파일러는 같은 코드를 매번 해석하는 대신 처음 실행될 때 </a:t>
+            </a:r>
+            <a:r>
+              <a:rPr lang="ko-KR" altLang="en-US" dirty="0" err="1"/>
+              <a:t>인터프리트를</a:t>
+            </a:r>
+            <a:r>
+              <a:rPr lang="ko-KR" altLang="en-US" dirty="0"/>
+              <a:t> 하면서 자주 쓰이는 코드를 </a:t>
+            </a:r>
+            <a:r>
+              <a:rPr lang="ko-KR" altLang="en-US" dirty="0" err="1"/>
+              <a:t>캐싱한</a:t>
+            </a:r>
+            <a:r>
+              <a:rPr lang="ko-KR" altLang="en-US" dirty="0"/>
+              <a:t> </a:t>
+            </a:r>
+            <a:r>
+              <a:rPr lang="ko-KR" altLang="en-US" dirty="0"/>
+              <a:t>뒤</a:t>
+            </a:r>
+            <a:r>
+              <a:rPr lang="en-US" altLang="ko-KR" dirty="0" smtClean="0"/>
+              <a:t>, </a:t>
+            </a:r>
+            <a:r>
+              <a:rPr lang="ko-KR" altLang="en-US" dirty="0"/>
+              <a:t>이후에는 </a:t>
+            </a:r>
+            <a:r>
+              <a:rPr lang="ko-KR" altLang="en-US" dirty="0" err="1"/>
+              <a:t>캐싱된</a:t>
+            </a:r>
+            <a:r>
+              <a:rPr lang="ko-KR" altLang="en-US" dirty="0"/>
+              <a:t> 코드를 가져다 쓰기 때문에 인터프리터의 느린 실행 속도를 개선할 수 </a:t>
+            </a:r>
+            <a:r>
+              <a:rPr lang="ko-KR" altLang="en-US" dirty="0" smtClean="0"/>
+              <a:t>있습니다</a:t>
+            </a:r>
+            <a:r>
+              <a:rPr lang="en-US" altLang="ko-KR" dirty="0" smtClean="0"/>
+              <a:t>.</a:t>
+            </a:r>
+            <a:endParaRPr lang="ko-KR" altLang="en-US" dirty="0"/>
+          </a:p>
+        </p:txBody>
+      </p:sp>
+    </p:spTree>
+    <p:extLst>
+      <p:ext uri="{BB962C8B-B14F-4D97-AF65-F5344CB8AC3E}">
+        <p14:creationId xmlns:p14="http://schemas.microsoft.com/office/powerpoint/2010/main" val="4019865043"/>
+      </p:ext>
+    </p:extLst>
+  </p:cSld>
+  <p:clrMapOvr>
+    <a:masterClrMapping/>
+  </p:clrMapOvr>
+  <mc:AlternateContent xmlns:mc="http://schemas.openxmlformats.org/markup-compatibility/2006">
+    <mc:Choice xmlns:p14="http://schemas.microsoft.com/office/powerpoint/2010/main" Requires="p14">
+      <p:transition spd="slow" p14:dur="1250">
+        <p14:flip dir="r"/>
+      </p:transition>
+    </mc:Choice>
+    <mc:Fallback>
+      <p:transition spd="slow">
+        <p:fade/>
+      </p:transition>
+    </mc:Fallback>
+  </mc:AlternateContent>
+  <p:timing>
+    <p:tnLst>
+      <p:par>
+        <p:cTn id="1" dur="indefinite" restart="never" nodeType="tmRoot"/>
+      </p:par>
+    </p:tnLst>
+  </p:timing>
+</p:sld>
+</file>
+
+<file path=ppt/slides/slide8.xml><?xml version="1.0" encoding="utf-8"?>
+<p:sld xmlns:a="http://schemas.openxmlformats.org/drawingml/2006/main" xmlns:r="http://schemas.openxmlformats.org/officeDocument/2006/relationships" xmlns:p="http://schemas.openxmlformats.org/presentationml/2006/main">
+  <p:cSld>
+    <p:spTree>
+      <p:nvGrpSpPr>
+        <p:cNvPr id="1" name=""/>
+        <p:cNvGrpSpPr/>
+        <p:nvPr/>
+      </p:nvGrpSpPr>
+      <p:grpSpPr>
+        <a:xfrm>
+          <a:off x="0" y="0"/>
+          <a:ext cx="0" cy="0"/>
+          <a:chOff x="0" y="0"/>
+          <a:chExt cx="0" cy="0"/>
+        </a:xfrm>
+      </p:grpSpPr>
+      <p:sp>
+        <p:nvSpPr>
+          <p:cNvPr id="2" name="제목 1"/>
+          <p:cNvSpPr>
+            <a:spLocks noGrp="1"/>
+          </p:cNvSpPr>
+          <p:nvPr>
+            <p:ph type="title"/>
+          </p:nvPr>
+        </p:nvSpPr>
+        <p:spPr/>
+        <p:txBody>
+          <a:bodyPr/>
+          <a:lstStyle/>
+          <a:p>
+            <a:r>
+              <a:rPr lang="en-US" altLang="ko-KR" dirty="0"/>
+              <a:t>How this works?</a:t>
+            </a:r>
+            <a:endParaRPr lang="ko-KR" altLang="en-US" dirty="0"/>
+          </a:p>
+        </p:txBody>
+      </p:sp>
+      <p:sp>
+        <p:nvSpPr>
+          <p:cNvPr id="3" name="내용 개체 틀 2"/>
+          <p:cNvSpPr>
+            <a:spLocks noGrp="1"/>
+          </p:cNvSpPr>
+          <p:nvPr>
+            <p:ph idx="1"/>
+          </p:nvPr>
+        </p:nvSpPr>
+        <p:spPr>
+          <a:xfrm>
+            <a:off x="677334" y="1722121"/>
+            <a:ext cx="9238453" cy="4319242"/>
+          </a:xfrm>
+        </p:spPr>
+        <p:txBody>
+          <a:bodyPr/>
+          <a:lstStyle/>
+          <a:p>
+            <a:r>
+              <a:rPr lang="ko-KR" altLang="en-US" dirty="0"/>
+              <a:t>각 프레임</a:t>
+            </a:r>
+            <a:r>
+              <a:rPr lang="en-US" altLang="ko-KR" dirty="0"/>
+              <a:t>( 1</a:t>
+            </a:r>
+            <a:r>
+              <a:rPr lang="ko-KR" altLang="en-US" dirty="0" err="1"/>
+              <a:t>틱</a:t>
+            </a:r>
+            <a:r>
+              <a:rPr lang="ko-KR" altLang="en-US" dirty="0"/>
+              <a:t> </a:t>
+            </a:r>
+            <a:r>
+              <a:rPr lang="en-US" altLang="ko-KR" dirty="0"/>
+              <a:t>)</a:t>
+            </a:r>
+            <a:r>
+              <a:rPr lang="ko-KR" altLang="en-US" dirty="0"/>
+              <a:t>에 각각의 </a:t>
+            </a:r>
+            <a:r>
+              <a:rPr lang="en-US" altLang="ko-KR" dirty="0"/>
+              <a:t>sprite</a:t>
+            </a:r>
+            <a:r>
+              <a:rPr lang="ko-KR" altLang="en-US" dirty="0"/>
+              <a:t>의 그 </a:t>
+            </a:r>
+            <a:r>
+              <a:rPr lang="ko-KR" altLang="en-US" dirty="0" err="1"/>
+              <a:t>틱에</a:t>
+            </a:r>
+            <a:r>
+              <a:rPr lang="ko-KR" altLang="en-US" dirty="0"/>
+              <a:t> 맞는 모션들의  연산 결과를 그려 넣습니다</a:t>
+            </a:r>
+            <a:r>
+              <a:rPr lang="en-US" altLang="ko-KR" dirty="0"/>
+              <a:t>.</a:t>
+            </a:r>
+          </a:p>
+          <a:p>
+            <a:pPr lvl="1"/>
+            <a:r>
+              <a:rPr lang="ko-KR" altLang="en-US" dirty="0"/>
+              <a:t>이때 각 모션을 저장하는 파일들은 사용자가 임의로 만들어 사용할 수도 있습니다</a:t>
+            </a:r>
+            <a:r>
+              <a:rPr lang="en-US" altLang="ko-KR" dirty="0"/>
+              <a:t>.</a:t>
+            </a:r>
+          </a:p>
+          <a:p>
+            <a:r>
+              <a:rPr lang="ko-KR" altLang="en-US" dirty="0"/>
+              <a:t>각각의 프레임의 이미지를 묶어 비디오를 생성합니다</a:t>
+            </a:r>
+            <a:r>
+              <a:rPr lang="en-US" altLang="ko-KR" dirty="0"/>
+              <a:t>.</a:t>
+            </a:r>
+          </a:p>
+          <a:p>
+            <a:r>
+              <a:rPr lang="ko-KR" altLang="en-US" dirty="0"/>
+              <a:t>사용자가 지정한 형식에 따라서 파일에 저장합니다 </a:t>
+            </a:r>
+            <a:r>
+              <a:rPr lang="en-US" altLang="ko-KR" dirty="0"/>
+              <a:t>(mp4, </a:t>
+            </a:r>
+            <a:r>
+              <a:rPr lang="en-US" altLang="ko-KR" dirty="0" err="1"/>
+              <a:t>avi</a:t>
+            </a:r>
+            <a:r>
+              <a:rPr lang="en-US" altLang="ko-KR" dirty="0"/>
+              <a:t>, gif</a:t>
+            </a:r>
+            <a:r>
+              <a:rPr lang="en-US" altLang="ko-KR" dirty="0" smtClean="0"/>
+              <a:t>)</a:t>
+            </a:r>
+            <a:endParaRPr lang="en-US" altLang="ko-KR" dirty="0"/>
+          </a:p>
+          <a:p>
+            <a:r>
+              <a:rPr lang="ko-KR" altLang="en-US" dirty="0"/>
+              <a:t>또한 각 모션을 지원하기 위해서 제작한 함수들이 있습니다</a:t>
+            </a:r>
+            <a:r>
+              <a:rPr lang="en-US" altLang="ko-KR" dirty="0"/>
+              <a:t>.</a:t>
+            </a:r>
+          </a:p>
+          <a:p>
+            <a:endParaRPr lang="ko-KR" altLang="en-US" dirty="0"/>
+          </a:p>
+        </p:txBody>
+      </p:sp>
+    </p:spTree>
+    <p:extLst>
+      <p:ext uri="{BB962C8B-B14F-4D97-AF65-F5344CB8AC3E}">
+        <p14:creationId xmlns:p14="http://schemas.microsoft.com/office/powerpoint/2010/main" val="2803680489"/>
+      </p:ext>
+    </p:extLst>
+  </p:cSld>
+  <p:clrMapOvr>
+    <a:masterClrMapping/>
+  </p:clrMapOvr>
+  <mc:AlternateContent xmlns:mc="http://schemas.openxmlformats.org/markup-compatibility/2006">
+    <mc:Choice xmlns:p14="http://schemas.microsoft.com/office/powerpoint/2010/main" Requires="p14">
+      <p:transition spd="slow" p14:dur="1600">
+        <p14:prism isInverted="1"/>
+      </p:transition>
+    </mc:Choice>
+    <mc:Fallback>
+      <p:transition spd="slow">
+        <p:fade/>
+      </p:transition>
+    </mc:Fallback>
+  </mc:AlternateContent>
+  <p:timing>
+    <p:tnLst>
+      <p:par>
+        <p:cTn id="1" dur="indefinite" restart="never" nodeType="tmRoot"/>
+      </p:par>
+    </p:tnLst>
+  </p:timing>
+</p:sld>
+</file>
+
+<file path=ppt/slides/slide9.xml><?xml version="1.0" encoding="utf-8"?>
+<p:sld xmlns:a="http://schemas.openxmlformats.org/drawingml/2006/main" xmlns:r="http://schemas.openxmlformats.org/officeDocument/2006/relationships" xmlns:p="http://schemas.openxmlformats.org/presentationml/2006/main">
+  <p:cSld>
+    <p:spTree>
+      <p:nvGrpSpPr>
+        <p:cNvPr id="1" name=""/>
+        <p:cNvGrpSpPr/>
+        <p:nvPr/>
+      </p:nvGrpSpPr>
+      <p:grpSpPr>
+        <a:xfrm>
+          <a:off x="0" y="0"/>
+          <a:ext cx="0" cy="0"/>
+          <a:chOff x="0" y="0"/>
+          <a:chExt cx="0" cy="0"/>
+        </a:xfrm>
+      </p:grpSpPr>
+      <p:sp>
+        <p:nvSpPr>
+          <p:cNvPr id="2" name="제목 1"/>
+          <p:cNvSpPr>
+            <a:spLocks noGrp="1"/>
+          </p:cNvSpPr>
+          <p:nvPr>
+            <p:ph type="title"/>
+          </p:nvPr>
+        </p:nvSpPr>
+        <p:spPr/>
+        <p:txBody>
+          <a:bodyPr/>
+          <a:lstStyle/>
+          <a:p>
+            <a:r>
+              <a:rPr lang="en-US" altLang="ko-KR" dirty="0"/>
+              <a:t>A. rotate</a:t>
+            </a:r>
+            <a:endParaRPr lang="ko-KR" altLang="en-US" dirty="0"/>
+          </a:p>
+        </p:txBody>
+      </p:sp>
+      <p:sp>
+        <p:nvSpPr>
+          <p:cNvPr id="3" name="내용 개체 틀 2"/>
+          <p:cNvSpPr>
+            <a:spLocks noGrp="1"/>
+          </p:cNvSpPr>
+          <p:nvPr>
+            <p:ph idx="1"/>
+          </p:nvPr>
+        </p:nvSpPr>
+        <p:spPr/>
+        <p:txBody>
+          <a:bodyPr/>
+          <a:lstStyle/>
+          <a:p>
+            <a:r>
+              <a:rPr lang="ko-KR" altLang="en-US" dirty="0"/>
+              <a:t>말 그대로 이미지를 회전시킵니다</a:t>
+            </a:r>
+            <a:r>
+              <a:rPr lang="en-US" altLang="ko-KR" dirty="0"/>
+              <a:t>.</a:t>
+            </a:r>
+          </a:p>
+          <a:p>
+            <a:endParaRPr lang="en-US" altLang="ko-KR" dirty="0"/>
+          </a:p>
+          <a:p>
+            <a:r>
+              <a:rPr lang="ko-KR" altLang="en-US" dirty="0"/>
+              <a:t>이미지를 특정한 점을 기준으로 회전시켜 반환합니다</a:t>
+            </a:r>
+            <a:r>
+              <a:rPr lang="en-US" altLang="ko-KR" dirty="0"/>
+              <a:t>.</a:t>
+            </a:r>
+          </a:p>
+          <a:p>
+            <a:r>
+              <a:rPr lang="ko-KR" altLang="en-US" dirty="0" smtClean="0"/>
+              <a:t>왼쪽 위</a:t>
+            </a:r>
+            <a:r>
+              <a:rPr lang="en-US" altLang="ko-KR" dirty="0"/>
+              <a:t>(cv2</a:t>
+            </a:r>
+            <a:r>
+              <a:rPr lang="ko-KR" altLang="en-US" dirty="0"/>
+              <a:t>의 특성상</a:t>
+            </a:r>
+            <a:r>
+              <a:rPr lang="en-US" altLang="ko-KR" dirty="0"/>
+              <a:t>)</a:t>
+            </a:r>
+            <a:r>
+              <a:rPr lang="ko-KR" altLang="en-US" dirty="0"/>
+              <a:t>를 기준으로 </a:t>
+            </a:r>
+            <a:r>
+              <a:rPr lang="en-US" altLang="ko-KR" dirty="0"/>
+              <a:t>0, 0</a:t>
+            </a:r>
+            <a:r>
+              <a:rPr lang="ko-KR" altLang="en-US" dirty="0"/>
+              <a:t>으로 두어 각각의 점들을 회전된 좌표에 다시 삽입합니다</a:t>
+            </a:r>
+            <a:r>
+              <a:rPr lang="en-US" altLang="ko-KR" dirty="0"/>
+              <a:t>.</a:t>
+            </a:r>
+          </a:p>
+          <a:p>
+            <a:r>
+              <a:rPr lang="ko-KR" altLang="en-US" dirty="0"/>
+              <a:t>이 코드는 바로 다음의 </a:t>
+            </a:r>
+            <a:r>
+              <a:rPr lang="en-US" altLang="ko-KR" dirty="0"/>
+              <a:t>rotated</a:t>
+            </a:r>
+            <a:r>
+              <a:rPr lang="ko-KR" altLang="en-US" dirty="0"/>
+              <a:t>와 같으므로 생략합니다</a:t>
+            </a:r>
+            <a:r>
+              <a:rPr lang="en-US" altLang="ko-KR" dirty="0"/>
+              <a:t>.</a:t>
+            </a:r>
+          </a:p>
+          <a:p>
+            <a:endParaRPr lang="ko-KR" altLang="en-US" dirty="0"/>
+          </a:p>
+        </p:txBody>
+      </p:sp>
+    </p:spTree>
+    <p:extLst>
+      <p:ext uri="{BB962C8B-B14F-4D97-AF65-F5344CB8AC3E}">
+        <p14:creationId xmlns:p14="http://schemas.microsoft.com/office/powerpoint/2010/main" val="2884263182"/>
+      </p:ext>
+    </p:extLst>
+  </p:cSld>
+  <p:clrMapOvr>
+    <a:masterClrMapping/>
+  </p:clrMapOvr>
+  <mc:AlternateContent xmlns:mc="http://schemas.openxmlformats.org/markup-compatibility/2006">
+    <mc:Choice xmlns:p14="http://schemas.microsoft.com/office/powerpoint/2010/main" Requires="p14">
+      <p:transition spd="slow" p14:dur="1600">
+        <p14:gallery dir="l"/>
+      </p:transition>
+    </mc:Choice>
+    <mc:Fallback>
+      <p:transition spd="slow">
+        <p:fade/>
+      </p:transition>
+    </mc:Fallback>
+  </mc:AlternateContent>
   <p:timing>
     <p:tnLst>
       <p:par>
